--- a/DS/Unit 3/Capstone_Presentation1.pptx
+++ b/DS/Unit 3/Capstone_Presentation1.pptx
@@ -9,26 +9,29 @@
     <p:sldId id="256" r:id="rId3"/>
     <p:sldId id="264" r:id="rId4"/>
     <p:sldId id="265" r:id="rId5"/>
-    <p:sldId id="266" r:id="rId6"/>
-    <p:sldId id="267" r:id="rId7"/>
-    <p:sldId id="268" r:id="rId8"/>
-    <p:sldId id="269" r:id="rId9"/>
-    <p:sldId id="270" r:id="rId10"/>
-    <p:sldId id="271" r:id="rId11"/>
-    <p:sldId id="275" r:id="rId12"/>
-    <p:sldId id="272" r:id="rId13"/>
-    <p:sldId id="273" r:id="rId14"/>
-    <p:sldId id="278" r:id="rId15"/>
-    <p:sldId id="277" r:id="rId16"/>
-    <p:sldId id="279" r:id="rId17"/>
-    <p:sldId id="280" r:id="rId18"/>
-    <p:sldId id="281" r:id="rId19"/>
-    <p:sldId id="282" r:id="rId20"/>
-    <p:sldId id="284" r:id="rId21"/>
-    <p:sldId id="285" r:id="rId22"/>
-    <p:sldId id="286" r:id="rId23"/>
-    <p:sldId id="287" r:id="rId24"/>
-    <p:sldId id="288" r:id="rId25"/>
+    <p:sldId id="290" r:id="rId6"/>
+    <p:sldId id="291" r:id="rId7"/>
+    <p:sldId id="266" r:id="rId8"/>
+    <p:sldId id="267" r:id="rId9"/>
+    <p:sldId id="268" r:id="rId10"/>
+    <p:sldId id="269" r:id="rId11"/>
+    <p:sldId id="270" r:id="rId12"/>
+    <p:sldId id="271" r:id="rId13"/>
+    <p:sldId id="275" r:id="rId14"/>
+    <p:sldId id="272" r:id="rId15"/>
+    <p:sldId id="273" r:id="rId16"/>
+    <p:sldId id="278" r:id="rId17"/>
+    <p:sldId id="277" r:id="rId18"/>
+    <p:sldId id="279" r:id="rId19"/>
+    <p:sldId id="280" r:id="rId20"/>
+    <p:sldId id="281" r:id="rId21"/>
+    <p:sldId id="282" r:id="rId22"/>
+    <p:sldId id="284" r:id="rId23"/>
+    <p:sldId id="285" r:id="rId24"/>
+    <p:sldId id="286" r:id="rId25"/>
+    <p:sldId id="289" r:id="rId26"/>
+    <p:sldId id="287" r:id="rId27"/>
+    <p:sldId id="288" r:id="rId28"/>
   </p:sldIdLst>
   <p:sldSz cx="12192000" cy="6858000"/>
   <p:notesSz cx="6858000" cy="9144000"/>
@@ -293,7 +296,7 @@
           <a:p>
             <a:fld id="{CE999CD5-2318-4DCD-9AF4-11B8DA21DA3C}" type="datetimeFigureOut">
               <a:rPr lang="en-US" smtClean="0"/>
-              <a:t>1/30/2019</a:t>
+              <a:t>2/4/2019</a:t>
             </a:fld>
             <a:endParaRPr lang="en-US"/>
           </a:p>
@@ -491,7 +494,7 @@
           <a:p>
             <a:fld id="{CE999CD5-2318-4DCD-9AF4-11B8DA21DA3C}" type="datetimeFigureOut">
               <a:rPr lang="en-US" smtClean="0"/>
-              <a:t>1/30/2019</a:t>
+              <a:t>2/4/2019</a:t>
             </a:fld>
             <a:endParaRPr lang="en-US"/>
           </a:p>
@@ -699,7 +702,7 @@
           <a:p>
             <a:fld id="{CE999CD5-2318-4DCD-9AF4-11B8DA21DA3C}" type="datetimeFigureOut">
               <a:rPr lang="en-US" smtClean="0"/>
-              <a:t>1/30/2019</a:t>
+              <a:t>2/4/2019</a:t>
             </a:fld>
             <a:endParaRPr lang="en-US"/>
           </a:p>
@@ -897,7 +900,7 @@
           <a:p>
             <a:fld id="{CE999CD5-2318-4DCD-9AF4-11B8DA21DA3C}" type="datetimeFigureOut">
               <a:rPr lang="en-US" smtClean="0"/>
-              <a:t>1/30/2019</a:t>
+              <a:t>2/4/2019</a:t>
             </a:fld>
             <a:endParaRPr lang="en-US"/>
           </a:p>
@@ -1172,7 +1175,7 @@
           <a:p>
             <a:fld id="{CE999CD5-2318-4DCD-9AF4-11B8DA21DA3C}" type="datetimeFigureOut">
               <a:rPr lang="en-US" smtClean="0"/>
-              <a:t>1/30/2019</a:t>
+              <a:t>2/4/2019</a:t>
             </a:fld>
             <a:endParaRPr lang="en-US"/>
           </a:p>
@@ -1437,7 +1440,7 @@
           <a:p>
             <a:fld id="{CE999CD5-2318-4DCD-9AF4-11B8DA21DA3C}" type="datetimeFigureOut">
               <a:rPr lang="en-US" smtClean="0"/>
-              <a:t>1/30/2019</a:t>
+              <a:t>2/4/2019</a:t>
             </a:fld>
             <a:endParaRPr lang="en-US"/>
           </a:p>
@@ -1849,7 +1852,7 @@
           <a:p>
             <a:fld id="{CE999CD5-2318-4DCD-9AF4-11B8DA21DA3C}" type="datetimeFigureOut">
               <a:rPr lang="en-US" smtClean="0"/>
-              <a:t>1/30/2019</a:t>
+              <a:t>2/4/2019</a:t>
             </a:fld>
             <a:endParaRPr lang="en-US"/>
           </a:p>
@@ -1990,7 +1993,7 @@
           <a:p>
             <a:fld id="{CE999CD5-2318-4DCD-9AF4-11B8DA21DA3C}" type="datetimeFigureOut">
               <a:rPr lang="en-US" smtClean="0"/>
-              <a:t>1/30/2019</a:t>
+              <a:t>2/4/2019</a:t>
             </a:fld>
             <a:endParaRPr lang="en-US"/>
           </a:p>
@@ -2103,7 +2106,7 @@
           <a:p>
             <a:fld id="{CE999CD5-2318-4DCD-9AF4-11B8DA21DA3C}" type="datetimeFigureOut">
               <a:rPr lang="en-US" smtClean="0"/>
-              <a:t>1/30/2019</a:t>
+              <a:t>2/4/2019</a:t>
             </a:fld>
             <a:endParaRPr lang="en-US"/>
           </a:p>
@@ -2414,7 +2417,7 @@
           <a:p>
             <a:fld id="{CE999CD5-2318-4DCD-9AF4-11B8DA21DA3C}" type="datetimeFigureOut">
               <a:rPr lang="en-US" smtClean="0"/>
-              <a:t>1/30/2019</a:t>
+              <a:t>2/4/2019</a:t>
             </a:fld>
             <a:endParaRPr lang="en-US"/>
           </a:p>
@@ -2702,7 +2705,7 @@
           <a:p>
             <a:fld id="{CE999CD5-2318-4DCD-9AF4-11B8DA21DA3C}" type="datetimeFigureOut">
               <a:rPr lang="en-US" smtClean="0"/>
-              <a:t>1/30/2019</a:t>
+              <a:t>2/4/2019</a:t>
             </a:fld>
             <a:endParaRPr lang="en-US"/>
           </a:p>
@@ -2943,7 +2946,7 @@
           <a:p>
             <a:fld id="{CE999CD5-2318-4DCD-9AF4-11B8DA21DA3C}" type="datetimeFigureOut">
               <a:rPr lang="en-US" smtClean="0"/>
-              <a:t>1/30/2019</a:t>
+              <a:t>2/4/2019</a:t>
             </a:fld>
             <a:endParaRPr lang="en-US"/>
           </a:p>
@@ -4013,57 +4016,12 @@
           </a:p>
         </p:txBody>
       </p:sp>
-      <p:pic>
-        <p:nvPicPr>
-          <p:cNvPr id="9218" name="Picture 2">
-            <a:extLst>
-              <a:ext uri="{FF2B5EF4-FFF2-40B4-BE49-F238E27FC236}">
-                <a16:creationId xmlns:a16="http://schemas.microsoft.com/office/drawing/2014/main" id="{69E2AA52-CAE9-4BAE-866F-836507EBB4D2}"/>
-              </a:ext>
-            </a:extLst>
-          </p:cNvPr>
-          <p:cNvPicPr>
-            <a:picLocks noChangeAspect="1" noChangeArrowheads="1"/>
-          </p:cNvPicPr>
-          <p:nvPr/>
-        </p:nvPicPr>
-        <p:blipFill rotWithShape="1">
-          <a:blip r:embed="rId2">
-            <a:extLst>
-              <a:ext uri="{28A0092B-C50C-407E-A947-70E740481C1C}">
-                <a14:useLocalDpi xmlns:a14="http://schemas.microsoft.com/office/drawing/2010/main" val="0"/>
-              </a:ext>
-            </a:extLst>
-          </a:blip>
-          <a:srcRect l="184" t="7892"/>
-          <a:stretch/>
-        </p:blipFill>
-        <p:spPr bwMode="auto">
-          <a:xfrm>
-            <a:off x="955342" y="1700368"/>
-            <a:ext cx="7833816" cy="5246808"/>
-          </a:xfrm>
-          <a:prstGeom prst="rect">
-            <a:avLst/>
-          </a:prstGeom>
-          <a:noFill/>
-          <a:extLst>
-            <a:ext uri="{909E8E84-426E-40DD-AFC4-6F175D3DCCD1}">
-              <a14:hiddenFill xmlns:a14="http://schemas.microsoft.com/office/drawing/2010/main">
-                <a:solidFill>
-                  <a:srgbClr val="FFFFFF"/>
-                </a:solidFill>
-              </a14:hiddenFill>
-            </a:ext>
-          </a:extLst>
-        </p:spPr>
-      </p:pic>
       <p:sp>
         <p:nvSpPr>
-          <p:cNvPr id="3" name="TextBox 2">
-            <a:extLst>
-              <a:ext uri="{FF2B5EF4-FFF2-40B4-BE49-F238E27FC236}">
-                <a16:creationId xmlns:a16="http://schemas.microsoft.com/office/drawing/2014/main" id="{21B47634-450C-4E35-B60D-58518E753FBD}"/>
+          <p:cNvPr id="28" name="TextBox 27">
+            <a:extLst>
+              <a:ext uri="{FF2B5EF4-FFF2-40B4-BE49-F238E27FC236}">
+                <a16:creationId xmlns:a16="http://schemas.microsoft.com/office/drawing/2014/main" id="{056F0202-55C7-461E-98E6-A4E1D367C726}"/>
               </a:ext>
             </a:extLst>
           </p:cNvPr>
@@ -4072,8 +4030,8 @@
         </p:nvSpPr>
         <p:spPr>
           <a:xfrm>
-            <a:off x="8911988" y="2272605"/>
-            <a:ext cx="3280012" cy="1384995"/>
+            <a:off x="1" y="1579988"/>
+            <a:ext cx="6095999" cy="523220"/>
           </a:xfrm>
           <a:prstGeom prst="rect">
             <a:avLst/>
@@ -4086,83 +4044,54 @@
           </a:bodyPr>
           <a:lstStyle/>
           <a:p>
-            <a:r>
-              <a:rPr lang="en-US" sz="2800" dirty="0"/>
-              <a:t>Most open restaurants received reviews </a:t>
-            </a:r>
+            <a:pPr algn="ctr"/>
             <a:r>
               <a:rPr lang="en-US" sz="2800" dirty="0">
                 <a:solidFill>
-                  <a:schemeClr val="accent2">
+                  <a:schemeClr val="accent1">
                     <a:lumMod val="50000"/>
                   </a:schemeClr>
                 </a:solidFill>
               </a:rPr>
-              <a:t>this year</a:t>
+              <a:t>Closure Rate</a:t>
             </a:r>
           </a:p>
         </p:txBody>
       </p:sp>
-      <p:sp>
-        <p:nvSpPr>
-          <p:cNvPr id="9" name="TextBox 8">
-            <a:extLst>
-              <a:ext uri="{FF2B5EF4-FFF2-40B4-BE49-F238E27FC236}">
-                <a16:creationId xmlns:a16="http://schemas.microsoft.com/office/drawing/2014/main" id="{F71FBB8C-FEB8-4D40-BBA5-FD04ADB977BB}"/>
-              </a:ext>
-            </a:extLst>
-          </p:cNvPr>
-          <p:cNvSpPr txBox="1"/>
+      <p:pic>
+        <p:nvPicPr>
+          <p:cNvPr id="3" name="Picture 2">
+            <a:extLst>
+              <a:ext uri="{FF2B5EF4-FFF2-40B4-BE49-F238E27FC236}">
+                <a16:creationId xmlns:a16="http://schemas.microsoft.com/office/drawing/2014/main" id="{7600589B-A00E-474B-B36C-0948CE72392B}"/>
+              </a:ext>
+            </a:extLst>
+          </p:cNvPr>
+          <p:cNvPicPr>
+            <a:picLocks noChangeAspect="1"/>
+          </p:cNvPicPr>
           <p:nvPr/>
-        </p:nvSpPr>
+        </p:nvPicPr>
+        <p:blipFill>
+          <a:blip r:embed="rId2"/>
+          <a:stretch>
+            <a:fillRect/>
+          </a:stretch>
+        </p:blipFill>
         <p:spPr>
           <a:xfrm>
-            <a:off x="8911988" y="5144320"/>
-            <a:ext cx="3280012" cy="954107"/>
+            <a:off x="83129" y="2029576"/>
+            <a:ext cx="6243825" cy="4828424"/>
           </a:xfrm>
           <a:prstGeom prst="rect">
             <a:avLst/>
           </a:prstGeom>
-          <a:noFill/>
         </p:spPr>
-        <p:txBody>
-          <a:bodyPr wrap="square" rtlCol="0">
-            <a:spAutoFit/>
-          </a:bodyPr>
-          <a:lstStyle/>
-          <a:p>
-            <a:r>
-              <a:rPr lang="en-US" sz="2800" dirty="0"/>
-              <a:t>Many restaurants were closed in </a:t>
-            </a:r>
-            <a:r>
-              <a:rPr lang="en-US" sz="2800" dirty="0">
-                <a:solidFill>
-                  <a:schemeClr val="accent2">
-                    <a:lumMod val="50000"/>
-                  </a:schemeClr>
-                </a:solidFill>
-              </a:rPr>
-              <a:t>2016</a:t>
-            </a:r>
-            <a:r>
-              <a:rPr lang="en-US" sz="2800" dirty="0"/>
-              <a:t> </a:t>
-            </a:r>
-            <a:endParaRPr lang="en-US" sz="2800" dirty="0">
-              <a:solidFill>
-                <a:schemeClr val="accent2">
-                  <a:lumMod val="50000"/>
-                </a:schemeClr>
-              </a:solidFill>
-            </a:endParaRPr>
-          </a:p>
-        </p:txBody>
-      </p:sp>
+      </p:pic>
     </p:spTree>
     <p:extLst>
       <p:ext uri="{BB962C8B-B14F-4D97-AF65-F5344CB8AC3E}">
-        <p14:creationId xmlns:p14="http://schemas.microsoft.com/office/powerpoint/2010/main" val="143729670"/>
+        <p14:creationId xmlns:p14="http://schemas.microsoft.com/office/powerpoint/2010/main" val="1351392723"/>
       </p:ext>
     </p:extLst>
   </p:cSld>
@@ -4686,6 +4615,1278 @@
           </a:p>
         </p:txBody>
       </p:sp>
+      <p:sp>
+        <p:nvSpPr>
+          <p:cNvPr id="28" name="TextBox 27">
+            <a:extLst>
+              <a:ext uri="{FF2B5EF4-FFF2-40B4-BE49-F238E27FC236}">
+                <a16:creationId xmlns:a16="http://schemas.microsoft.com/office/drawing/2014/main" id="{056F0202-55C7-461E-98E6-A4E1D367C726}"/>
+              </a:ext>
+            </a:extLst>
+          </p:cNvPr>
+          <p:cNvSpPr txBox="1"/>
+          <p:nvPr/>
+        </p:nvSpPr>
+        <p:spPr>
+          <a:xfrm>
+            <a:off x="3048001" y="1718537"/>
+            <a:ext cx="6095999" cy="584775"/>
+          </a:xfrm>
+          <a:prstGeom prst="rect">
+            <a:avLst/>
+          </a:prstGeom>
+          <a:noFill/>
+        </p:spPr>
+        <p:txBody>
+          <a:bodyPr wrap="square" rtlCol="0">
+            <a:spAutoFit/>
+          </a:bodyPr>
+          <a:lstStyle/>
+          <a:p>
+            <a:pPr algn="ctr"/>
+            <a:r>
+              <a:rPr lang="en-US" sz="3200" dirty="0">
+                <a:solidFill>
+                  <a:schemeClr val="accent1">
+                    <a:lumMod val="50000"/>
+                  </a:schemeClr>
+                </a:solidFill>
+              </a:rPr>
+              <a:t>Number of Reviews by Year</a:t>
+            </a:r>
+          </a:p>
+        </p:txBody>
+      </p:sp>
+      <p:pic>
+        <p:nvPicPr>
+          <p:cNvPr id="2" name="Picture 1">
+            <a:extLst>
+              <a:ext uri="{FF2B5EF4-FFF2-40B4-BE49-F238E27FC236}">
+                <a16:creationId xmlns:a16="http://schemas.microsoft.com/office/drawing/2014/main" id="{E7AFB07E-CAB1-4D54-A96F-616FBC6EC062}"/>
+              </a:ext>
+            </a:extLst>
+          </p:cNvPr>
+          <p:cNvPicPr>
+            <a:picLocks noChangeAspect="1"/>
+          </p:cNvPicPr>
+          <p:nvPr/>
+        </p:nvPicPr>
+        <p:blipFill>
+          <a:blip r:embed="rId2"/>
+          <a:stretch>
+            <a:fillRect/>
+          </a:stretch>
+        </p:blipFill>
+        <p:spPr>
+          <a:xfrm>
+            <a:off x="500963" y="2241757"/>
+            <a:ext cx="11770828" cy="4616243"/>
+          </a:xfrm>
+          <a:prstGeom prst="rect">
+            <a:avLst/>
+          </a:prstGeom>
+        </p:spPr>
+      </p:pic>
+    </p:spTree>
+    <p:extLst>
+      <p:ext uri="{BB962C8B-B14F-4D97-AF65-F5344CB8AC3E}">
+        <p14:creationId xmlns:p14="http://schemas.microsoft.com/office/powerpoint/2010/main" val="2164247917"/>
+      </p:ext>
+    </p:extLst>
+  </p:cSld>
+  <p:clrMapOvr>
+    <a:masterClrMapping/>
+  </p:clrMapOvr>
+</p:sld>
+</file>
+
+<file path=ppt/slides/slide12.xml><?xml version="1.0" encoding="utf-8"?>
+<p:sld xmlns:a="http://schemas.openxmlformats.org/drawingml/2006/main" xmlns:r="http://schemas.openxmlformats.org/officeDocument/2006/relationships" xmlns:p="http://schemas.openxmlformats.org/presentationml/2006/main">
+  <p:cSld>
+    <p:spTree>
+      <p:nvGrpSpPr>
+        <p:cNvPr id="1" name=""/>
+        <p:cNvGrpSpPr/>
+        <p:nvPr/>
+      </p:nvGrpSpPr>
+      <p:grpSpPr>
+        <a:xfrm>
+          <a:off x="0" y="0"/>
+          <a:ext cx="0" cy="0"/>
+          <a:chOff x="0" y="0"/>
+          <a:chExt cx="0" cy="0"/>
+        </a:xfrm>
+      </p:grpSpPr>
+      <p:sp>
+        <p:nvSpPr>
+          <p:cNvPr id="6" name="Flowchart: Alternate Process 5">
+            <a:extLst>
+              <a:ext uri="{FF2B5EF4-FFF2-40B4-BE49-F238E27FC236}">
+                <a16:creationId xmlns:a16="http://schemas.microsoft.com/office/drawing/2014/main" id="{0309A167-194F-49E3-A8C7-133C659DDBF3}"/>
+              </a:ext>
+            </a:extLst>
+          </p:cNvPr>
+          <p:cNvSpPr/>
+          <p:nvPr/>
+        </p:nvSpPr>
+        <p:spPr>
+          <a:xfrm>
+            <a:off x="2148711" y="649970"/>
+            <a:ext cx="1398054" cy="839718"/>
+          </a:xfrm>
+          <a:prstGeom prst="flowChartAlternateProcess">
+            <a:avLst/>
+          </a:prstGeom>
+          <a:solidFill>
+            <a:schemeClr val="accent1">
+              <a:lumMod val="50000"/>
+            </a:schemeClr>
+          </a:solidFill>
+          <a:ln/>
+        </p:spPr>
+        <p:style>
+          <a:lnRef idx="0">
+            <a:schemeClr val="accent6"/>
+          </a:lnRef>
+          <a:fillRef idx="3">
+            <a:schemeClr val="accent6"/>
+          </a:fillRef>
+          <a:effectRef idx="3">
+            <a:schemeClr val="accent6"/>
+          </a:effectRef>
+          <a:fontRef idx="minor">
+            <a:schemeClr val="lt1"/>
+          </a:fontRef>
+        </p:style>
+        <p:txBody>
+          <a:bodyPr wrap="square" rtlCol="0" anchor="ctr">
+            <a:noAutofit/>
+          </a:bodyPr>
+          <a:lstStyle/>
+          <a:p>
+            <a:endParaRPr lang="en-US" sz="1400" b="1" dirty="0">
+              <a:solidFill>
+                <a:schemeClr val="tx1">
+                  <a:lumMod val="85000"/>
+                  <a:lumOff val="15000"/>
+                </a:schemeClr>
+              </a:solidFill>
+            </a:endParaRPr>
+          </a:p>
+        </p:txBody>
+      </p:sp>
+      <p:sp>
+        <p:nvSpPr>
+          <p:cNvPr id="5" name="Text Placeholder 10">
+            <a:extLst>
+              <a:ext uri="{FF2B5EF4-FFF2-40B4-BE49-F238E27FC236}">
+                <a16:creationId xmlns:a16="http://schemas.microsoft.com/office/drawing/2014/main" id="{ED2DF37D-169B-4384-8CDB-4E201516355F}"/>
+              </a:ext>
+            </a:extLst>
+          </p:cNvPr>
+          <p:cNvSpPr txBox="1">
+            <a:spLocks/>
+          </p:cNvSpPr>
+          <p:nvPr/>
+        </p:nvSpPr>
+        <p:spPr>
+          <a:xfrm>
+            <a:off x="1260765" y="739699"/>
+            <a:ext cx="887945" cy="749989"/>
+          </a:xfrm>
+          <a:prstGeom prst="rect">
+            <a:avLst/>
+          </a:prstGeom>
+        </p:spPr>
+        <p:txBody>
+          <a:bodyPr/>
+          <a:lstStyle>
+            <a:lvl1pPr marL="228600" indent="-228600" algn="l" defTabSz="914400" rtl="0" eaLnBrk="1" latinLnBrk="0" hangingPunct="1">
+              <a:lnSpc>
+                <a:spcPct val="90000"/>
+              </a:lnSpc>
+              <a:spcBef>
+                <a:spcPts val="1000"/>
+              </a:spcBef>
+              <a:buFont typeface="Arial" panose="020B0604020202020204" pitchFamily="34" charset="0"/>
+              <a:buChar char="•"/>
+              <a:defRPr sz="2800" kern="1200">
+                <a:solidFill>
+                  <a:schemeClr val="tx1"/>
+                </a:solidFill>
+                <a:latin typeface="+mn-lt"/>
+                <a:ea typeface="+mn-ea"/>
+                <a:cs typeface="+mn-cs"/>
+              </a:defRPr>
+            </a:lvl1pPr>
+            <a:lvl2pPr marL="685800" indent="-228600" algn="l" defTabSz="914400" rtl="0" eaLnBrk="1" latinLnBrk="0" hangingPunct="1">
+              <a:lnSpc>
+                <a:spcPct val="90000"/>
+              </a:lnSpc>
+              <a:spcBef>
+                <a:spcPts val="500"/>
+              </a:spcBef>
+              <a:buFont typeface="Arial" panose="020B0604020202020204" pitchFamily="34" charset="0"/>
+              <a:buChar char="•"/>
+              <a:defRPr sz="2400" kern="1200">
+                <a:solidFill>
+                  <a:schemeClr val="tx1"/>
+                </a:solidFill>
+                <a:latin typeface="+mn-lt"/>
+                <a:ea typeface="+mn-ea"/>
+                <a:cs typeface="+mn-cs"/>
+              </a:defRPr>
+            </a:lvl2pPr>
+            <a:lvl3pPr marL="1143000" indent="-228600" algn="l" defTabSz="914400" rtl="0" eaLnBrk="1" latinLnBrk="0" hangingPunct="1">
+              <a:lnSpc>
+                <a:spcPct val="90000"/>
+              </a:lnSpc>
+              <a:spcBef>
+                <a:spcPts val="500"/>
+              </a:spcBef>
+              <a:buFont typeface="Arial" panose="020B0604020202020204" pitchFamily="34" charset="0"/>
+              <a:buChar char="•"/>
+              <a:defRPr sz="2000" kern="1200">
+                <a:solidFill>
+                  <a:schemeClr val="tx1"/>
+                </a:solidFill>
+                <a:latin typeface="+mn-lt"/>
+                <a:ea typeface="+mn-ea"/>
+                <a:cs typeface="+mn-cs"/>
+              </a:defRPr>
+            </a:lvl3pPr>
+            <a:lvl4pPr marL="1600200" indent="-228600" algn="l" defTabSz="914400" rtl="0" eaLnBrk="1" latinLnBrk="0" hangingPunct="1">
+              <a:lnSpc>
+                <a:spcPct val="90000"/>
+              </a:lnSpc>
+              <a:spcBef>
+                <a:spcPts val="500"/>
+              </a:spcBef>
+              <a:buFont typeface="Arial" panose="020B0604020202020204" pitchFamily="34" charset="0"/>
+              <a:buChar char="•"/>
+              <a:defRPr sz="1800" kern="1200">
+                <a:solidFill>
+                  <a:schemeClr val="tx1"/>
+                </a:solidFill>
+                <a:latin typeface="+mn-lt"/>
+                <a:ea typeface="+mn-ea"/>
+                <a:cs typeface="+mn-cs"/>
+              </a:defRPr>
+            </a:lvl4pPr>
+            <a:lvl5pPr marL="2057400" indent="-228600" algn="l" defTabSz="914400" rtl="0" eaLnBrk="1" latinLnBrk="0" hangingPunct="1">
+              <a:lnSpc>
+                <a:spcPct val="90000"/>
+              </a:lnSpc>
+              <a:spcBef>
+                <a:spcPts val="500"/>
+              </a:spcBef>
+              <a:buFont typeface="Arial" panose="020B0604020202020204" pitchFamily="34" charset="0"/>
+              <a:buChar char="•"/>
+              <a:defRPr sz="1800" kern="1200">
+                <a:solidFill>
+                  <a:schemeClr val="tx1"/>
+                </a:solidFill>
+                <a:latin typeface="+mn-lt"/>
+                <a:ea typeface="+mn-ea"/>
+                <a:cs typeface="+mn-cs"/>
+              </a:defRPr>
+            </a:lvl5pPr>
+            <a:lvl6pPr marL="2514600" indent="-228600" algn="l" defTabSz="914400" rtl="0" eaLnBrk="1" latinLnBrk="0" hangingPunct="1">
+              <a:lnSpc>
+                <a:spcPct val="90000"/>
+              </a:lnSpc>
+              <a:spcBef>
+                <a:spcPts val="500"/>
+              </a:spcBef>
+              <a:buFont typeface="Arial" panose="020B0604020202020204" pitchFamily="34" charset="0"/>
+              <a:buChar char="•"/>
+              <a:defRPr sz="1800" kern="1200">
+                <a:solidFill>
+                  <a:schemeClr val="tx1"/>
+                </a:solidFill>
+                <a:latin typeface="+mn-lt"/>
+                <a:ea typeface="+mn-ea"/>
+                <a:cs typeface="+mn-cs"/>
+              </a:defRPr>
+            </a:lvl6pPr>
+            <a:lvl7pPr marL="2971800" indent="-228600" algn="l" defTabSz="914400" rtl="0" eaLnBrk="1" latinLnBrk="0" hangingPunct="1">
+              <a:lnSpc>
+                <a:spcPct val="90000"/>
+              </a:lnSpc>
+              <a:spcBef>
+                <a:spcPts val="500"/>
+              </a:spcBef>
+              <a:buFont typeface="Arial" panose="020B0604020202020204" pitchFamily="34" charset="0"/>
+              <a:buChar char="•"/>
+              <a:defRPr sz="1800" kern="1200">
+                <a:solidFill>
+                  <a:schemeClr val="tx1"/>
+                </a:solidFill>
+                <a:latin typeface="+mn-lt"/>
+                <a:ea typeface="+mn-ea"/>
+                <a:cs typeface="+mn-cs"/>
+              </a:defRPr>
+            </a:lvl7pPr>
+            <a:lvl8pPr marL="3429000" indent="-228600" algn="l" defTabSz="914400" rtl="0" eaLnBrk="1" latinLnBrk="0" hangingPunct="1">
+              <a:lnSpc>
+                <a:spcPct val="90000"/>
+              </a:lnSpc>
+              <a:spcBef>
+                <a:spcPts val="500"/>
+              </a:spcBef>
+              <a:buFont typeface="Arial" panose="020B0604020202020204" pitchFamily="34" charset="0"/>
+              <a:buChar char="•"/>
+              <a:defRPr sz="1800" kern="1200">
+                <a:solidFill>
+                  <a:schemeClr val="tx1"/>
+                </a:solidFill>
+                <a:latin typeface="+mn-lt"/>
+                <a:ea typeface="+mn-ea"/>
+                <a:cs typeface="+mn-cs"/>
+              </a:defRPr>
+            </a:lvl8pPr>
+            <a:lvl9pPr marL="3886200" indent="-228600" algn="l" defTabSz="914400" rtl="0" eaLnBrk="1" latinLnBrk="0" hangingPunct="1">
+              <a:lnSpc>
+                <a:spcPct val="90000"/>
+              </a:lnSpc>
+              <a:spcBef>
+                <a:spcPts val="500"/>
+              </a:spcBef>
+              <a:buFont typeface="Arial" panose="020B0604020202020204" pitchFamily="34" charset="0"/>
+              <a:buChar char="•"/>
+              <a:defRPr sz="1800" kern="1200">
+                <a:solidFill>
+                  <a:schemeClr val="tx1"/>
+                </a:solidFill>
+                <a:latin typeface="+mn-lt"/>
+                <a:ea typeface="+mn-ea"/>
+                <a:cs typeface="+mn-cs"/>
+              </a:defRPr>
+            </a:lvl9pPr>
+          </a:lstStyle>
+          <a:p>
+            <a:pPr marL="0" indent="0">
+              <a:buNone/>
+            </a:pPr>
+            <a:r>
+              <a:rPr lang="en-US" sz="4400" b="1" dirty="0"/>
+              <a:t>3)</a:t>
+            </a:r>
+            <a:r>
+              <a:rPr lang="en-US" sz="4400" dirty="0"/>
+              <a:t>    </a:t>
+            </a:r>
+            <a:endParaRPr lang="en-US" sz="4400" dirty="0">
+              <a:solidFill>
+                <a:schemeClr val="accent6">
+                  <a:lumMod val="50000"/>
+                </a:schemeClr>
+              </a:solidFill>
+              <a:latin typeface="+mj-lt"/>
+            </a:endParaRPr>
+          </a:p>
+        </p:txBody>
+      </p:sp>
+      <p:sp>
+        <p:nvSpPr>
+          <p:cNvPr id="7" name="Text Placeholder 10">
+            <a:extLst>
+              <a:ext uri="{FF2B5EF4-FFF2-40B4-BE49-F238E27FC236}">
+                <a16:creationId xmlns:a16="http://schemas.microsoft.com/office/drawing/2014/main" id="{B4500D03-A13F-4703-A793-8689577D4EB8}"/>
+              </a:ext>
+            </a:extLst>
+          </p:cNvPr>
+          <p:cNvSpPr txBox="1">
+            <a:spLocks/>
+          </p:cNvSpPr>
+          <p:nvPr/>
+        </p:nvSpPr>
+        <p:spPr>
+          <a:xfrm>
+            <a:off x="2313710" y="739699"/>
+            <a:ext cx="5403272" cy="749989"/>
+          </a:xfrm>
+          <a:prstGeom prst="rect">
+            <a:avLst/>
+          </a:prstGeom>
+        </p:spPr>
+        <p:txBody>
+          <a:bodyPr/>
+          <a:lstStyle>
+            <a:lvl1pPr marL="228600" indent="-228600" algn="l" defTabSz="914400" rtl="0" eaLnBrk="1" latinLnBrk="0" hangingPunct="1">
+              <a:lnSpc>
+                <a:spcPct val="90000"/>
+              </a:lnSpc>
+              <a:spcBef>
+                <a:spcPts val="1000"/>
+              </a:spcBef>
+              <a:buFont typeface="Arial" panose="020B0604020202020204" pitchFamily="34" charset="0"/>
+              <a:buChar char="•"/>
+              <a:defRPr sz="2800" kern="1200">
+                <a:solidFill>
+                  <a:schemeClr val="tx1"/>
+                </a:solidFill>
+                <a:latin typeface="+mn-lt"/>
+                <a:ea typeface="+mn-ea"/>
+                <a:cs typeface="+mn-cs"/>
+              </a:defRPr>
+            </a:lvl1pPr>
+            <a:lvl2pPr marL="685800" indent="-228600" algn="l" defTabSz="914400" rtl="0" eaLnBrk="1" latinLnBrk="0" hangingPunct="1">
+              <a:lnSpc>
+                <a:spcPct val="90000"/>
+              </a:lnSpc>
+              <a:spcBef>
+                <a:spcPts val="500"/>
+              </a:spcBef>
+              <a:buFont typeface="Arial" panose="020B0604020202020204" pitchFamily="34" charset="0"/>
+              <a:buChar char="•"/>
+              <a:defRPr sz="2400" kern="1200">
+                <a:solidFill>
+                  <a:schemeClr val="tx1"/>
+                </a:solidFill>
+                <a:latin typeface="+mn-lt"/>
+                <a:ea typeface="+mn-ea"/>
+                <a:cs typeface="+mn-cs"/>
+              </a:defRPr>
+            </a:lvl2pPr>
+            <a:lvl3pPr marL="1143000" indent="-228600" algn="l" defTabSz="914400" rtl="0" eaLnBrk="1" latinLnBrk="0" hangingPunct="1">
+              <a:lnSpc>
+                <a:spcPct val="90000"/>
+              </a:lnSpc>
+              <a:spcBef>
+                <a:spcPts val="500"/>
+              </a:spcBef>
+              <a:buFont typeface="Arial" panose="020B0604020202020204" pitchFamily="34" charset="0"/>
+              <a:buChar char="•"/>
+              <a:defRPr sz="2000" kern="1200">
+                <a:solidFill>
+                  <a:schemeClr val="tx1"/>
+                </a:solidFill>
+                <a:latin typeface="+mn-lt"/>
+                <a:ea typeface="+mn-ea"/>
+                <a:cs typeface="+mn-cs"/>
+              </a:defRPr>
+            </a:lvl3pPr>
+            <a:lvl4pPr marL="1600200" indent="-228600" algn="l" defTabSz="914400" rtl="0" eaLnBrk="1" latinLnBrk="0" hangingPunct="1">
+              <a:lnSpc>
+                <a:spcPct val="90000"/>
+              </a:lnSpc>
+              <a:spcBef>
+                <a:spcPts val="500"/>
+              </a:spcBef>
+              <a:buFont typeface="Arial" panose="020B0604020202020204" pitchFamily="34" charset="0"/>
+              <a:buChar char="•"/>
+              <a:defRPr sz="1800" kern="1200">
+                <a:solidFill>
+                  <a:schemeClr val="tx1"/>
+                </a:solidFill>
+                <a:latin typeface="+mn-lt"/>
+                <a:ea typeface="+mn-ea"/>
+                <a:cs typeface="+mn-cs"/>
+              </a:defRPr>
+            </a:lvl4pPr>
+            <a:lvl5pPr marL="2057400" indent="-228600" algn="l" defTabSz="914400" rtl="0" eaLnBrk="1" latinLnBrk="0" hangingPunct="1">
+              <a:lnSpc>
+                <a:spcPct val="90000"/>
+              </a:lnSpc>
+              <a:spcBef>
+                <a:spcPts val="500"/>
+              </a:spcBef>
+              <a:buFont typeface="Arial" panose="020B0604020202020204" pitchFamily="34" charset="0"/>
+              <a:buChar char="•"/>
+              <a:defRPr sz="1800" kern="1200">
+                <a:solidFill>
+                  <a:schemeClr val="tx1"/>
+                </a:solidFill>
+                <a:latin typeface="+mn-lt"/>
+                <a:ea typeface="+mn-ea"/>
+                <a:cs typeface="+mn-cs"/>
+              </a:defRPr>
+            </a:lvl5pPr>
+            <a:lvl6pPr marL="2514600" indent="-228600" algn="l" defTabSz="914400" rtl="0" eaLnBrk="1" latinLnBrk="0" hangingPunct="1">
+              <a:lnSpc>
+                <a:spcPct val="90000"/>
+              </a:lnSpc>
+              <a:spcBef>
+                <a:spcPts val="500"/>
+              </a:spcBef>
+              <a:buFont typeface="Arial" panose="020B0604020202020204" pitchFamily="34" charset="0"/>
+              <a:buChar char="•"/>
+              <a:defRPr sz="1800" kern="1200">
+                <a:solidFill>
+                  <a:schemeClr val="tx1"/>
+                </a:solidFill>
+                <a:latin typeface="+mn-lt"/>
+                <a:ea typeface="+mn-ea"/>
+                <a:cs typeface="+mn-cs"/>
+              </a:defRPr>
+            </a:lvl6pPr>
+            <a:lvl7pPr marL="2971800" indent="-228600" algn="l" defTabSz="914400" rtl="0" eaLnBrk="1" latinLnBrk="0" hangingPunct="1">
+              <a:lnSpc>
+                <a:spcPct val="90000"/>
+              </a:lnSpc>
+              <a:spcBef>
+                <a:spcPts val="500"/>
+              </a:spcBef>
+              <a:buFont typeface="Arial" panose="020B0604020202020204" pitchFamily="34" charset="0"/>
+              <a:buChar char="•"/>
+              <a:defRPr sz="1800" kern="1200">
+                <a:solidFill>
+                  <a:schemeClr val="tx1"/>
+                </a:solidFill>
+                <a:latin typeface="+mn-lt"/>
+                <a:ea typeface="+mn-ea"/>
+                <a:cs typeface="+mn-cs"/>
+              </a:defRPr>
+            </a:lvl7pPr>
+            <a:lvl8pPr marL="3429000" indent="-228600" algn="l" defTabSz="914400" rtl="0" eaLnBrk="1" latinLnBrk="0" hangingPunct="1">
+              <a:lnSpc>
+                <a:spcPct val="90000"/>
+              </a:lnSpc>
+              <a:spcBef>
+                <a:spcPts val="500"/>
+              </a:spcBef>
+              <a:buFont typeface="Arial" panose="020B0604020202020204" pitchFamily="34" charset="0"/>
+              <a:buChar char="•"/>
+              <a:defRPr sz="1800" kern="1200">
+                <a:solidFill>
+                  <a:schemeClr val="tx1"/>
+                </a:solidFill>
+                <a:latin typeface="+mn-lt"/>
+                <a:ea typeface="+mn-ea"/>
+                <a:cs typeface="+mn-cs"/>
+              </a:defRPr>
+            </a:lvl8pPr>
+            <a:lvl9pPr marL="3886200" indent="-228600" algn="l" defTabSz="914400" rtl="0" eaLnBrk="1" latinLnBrk="0" hangingPunct="1">
+              <a:lnSpc>
+                <a:spcPct val="90000"/>
+              </a:lnSpc>
+              <a:spcBef>
+                <a:spcPts val="500"/>
+              </a:spcBef>
+              <a:buFont typeface="Arial" panose="020B0604020202020204" pitchFamily="34" charset="0"/>
+              <a:buChar char="•"/>
+              <a:defRPr sz="1800" kern="1200">
+                <a:solidFill>
+                  <a:schemeClr val="tx1"/>
+                </a:solidFill>
+                <a:latin typeface="+mn-lt"/>
+                <a:ea typeface="+mn-ea"/>
+                <a:cs typeface="+mn-cs"/>
+              </a:defRPr>
+            </a:lvl9pPr>
+          </a:lstStyle>
+          <a:p>
+            <a:pPr marL="0" indent="0">
+              <a:buNone/>
+            </a:pPr>
+            <a:r>
+              <a:rPr lang="en-US" sz="4400" b="1" dirty="0">
+                <a:solidFill>
+                  <a:schemeClr val="accent4">
+                    <a:lumMod val="20000"/>
+                    <a:lumOff val="80000"/>
+                  </a:schemeClr>
+                </a:solidFill>
+                <a:latin typeface="+mj-lt"/>
+              </a:rPr>
+              <a:t>Data </a:t>
+            </a:r>
+            <a:r>
+              <a:rPr lang="en-US" sz="4400" b="1" dirty="0">
+                <a:solidFill>
+                  <a:schemeClr val="accent4">
+                    <a:lumMod val="50000"/>
+                  </a:schemeClr>
+                </a:solidFill>
+                <a:latin typeface="+mj-lt"/>
+              </a:rPr>
+              <a:t>Analysis</a:t>
+            </a:r>
+            <a:endParaRPr lang="en-US" sz="4400" dirty="0">
+              <a:solidFill>
+                <a:schemeClr val="accent4">
+                  <a:lumMod val="50000"/>
+                </a:schemeClr>
+              </a:solidFill>
+              <a:latin typeface="+mj-lt"/>
+            </a:endParaRPr>
+          </a:p>
+        </p:txBody>
+      </p:sp>
+      <p:pic>
+        <p:nvPicPr>
+          <p:cNvPr id="9218" name="Picture 2">
+            <a:extLst>
+              <a:ext uri="{FF2B5EF4-FFF2-40B4-BE49-F238E27FC236}">
+                <a16:creationId xmlns:a16="http://schemas.microsoft.com/office/drawing/2014/main" id="{69E2AA52-CAE9-4BAE-866F-836507EBB4D2}"/>
+              </a:ext>
+            </a:extLst>
+          </p:cNvPr>
+          <p:cNvPicPr>
+            <a:picLocks noChangeAspect="1" noChangeArrowheads="1"/>
+          </p:cNvPicPr>
+          <p:nvPr/>
+        </p:nvPicPr>
+        <p:blipFill rotWithShape="1">
+          <a:blip r:embed="rId2">
+            <a:extLst>
+              <a:ext uri="{28A0092B-C50C-407E-A947-70E740481C1C}">
+                <a14:useLocalDpi xmlns:a14="http://schemas.microsoft.com/office/drawing/2010/main" val="0"/>
+              </a:ext>
+            </a:extLst>
+          </a:blip>
+          <a:srcRect l="184" t="7892"/>
+          <a:stretch/>
+        </p:blipFill>
+        <p:spPr bwMode="auto">
+          <a:xfrm>
+            <a:off x="955342" y="1700368"/>
+            <a:ext cx="7833816" cy="5246808"/>
+          </a:xfrm>
+          <a:prstGeom prst="rect">
+            <a:avLst/>
+          </a:prstGeom>
+          <a:noFill/>
+          <a:extLst>
+            <a:ext uri="{909E8E84-426E-40DD-AFC4-6F175D3DCCD1}">
+              <a14:hiddenFill xmlns:a14="http://schemas.microsoft.com/office/drawing/2010/main">
+                <a:solidFill>
+                  <a:srgbClr val="FFFFFF"/>
+                </a:solidFill>
+              </a14:hiddenFill>
+            </a:ext>
+          </a:extLst>
+        </p:spPr>
+      </p:pic>
+      <p:sp>
+        <p:nvSpPr>
+          <p:cNvPr id="3" name="TextBox 2">
+            <a:extLst>
+              <a:ext uri="{FF2B5EF4-FFF2-40B4-BE49-F238E27FC236}">
+                <a16:creationId xmlns:a16="http://schemas.microsoft.com/office/drawing/2014/main" id="{21B47634-450C-4E35-B60D-58518E753FBD}"/>
+              </a:ext>
+            </a:extLst>
+          </p:cNvPr>
+          <p:cNvSpPr txBox="1"/>
+          <p:nvPr/>
+        </p:nvSpPr>
+        <p:spPr>
+          <a:xfrm>
+            <a:off x="8911988" y="2272605"/>
+            <a:ext cx="3280012" cy="1384995"/>
+          </a:xfrm>
+          <a:prstGeom prst="rect">
+            <a:avLst/>
+          </a:prstGeom>
+          <a:noFill/>
+        </p:spPr>
+        <p:txBody>
+          <a:bodyPr wrap="square" rtlCol="0">
+            <a:spAutoFit/>
+          </a:bodyPr>
+          <a:lstStyle/>
+          <a:p>
+            <a:r>
+              <a:rPr lang="en-US" sz="2800" dirty="0"/>
+              <a:t>Most open restaurants received reviews </a:t>
+            </a:r>
+            <a:r>
+              <a:rPr lang="en-US" sz="2800" dirty="0">
+                <a:solidFill>
+                  <a:schemeClr val="accent2">
+                    <a:lumMod val="50000"/>
+                  </a:schemeClr>
+                </a:solidFill>
+              </a:rPr>
+              <a:t>this year</a:t>
+            </a:r>
+          </a:p>
+        </p:txBody>
+      </p:sp>
+      <p:sp>
+        <p:nvSpPr>
+          <p:cNvPr id="9" name="TextBox 8">
+            <a:extLst>
+              <a:ext uri="{FF2B5EF4-FFF2-40B4-BE49-F238E27FC236}">
+                <a16:creationId xmlns:a16="http://schemas.microsoft.com/office/drawing/2014/main" id="{F71FBB8C-FEB8-4D40-BBA5-FD04ADB977BB}"/>
+              </a:ext>
+            </a:extLst>
+          </p:cNvPr>
+          <p:cNvSpPr txBox="1"/>
+          <p:nvPr/>
+        </p:nvSpPr>
+        <p:spPr>
+          <a:xfrm>
+            <a:off x="8911988" y="5144320"/>
+            <a:ext cx="3280012" cy="954107"/>
+          </a:xfrm>
+          <a:prstGeom prst="rect">
+            <a:avLst/>
+          </a:prstGeom>
+          <a:noFill/>
+        </p:spPr>
+        <p:txBody>
+          <a:bodyPr wrap="square" rtlCol="0">
+            <a:spAutoFit/>
+          </a:bodyPr>
+          <a:lstStyle/>
+          <a:p>
+            <a:r>
+              <a:rPr lang="en-US" sz="2800" dirty="0"/>
+              <a:t>Many restaurants were closed in </a:t>
+            </a:r>
+            <a:r>
+              <a:rPr lang="en-US" sz="2800" dirty="0">
+                <a:solidFill>
+                  <a:schemeClr val="accent2">
+                    <a:lumMod val="50000"/>
+                  </a:schemeClr>
+                </a:solidFill>
+              </a:rPr>
+              <a:t>2016</a:t>
+            </a:r>
+            <a:r>
+              <a:rPr lang="en-US" sz="2800" dirty="0"/>
+              <a:t> </a:t>
+            </a:r>
+            <a:endParaRPr lang="en-US" sz="2800" dirty="0">
+              <a:solidFill>
+                <a:schemeClr val="accent2">
+                  <a:lumMod val="50000"/>
+                </a:schemeClr>
+              </a:solidFill>
+            </a:endParaRPr>
+          </a:p>
+        </p:txBody>
+      </p:sp>
+    </p:spTree>
+    <p:extLst>
+      <p:ext uri="{BB962C8B-B14F-4D97-AF65-F5344CB8AC3E}">
+        <p14:creationId xmlns:p14="http://schemas.microsoft.com/office/powerpoint/2010/main" val="143729670"/>
+      </p:ext>
+    </p:extLst>
+  </p:cSld>
+  <p:clrMapOvr>
+    <a:masterClrMapping/>
+  </p:clrMapOvr>
+</p:sld>
+</file>
+
+<file path=ppt/slides/slide13.xml><?xml version="1.0" encoding="utf-8"?>
+<p:sld xmlns:a="http://schemas.openxmlformats.org/drawingml/2006/main" xmlns:r="http://schemas.openxmlformats.org/officeDocument/2006/relationships" xmlns:p="http://schemas.openxmlformats.org/presentationml/2006/main">
+  <p:cSld>
+    <p:spTree>
+      <p:nvGrpSpPr>
+        <p:cNvPr id="1" name=""/>
+        <p:cNvGrpSpPr/>
+        <p:nvPr/>
+      </p:nvGrpSpPr>
+      <p:grpSpPr>
+        <a:xfrm>
+          <a:off x="0" y="0"/>
+          <a:ext cx="0" cy="0"/>
+          <a:chOff x="0" y="0"/>
+          <a:chExt cx="0" cy="0"/>
+        </a:xfrm>
+      </p:grpSpPr>
+      <p:sp>
+        <p:nvSpPr>
+          <p:cNvPr id="6" name="Flowchart: Alternate Process 5">
+            <a:extLst>
+              <a:ext uri="{FF2B5EF4-FFF2-40B4-BE49-F238E27FC236}">
+                <a16:creationId xmlns:a16="http://schemas.microsoft.com/office/drawing/2014/main" id="{0309A167-194F-49E3-A8C7-133C659DDBF3}"/>
+              </a:ext>
+            </a:extLst>
+          </p:cNvPr>
+          <p:cNvSpPr/>
+          <p:nvPr/>
+        </p:nvSpPr>
+        <p:spPr>
+          <a:xfrm>
+            <a:off x="2148711" y="649970"/>
+            <a:ext cx="1398054" cy="839718"/>
+          </a:xfrm>
+          <a:prstGeom prst="flowChartAlternateProcess">
+            <a:avLst/>
+          </a:prstGeom>
+          <a:solidFill>
+            <a:schemeClr val="accent1">
+              <a:lumMod val="50000"/>
+            </a:schemeClr>
+          </a:solidFill>
+          <a:ln/>
+        </p:spPr>
+        <p:style>
+          <a:lnRef idx="0">
+            <a:schemeClr val="accent6"/>
+          </a:lnRef>
+          <a:fillRef idx="3">
+            <a:schemeClr val="accent6"/>
+          </a:fillRef>
+          <a:effectRef idx="3">
+            <a:schemeClr val="accent6"/>
+          </a:effectRef>
+          <a:fontRef idx="minor">
+            <a:schemeClr val="lt1"/>
+          </a:fontRef>
+        </p:style>
+        <p:txBody>
+          <a:bodyPr wrap="square" rtlCol="0" anchor="ctr">
+            <a:noAutofit/>
+          </a:bodyPr>
+          <a:lstStyle/>
+          <a:p>
+            <a:endParaRPr lang="en-US" sz="1400" b="1" dirty="0">
+              <a:solidFill>
+                <a:schemeClr val="tx1">
+                  <a:lumMod val="85000"/>
+                  <a:lumOff val="15000"/>
+                </a:schemeClr>
+              </a:solidFill>
+            </a:endParaRPr>
+          </a:p>
+        </p:txBody>
+      </p:sp>
+      <p:sp>
+        <p:nvSpPr>
+          <p:cNvPr id="5" name="Text Placeholder 10">
+            <a:extLst>
+              <a:ext uri="{FF2B5EF4-FFF2-40B4-BE49-F238E27FC236}">
+                <a16:creationId xmlns:a16="http://schemas.microsoft.com/office/drawing/2014/main" id="{ED2DF37D-169B-4384-8CDB-4E201516355F}"/>
+              </a:ext>
+            </a:extLst>
+          </p:cNvPr>
+          <p:cNvSpPr txBox="1">
+            <a:spLocks/>
+          </p:cNvSpPr>
+          <p:nvPr/>
+        </p:nvSpPr>
+        <p:spPr>
+          <a:xfrm>
+            <a:off x="1260765" y="739699"/>
+            <a:ext cx="887945" cy="749989"/>
+          </a:xfrm>
+          <a:prstGeom prst="rect">
+            <a:avLst/>
+          </a:prstGeom>
+        </p:spPr>
+        <p:txBody>
+          <a:bodyPr/>
+          <a:lstStyle>
+            <a:lvl1pPr marL="228600" indent="-228600" algn="l" defTabSz="914400" rtl="0" eaLnBrk="1" latinLnBrk="0" hangingPunct="1">
+              <a:lnSpc>
+                <a:spcPct val="90000"/>
+              </a:lnSpc>
+              <a:spcBef>
+                <a:spcPts val="1000"/>
+              </a:spcBef>
+              <a:buFont typeface="Arial" panose="020B0604020202020204" pitchFamily="34" charset="0"/>
+              <a:buChar char="•"/>
+              <a:defRPr sz="2800" kern="1200">
+                <a:solidFill>
+                  <a:schemeClr val="tx1"/>
+                </a:solidFill>
+                <a:latin typeface="+mn-lt"/>
+                <a:ea typeface="+mn-ea"/>
+                <a:cs typeface="+mn-cs"/>
+              </a:defRPr>
+            </a:lvl1pPr>
+            <a:lvl2pPr marL="685800" indent="-228600" algn="l" defTabSz="914400" rtl="0" eaLnBrk="1" latinLnBrk="0" hangingPunct="1">
+              <a:lnSpc>
+                <a:spcPct val="90000"/>
+              </a:lnSpc>
+              <a:spcBef>
+                <a:spcPts val="500"/>
+              </a:spcBef>
+              <a:buFont typeface="Arial" panose="020B0604020202020204" pitchFamily="34" charset="0"/>
+              <a:buChar char="•"/>
+              <a:defRPr sz="2400" kern="1200">
+                <a:solidFill>
+                  <a:schemeClr val="tx1"/>
+                </a:solidFill>
+                <a:latin typeface="+mn-lt"/>
+                <a:ea typeface="+mn-ea"/>
+                <a:cs typeface="+mn-cs"/>
+              </a:defRPr>
+            </a:lvl2pPr>
+            <a:lvl3pPr marL="1143000" indent="-228600" algn="l" defTabSz="914400" rtl="0" eaLnBrk="1" latinLnBrk="0" hangingPunct="1">
+              <a:lnSpc>
+                <a:spcPct val="90000"/>
+              </a:lnSpc>
+              <a:spcBef>
+                <a:spcPts val="500"/>
+              </a:spcBef>
+              <a:buFont typeface="Arial" panose="020B0604020202020204" pitchFamily="34" charset="0"/>
+              <a:buChar char="•"/>
+              <a:defRPr sz="2000" kern="1200">
+                <a:solidFill>
+                  <a:schemeClr val="tx1"/>
+                </a:solidFill>
+                <a:latin typeface="+mn-lt"/>
+                <a:ea typeface="+mn-ea"/>
+                <a:cs typeface="+mn-cs"/>
+              </a:defRPr>
+            </a:lvl3pPr>
+            <a:lvl4pPr marL="1600200" indent="-228600" algn="l" defTabSz="914400" rtl="0" eaLnBrk="1" latinLnBrk="0" hangingPunct="1">
+              <a:lnSpc>
+                <a:spcPct val="90000"/>
+              </a:lnSpc>
+              <a:spcBef>
+                <a:spcPts val="500"/>
+              </a:spcBef>
+              <a:buFont typeface="Arial" panose="020B0604020202020204" pitchFamily="34" charset="0"/>
+              <a:buChar char="•"/>
+              <a:defRPr sz="1800" kern="1200">
+                <a:solidFill>
+                  <a:schemeClr val="tx1"/>
+                </a:solidFill>
+                <a:latin typeface="+mn-lt"/>
+                <a:ea typeface="+mn-ea"/>
+                <a:cs typeface="+mn-cs"/>
+              </a:defRPr>
+            </a:lvl4pPr>
+            <a:lvl5pPr marL="2057400" indent="-228600" algn="l" defTabSz="914400" rtl="0" eaLnBrk="1" latinLnBrk="0" hangingPunct="1">
+              <a:lnSpc>
+                <a:spcPct val="90000"/>
+              </a:lnSpc>
+              <a:spcBef>
+                <a:spcPts val="500"/>
+              </a:spcBef>
+              <a:buFont typeface="Arial" panose="020B0604020202020204" pitchFamily="34" charset="0"/>
+              <a:buChar char="•"/>
+              <a:defRPr sz="1800" kern="1200">
+                <a:solidFill>
+                  <a:schemeClr val="tx1"/>
+                </a:solidFill>
+                <a:latin typeface="+mn-lt"/>
+                <a:ea typeface="+mn-ea"/>
+                <a:cs typeface="+mn-cs"/>
+              </a:defRPr>
+            </a:lvl5pPr>
+            <a:lvl6pPr marL="2514600" indent="-228600" algn="l" defTabSz="914400" rtl="0" eaLnBrk="1" latinLnBrk="0" hangingPunct="1">
+              <a:lnSpc>
+                <a:spcPct val="90000"/>
+              </a:lnSpc>
+              <a:spcBef>
+                <a:spcPts val="500"/>
+              </a:spcBef>
+              <a:buFont typeface="Arial" panose="020B0604020202020204" pitchFamily="34" charset="0"/>
+              <a:buChar char="•"/>
+              <a:defRPr sz="1800" kern="1200">
+                <a:solidFill>
+                  <a:schemeClr val="tx1"/>
+                </a:solidFill>
+                <a:latin typeface="+mn-lt"/>
+                <a:ea typeface="+mn-ea"/>
+                <a:cs typeface="+mn-cs"/>
+              </a:defRPr>
+            </a:lvl6pPr>
+            <a:lvl7pPr marL="2971800" indent="-228600" algn="l" defTabSz="914400" rtl="0" eaLnBrk="1" latinLnBrk="0" hangingPunct="1">
+              <a:lnSpc>
+                <a:spcPct val="90000"/>
+              </a:lnSpc>
+              <a:spcBef>
+                <a:spcPts val="500"/>
+              </a:spcBef>
+              <a:buFont typeface="Arial" panose="020B0604020202020204" pitchFamily="34" charset="0"/>
+              <a:buChar char="•"/>
+              <a:defRPr sz="1800" kern="1200">
+                <a:solidFill>
+                  <a:schemeClr val="tx1"/>
+                </a:solidFill>
+                <a:latin typeface="+mn-lt"/>
+                <a:ea typeface="+mn-ea"/>
+                <a:cs typeface="+mn-cs"/>
+              </a:defRPr>
+            </a:lvl7pPr>
+            <a:lvl8pPr marL="3429000" indent="-228600" algn="l" defTabSz="914400" rtl="0" eaLnBrk="1" latinLnBrk="0" hangingPunct="1">
+              <a:lnSpc>
+                <a:spcPct val="90000"/>
+              </a:lnSpc>
+              <a:spcBef>
+                <a:spcPts val="500"/>
+              </a:spcBef>
+              <a:buFont typeface="Arial" panose="020B0604020202020204" pitchFamily="34" charset="0"/>
+              <a:buChar char="•"/>
+              <a:defRPr sz="1800" kern="1200">
+                <a:solidFill>
+                  <a:schemeClr val="tx1"/>
+                </a:solidFill>
+                <a:latin typeface="+mn-lt"/>
+                <a:ea typeface="+mn-ea"/>
+                <a:cs typeface="+mn-cs"/>
+              </a:defRPr>
+            </a:lvl8pPr>
+            <a:lvl9pPr marL="3886200" indent="-228600" algn="l" defTabSz="914400" rtl="0" eaLnBrk="1" latinLnBrk="0" hangingPunct="1">
+              <a:lnSpc>
+                <a:spcPct val="90000"/>
+              </a:lnSpc>
+              <a:spcBef>
+                <a:spcPts val="500"/>
+              </a:spcBef>
+              <a:buFont typeface="Arial" panose="020B0604020202020204" pitchFamily="34" charset="0"/>
+              <a:buChar char="•"/>
+              <a:defRPr sz="1800" kern="1200">
+                <a:solidFill>
+                  <a:schemeClr val="tx1"/>
+                </a:solidFill>
+                <a:latin typeface="+mn-lt"/>
+                <a:ea typeface="+mn-ea"/>
+                <a:cs typeface="+mn-cs"/>
+              </a:defRPr>
+            </a:lvl9pPr>
+          </a:lstStyle>
+          <a:p>
+            <a:pPr marL="0" indent="0">
+              <a:buNone/>
+            </a:pPr>
+            <a:r>
+              <a:rPr lang="en-US" sz="4400" b="1" dirty="0"/>
+              <a:t>3)</a:t>
+            </a:r>
+            <a:r>
+              <a:rPr lang="en-US" sz="4400" dirty="0"/>
+              <a:t>    </a:t>
+            </a:r>
+            <a:endParaRPr lang="en-US" sz="4400" dirty="0">
+              <a:solidFill>
+                <a:schemeClr val="accent6">
+                  <a:lumMod val="50000"/>
+                </a:schemeClr>
+              </a:solidFill>
+              <a:latin typeface="+mj-lt"/>
+            </a:endParaRPr>
+          </a:p>
+        </p:txBody>
+      </p:sp>
+      <p:sp>
+        <p:nvSpPr>
+          <p:cNvPr id="7" name="Text Placeholder 10">
+            <a:extLst>
+              <a:ext uri="{FF2B5EF4-FFF2-40B4-BE49-F238E27FC236}">
+                <a16:creationId xmlns:a16="http://schemas.microsoft.com/office/drawing/2014/main" id="{B4500D03-A13F-4703-A793-8689577D4EB8}"/>
+              </a:ext>
+            </a:extLst>
+          </p:cNvPr>
+          <p:cNvSpPr txBox="1">
+            <a:spLocks/>
+          </p:cNvSpPr>
+          <p:nvPr/>
+        </p:nvSpPr>
+        <p:spPr>
+          <a:xfrm>
+            <a:off x="2313710" y="739699"/>
+            <a:ext cx="5403272" cy="749989"/>
+          </a:xfrm>
+          <a:prstGeom prst="rect">
+            <a:avLst/>
+          </a:prstGeom>
+        </p:spPr>
+        <p:txBody>
+          <a:bodyPr/>
+          <a:lstStyle>
+            <a:lvl1pPr marL="228600" indent="-228600" algn="l" defTabSz="914400" rtl="0" eaLnBrk="1" latinLnBrk="0" hangingPunct="1">
+              <a:lnSpc>
+                <a:spcPct val="90000"/>
+              </a:lnSpc>
+              <a:spcBef>
+                <a:spcPts val="1000"/>
+              </a:spcBef>
+              <a:buFont typeface="Arial" panose="020B0604020202020204" pitchFamily="34" charset="0"/>
+              <a:buChar char="•"/>
+              <a:defRPr sz="2800" kern="1200">
+                <a:solidFill>
+                  <a:schemeClr val="tx1"/>
+                </a:solidFill>
+                <a:latin typeface="+mn-lt"/>
+                <a:ea typeface="+mn-ea"/>
+                <a:cs typeface="+mn-cs"/>
+              </a:defRPr>
+            </a:lvl1pPr>
+            <a:lvl2pPr marL="685800" indent="-228600" algn="l" defTabSz="914400" rtl="0" eaLnBrk="1" latinLnBrk="0" hangingPunct="1">
+              <a:lnSpc>
+                <a:spcPct val="90000"/>
+              </a:lnSpc>
+              <a:spcBef>
+                <a:spcPts val="500"/>
+              </a:spcBef>
+              <a:buFont typeface="Arial" panose="020B0604020202020204" pitchFamily="34" charset="0"/>
+              <a:buChar char="•"/>
+              <a:defRPr sz="2400" kern="1200">
+                <a:solidFill>
+                  <a:schemeClr val="tx1"/>
+                </a:solidFill>
+                <a:latin typeface="+mn-lt"/>
+                <a:ea typeface="+mn-ea"/>
+                <a:cs typeface="+mn-cs"/>
+              </a:defRPr>
+            </a:lvl2pPr>
+            <a:lvl3pPr marL="1143000" indent="-228600" algn="l" defTabSz="914400" rtl="0" eaLnBrk="1" latinLnBrk="0" hangingPunct="1">
+              <a:lnSpc>
+                <a:spcPct val="90000"/>
+              </a:lnSpc>
+              <a:spcBef>
+                <a:spcPts val="500"/>
+              </a:spcBef>
+              <a:buFont typeface="Arial" panose="020B0604020202020204" pitchFamily="34" charset="0"/>
+              <a:buChar char="•"/>
+              <a:defRPr sz="2000" kern="1200">
+                <a:solidFill>
+                  <a:schemeClr val="tx1"/>
+                </a:solidFill>
+                <a:latin typeface="+mn-lt"/>
+                <a:ea typeface="+mn-ea"/>
+                <a:cs typeface="+mn-cs"/>
+              </a:defRPr>
+            </a:lvl3pPr>
+            <a:lvl4pPr marL="1600200" indent="-228600" algn="l" defTabSz="914400" rtl="0" eaLnBrk="1" latinLnBrk="0" hangingPunct="1">
+              <a:lnSpc>
+                <a:spcPct val="90000"/>
+              </a:lnSpc>
+              <a:spcBef>
+                <a:spcPts val="500"/>
+              </a:spcBef>
+              <a:buFont typeface="Arial" panose="020B0604020202020204" pitchFamily="34" charset="0"/>
+              <a:buChar char="•"/>
+              <a:defRPr sz="1800" kern="1200">
+                <a:solidFill>
+                  <a:schemeClr val="tx1"/>
+                </a:solidFill>
+                <a:latin typeface="+mn-lt"/>
+                <a:ea typeface="+mn-ea"/>
+                <a:cs typeface="+mn-cs"/>
+              </a:defRPr>
+            </a:lvl4pPr>
+            <a:lvl5pPr marL="2057400" indent="-228600" algn="l" defTabSz="914400" rtl="0" eaLnBrk="1" latinLnBrk="0" hangingPunct="1">
+              <a:lnSpc>
+                <a:spcPct val="90000"/>
+              </a:lnSpc>
+              <a:spcBef>
+                <a:spcPts val="500"/>
+              </a:spcBef>
+              <a:buFont typeface="Arial" panose="020B0604020202020204" pitchFamily="34" charset="0"/>
+              <a:buChar char="•"/>
+              <a:defRPr sz="1800" kern="1200">
+                <a:solidFill>
+                  <a:schemeClr val="tx1"/>
+                </a:solidFill>
+                <a:latin typeface="+mn-lt"/>
+                <a:ea typeface="+mn-ea"/>
+                <a:cs typeface="+mn-cs"/>
+              </a:defRPr>
+            </a:lvl5pPr>
+            <a:lvl6pPr marL="2514600" indent="-228600" algn="l" defTabSz="914400" rtl="0" eaLnBrk="1" latinLnBrk="0" hangingPunct="1">
+              <a:lnSpc>
+                <a:spcPct val="90000"/>
+              </a:lnSpc>
+              <a:spcBef>
+                <a:spcPts val="500"/>
+              </a:spcBef>
+              <a:buFont typeface="Arial" panose="020B0604020202020204" pitchFamily="34" charset="0"/>
+              <a:buChar char="•"/>
+              <a:defRPr sz="1800" kern="1200">
+                <a:solidFill>
+                  <a:schemeClr val="tx1"/>
+                </a:solidFill>
+                <a:latin typeface="+mn-lt"/>
+                <a:ea typeface="+mn-ea"/>
+                <a:cs typeface="+mn-cs"/>
+              </a:defRPr>
+            </a:lvl6pPr>
+            <a:lvl7pPr marL="2971800" indent="-228600" algn="l" defTabSz="914400" rtl="0" eaLnBrk="1" latinLnBrk="0" hangingPunct="1">
+              <a:lnSpc>
+                <a:spcPct val="90000"/>
+              </a:lnSpc>
+              <a:spcBef>
+                <a:spcPts val="500"/>
+              </a:spcBef>
+              <a:buFont typeface="Arial" panose="020B0604020202020204" pitchFamily="34" charset="0"/>
+              <a:buChar char="•"/>
+              <a:defRPr sz="1800" kern="1200">
+                <a:solidFill>
+                  <a:schemeClr val="tx1"/>
+                </a:solidFill>
+                <a:latin typeface="+mn-lt"/>
+                <a:ea typeface="+mn-ea"/>
+                <a:cs typeface="+mn-cs"/>
+              </a:defRPr>
+            </a:lvl7pPr>
+            <a:lvl8pPr marL="3429000" indent="-228600" algn="l" defTabSz="914400" rtl="0" eaLnBrk="1" latinLnBrk="0" hangingPunct="1">
+              <a:lnSpc>
+                <a:spcPct val="90000"/>
+              </a:lnSpc>
+              <a:spcBef>
+                <a:spcPts val="500"/>
+              </a:spcBef>
+              <a:buFont typeface="Arial" panose="020B0604020202020204" pitchFamily="34" charset="0"/>
+              <a:buChar char="•"/>
+              <a:defRPr sz="1800" kern="1200">
+                <a:solidFill>
+                  <a:schemeClr val="tx1"/>
+                </a:solidFill>
+                <a:latin typeface="+mn-lt"/>
+                <a:ea typeface="+mn-ea"/>
+                <a:cs typeface="+mn-cs"/>
+              </a:defRPr>
+            </a:lvl8pPr>
+            <a:lvl9pPr marL="3886200" indent="-228600" algn="l" defTabSz="914400" rtl="0" eaLnBrk="1" latinLnBrk="0" hangingPunct="1">
+              <a:lnSpc>
+                <a:spcPct val="90000"/>
+              </a:lnSpc>
+              <a:spcBef>
+                <a:spcPts val="500"/>
+              </a:spcBef>
+              <a:buFont typeface="Arial" panose="020B0604020202020204" pitchFamily="34" charset="0"/>
+              <a:buChar char="•"/>
+              <a:defRPr sz="1800" kern="1200">
+                <a:solidFill>
+                  <a:schemeClr val="tx1"/>
+                </a:solidFill>
+                <a:latin typeface="+mn-lt"/>
+                <a:ea typeface="+mn-ea"/>
+                <a:cs typeface="+mn-cs"/>
+              </a:defRPr>
+            </a:lvl9pPr>
+          </a:lstStyle>
+          <a:p>
+            <a:pPr marL="0" indent="0">
+              <a:buNone/>
+            </a:pPr>
+            <a:r>
+              <a:rPr lang="en-US" sz="4400" b="1" dirty="0">
+                <a:solidFill>
+                  <a:schemeClr val="accent4">
+                    <a:lumMod val="20000"/>
+                    <a:lumOff val="80000"/>
+                  </a:schemeClr>
+                </a:solidFill>
+                <a:latin typeface="+mj-lt"/>
+              </a:rPr>
+              <a:t>Data </a:t>
+            </a:r>
+            <a:r>
+              <a:rPr lang="en-US" sz="4400" b="1" dirty="0">
+                <a:solidFill>
+                  <a:schemeClr val="accent4">
+                    <a:lumMod val="50000"/>
+                  </a:schemeClr>
+                </a:solidFill>
+                <a:latin typeface="+mj-lt"/>
+              </a:rPr>
+              <a:t>Analysis</a:t>
+            </a:r>
+            <a:endParaRPr lang="en-US" sz="4400" dirty="0">
+              <a:solidFill>
+                <a:schemeClr val="accent4">
+                  <a:lumMod val="50000"/>
+                </a:schemeClr>
+              </a:solidFill>
+              <a:latin typeface="+mj-lt"/>
+            </a:endParaRPr>
+          </a:p>
+        </p:txBody>
+      </p:sp>
       <p:pic>
         <p:nvPicPr>
           <p:cNvPr id="13314" name="Picture 2">
@@ -4818,7 +6019,7 @@
 </p:sld>
 </file>
 
-<file path=ppt/slides/slide12.xml><?xml version="1.0" encoding="utf-8"?>
+<file path=ppt/slides/slide14.xml><?xml version="1.0" encoding="utf-8"?>
 <p:sld xmlns:a="http://schemas.openxmlformats.org/drawingml/2006/main" xmlns:r="http://schemas.openxmlformats.org/officeDocument/2006/relationships" xmlns:p="http://schemas.openxmlformats.org/presentationml/2006/main">
   <p:cSld>
     <p:spTree>
@@ -6645,7 +7846,7 @@
 </p:sld>
 </file>
 
-<file path=ppt/slides/slide13.xml><?xml version="1.0" encoding="utf-8"?>
+<file path=ppt/slides/slide15.xml><?xml version="1.0" encoding="utf-8"?>
 <p:sld xmlns:a="http://schemas.openxmlformats.org/drawingml/2006/main" xmlns:r="http://schemas.openxmlformats.org/officeDocument/2006/relationships" xmlns:p="http://schemas.openxmlformats.org/presentationml/2006/main">
   <p:cSld>
     <p:spTree>
@@ -8150,7 +9351,7 @@
 </p:sld>
 </file>
 
-<file path=ppt/slides/slide14.xml><?xml version="1.0" encoding="utf-8"?>
+<file path=ppt/slides/slide16.xml><?xml version="1.0" encoding="utf-8"?>
 <p:sld xmlns:a="http://schemas.openxmlformats.org/drawingml/2006/main" xmlns:r="http://schemas.openxmlformats.org/officeDocument/2006/relationships" xmlns:p="http://schemas.openxmlformats.org/presentationml/2006/main">
   <p:cSld>
     <p:spTree>
@@ -9670,7 +10871,7 @@
 </p:sld>
 </file>
 
-<file path=ppt/slides/slide15.xml><?xml version="1.0" encoding="utf-8"?>
+<file path=ppt/slides/slide17.xml><?xml version="1.0" encoding="utf-8"?>
 <p:sld xmlns:a="http://schemas.openxmlformats.org/drawingml/2006/main" xmlns:r="http://schemas.openxmlformats.org/officeDocument/2006/relationships" xmlns:p="http://schemas.openxmlformats.org/presentationml/2006/main">
   <p:cSld>
     <p:spTree>
@@ -10790,7 +11991,7 @@
 </p:sld>
 </file>
 
-<file path=ppt/slides/slide16.xml><?xml version="1.0" encoding="utf-8"?>
+<file path=ppt/slides/slide18.xml><?xml version="1.0" encoding="utf-8"?>
 <p:sld xmlns:a="http://schemas.openxmlformats.org/drawingml/2006/main" xmlns:r="http://schemas.openxmlformats.org/officeDocument/2006/relationships" xmlns:p="http://schemas.openxmlformats.org/presentationml/2006/main">
   <p:cSld>
     <p:spTree>
@@ -11389,7 +12590,7 @@
 </p:sld>
 </file>
 
-<file path=ppt/slides/slide17.xml><?xml version="1.0" encoding="utf-8"?>
+<file path=ppt/slides/slide19.xml><?xml version="1.0" encoding="utf-8"?>
 <p:sld xmlns:a="http://schemas.openxmlformats.org/drawingml/2006/main" xmlns:r="http://schemas.openxmlformats.org/officeDocument/2006/relationships" xmlns:p="http://schemas.openxmlformats.org/presentationml/2006/main">
   <p:cSld>
     <p:spTree>
@@ -12214,1267 +13415,6 @@
     <p:extLst>
       <p:ext uri="{BB962C8B-B14F-4D97-AF65-F5344CB8AC3E}">
         <p14:creationId xmlns:p14="http://schemas.microsoft.com/office/powerpoint/2010/main" val="2429011258"/>
-      </p:ext>
-    </p:extLst>
-  </p:cSld>
-  <p:clrMapOvr>
-    <a:masterClrMapping/>
-  </p:clrMapOvr>
-</p:sld>
-</file>
-
-<file path=ppt/slides/slide18.xml><?xml version="1.0" encoding="utf-8"?>
-<p:sld xmlns:a="http://schemas.openxmlformats.org/drawingml/2006/main" xmlns:r="http://schemas.openxmlformats.org/officeDocument/2006/relationships" xmlns:p="http://schemas.openxmlformats.org/presentationml/2006/main">
-  <p:cSld>
-    <p:spTree>
-      <p:nvGrpSpPr>
-        <p:cNvPr id="1" name=""/>
-        <p:cNvGrpSpPr/>
-        <p:nvPr/>
-      </p:nvGrpSpPr>
-      <p:grpSpPr>
-        <a:xfrm>
-          <a:off x="0" y="0"/>
-          <a:ext cx="0" cy="0"/>
-          <a:chOff x="0" y="0"/>
-          <a:chExt cx="0" cy="0"/>
-        </a:xfrm>
-      </p:grpSpPr>
-      <p:sp>
-        <p:nvSpPr>
-          <p:cNvPr id="6" name="Flowchart: Alternate Process 5">
-            <a:extLst>
-              <a:ext uri="{FF2B5EF4-FFF2-40B4-BE49-F238E27FC236}">
-                <a16:creationId xmlns:a16="http://schemas.microsoft.com/office/drawing/2014/main" id="{0309A167-194F-49E3-A8C7-133C659DDBF3}"/>
-              </a:ext>
-            </a:extLst>
-          </p:cNvPr>
-          <p:cNvSpPr/>
-          <p:nvPr/>
-        </p:nvSpPr>
-        <p:spPr>
-          <a:xfrm>
-            <a:off x="2148711" y="649970"/>
-            <a:ext cx="2041152" cy="839718"/>
-          </a:xfrm>
-          <a:prstGeom prst="flowChartAlternateProcess">
-            <a:avLst/>
-          </a:prstGeom>
-          <a:solidFill>
-            <a:schemeClr val="accent1">
-              <a:lumMod val="50000"/>
-            </a:schemeClr>
-          </a:solidFill>
-          <a:ln/>
-        </p:spPr>
-        <p:style>
-          <a:lnRef idx="0">
-            <a:schemeClr val="accent6"/>
-          </a:lnRef>
-          <a:fillRef idx="3">
-            <a:schemeClr val="accent6"/>
-          </a:fillRef>
-          <a:effectRef idx="3">
-            <a:schemeClr val="accent6"/>
-          </a:effectRef>
-          <a:fontRef idx="minor">
-            <a:schemeClr val="lt1"/>
-          </a:fontRef>
-        </p:style>
-        <p:txBody>
-          <a:bodyPr wrap="square" rtlCol="0" anchor="ctr">
-            <a:noAutofit/>
-          </a:bodyPr>
-          <a:lstStyle/>
-          <a:p>
-            <a:endParaRPr lang="en-US" sz="1400" b="1" dirty="0">
-              <a:solidFill>
-                <a:schemeClr val="tx1">
-                  <a:lumMod val="85000"/>
-                  <a:lumOff val="15000"/>
-                </a:schemeClr>
-              </a:solidFill>
-            </a:endParaRPr>
-          </a:p>
-        </p:txBody>
-      </p:sp>
-      <p:sp>
-        <p:nvSpPr>
-          <p:cNvPr id="5" name="Text Placeholder 10">
-            <a:extLst>
-              <a:ext uri="{FF2B5EF4-FFF2-40B4-BE49-F238E27FC236}">
-                <a16:creationId xmlns:a16="http://schemas.microsoft.com/office/drawing/2014/main" id="{ED2DF37D-169B-4384-8CDB-4E201516355F}"/>
-              </a:ext>
-            </a:extLst>
-          </p:cNvPr>
-          <p:cNvSpPr txBox="1">
-            <a:spLocks/>
-          </p:cNvSpPr>
-          <p:nvPr/>
-        </p:nvSpPr>
-        <p:spPr>
-          <a:xfrm>
-            <a:off x="1260765" y="739699"/>
-            <a:ext cx="887945" cy="749989"/>
-          </a:xfrm>
-          <a:prstGeom prst="rect">
-            <a:avLst/>
-          </a:prstGeom>
-        </p:spPr>
-        <p:txBody>
-          <a:bodyPr/>
-          <a:lstStyle>
-            <a:lvl1pPr marL="228600" indent="-228600" algn="l" defTabSz="914400" rtl="0" eaLnBrk="1" latinLnBrk="0" hangingPunct="1">
-              <a:lnSpc>
-                <a:spcPct val="90000"/>
-              </a:lnSpc>
-              <a:spcBef>
-                <a:spcPts val="1000"/>
-              </a:spcBef>
-              <a:buFont typeface="Arial" panose="020B0604020202020204" pitchFamily="34" charset="0"/>
-              <a:buChar char="•"/>
-              <a:defRPr sz="2800" kern="1200">
-                <a:solidFill>
-                  <a:schemeClr val="tx1"/>
-                </a:solidFill>
-                <a:latin typeface="+mn-lt"/>
-                <a:ea typeface="+mn-ea"/>
-                <a:cs typeface="+mn-cs"/>
-              </a:defRPr>
-            </a:lvl1pPr>
-            <a:lvl2pPr marL="685800" indent="-228600" algn="l" defTabSz="914400" rtl="0" eaLnBrk="1" latinLnBrk="0" hangingPunct="1">
-              <a:lnSpc>
-                <a:spcPct val="90000"/>
-              </a:lnSpc>
-              <a:spcBef>
-                <a:spcPts val="500"/>
-              </a:spcBef>
-              <a:buFont typeface="Arial" panose="020B0604020202020204" pitchFamily="34" charset="0"/>
-              <a:buChar char="•"/>
-              <a:defRPr sz="2400" kern="1200">
-                <a:solidFill>
-                  <a:schemeClr val="tx1"/>
-                </a:solidFill>
-                <a:latin typeface="+mn-lt"/>
-                <a:ea typeface="+mn-ea"/>
-                <a:cs typeface="+mn-cs"/>
-              </a:defRPr>
-            </a:lvl2pPr>
-            <a:lvl3pPr marL="1143000" indent="-228600" algn="l" defTabSz="914400" rtl="0" eaLnBrk="1" latinLnBrk="0" hangingPunct="1">
-              <a:lnSpc>
-                <a:spcPct val="90000"/>
-              </a:lnSpc>
-              <a:spcBef>
-                <a:spcPts val="500"/>
-              </a:spcBef>
-              <a:buFont typeface="Arial" panose="020B0604020202020204" pitchFamily="34" charset="0"/>
-              <a:buChar char="•"/>
-              <a:defRPr sz="2000" kern="1200">
-                <a:solidFill>
-                  <a:schemeClr val="tx1"/>
-                </a:solidFill>
-                <a:latin typeface="+mn-lt"/>
-                <a:ea typeface="+mn-ea"/>
-                <a:cs typeface="+mn-cs"/>
-              </a:defRPr>
-            </a:lvl3pPr>
-            <a:lvl4pPr marL="1600200" indent="-228600" algn="l" defTabSz="914400" rtl="0" eaLnBrk="1" latinLnBrk="0" hangingPunct="1">
-              <a:lnSpc>
-                <a:spcPct val="90000"/>
-              </a:lnSpc>
-              <a:spcBef>
-                <a:spcPts val="500"/>
-              </a:spcBef>
-              <a:buFont typeface="Arial" panose="020B0604020202020204" pitchFamily="34" charset="0"/>
-              <a:buChar char="•"/>
-              <a:defRPr sz="1800" kern="1200">
-                <a:solidFill>
-                  <a:schemeClr val="tx1"/>
-                </a:solidFill>
-                <a:latin typeface="+mn-lt"/>
-                <a:ea typeface="+mn-ea"/>
-                <a:cs typeface="+mn-cs"/>
-              </a:defRPr>
-            </a:lvl4pPr>
-            <a:lvl5pPr marL="2057400" indent="-228600" algn="l" defTabSz="914400" rtl="0" eaLnBrk="1" latinLnBrk="0" hangingPunct="1">
-              <a:lnSpc>
-                <a:spcPct val="90000"/>
-              </a:lnSpc>
-              <a:spcBef>
-                <a:spcPts val="500"/>
-              </a:spcBef>
-              <a:buFont typeface="Arial" panose="020B0604020202020204" pitchFamily="34" charset="0"/>
-              <a:buChar char="•"/>
-              <a:defRPr sz="1800" kern="1200">
-                <a:solidFill>
-                  <a:schemeClr val="tx1"/>
-                </a:solidFill>
-                <a:latin typeface="+mn-lt"/>
-                <a:ea typeface="+mn-ea"/>
-                <a:cs typeface="+mn-cs"/>
-              </a:defRPr>
-            </a:lvl5pPr>
-            <a:lvl6pPr marL="2514600" indent="-228600" algn="l" defTabSz="914400" rtl="0" eaLnBrk="1" latinLnBrk="0" hangingPunct="1">
-              <a:lnSpc>
-                <a:spcPct val="90000"/>
-              </a:lnSpc>
-              <a:spcBef>
-                <a:spcPts val="500"/>
-              </a:spcBef>
-              <a:buFont typeface="Arial" panose="020B0604020202020204" pitchFamily="34" charset="0"/>
-              <a:buChar char="•"/>
-              <a:defRPr sz="1800" kern="1200">
-                <a:solidFill>
-                  <a:schemeClr val="tx1"/>
-                </a:solidFill>
-                <a:latin typeface="+mn-lt"/>
-                <a:ea typeface="+mn-ea"/>
-                <a:cs typeface="+mn-cs"/>
-              </a:defRPr>
-            </a:lvl6pPr>
-            <a:lvl7pPr marL="2971800" indent="-228600" algn="l" defTabSz="914400" rtl="0" eaLnBrk="1" latinLnBrk="0" hangingPunct="1">
-              <a:lnSpc>
-                <a:spcPct val="90000"/>
-              </a:lnSpc>
-              <a:spcBef>
-                <a:spcPts val="500"/>
-              </a:spcBef>
-              <a:buFont typeface="Arial" panose="020B0604020202020204" pitchFamily="34" charset="0"/>
-              <a:buChar char="•"/>
-              <a:defRPr sz="1800" kern="1200">
-                <a:solidFill>
-                  <a:schemeClr val="tx1"/>
-                </a:solidFill>
-                <a:latin typeface="+mn-lt"/>
-                <a:ea typeface="+mn-ea"/>
-                <a:cs typeface="+mn-cs"/>
-              </a:defRPr>
-            </a:lvl7pPr>
-            <a:lvl8pPr marL="3429000" indent="-228600" algn="l" defTabSz="914400" rtl="0" eaLnBrk="1" latinLnBrk="0" hangingPunct="1">
-              <a:lnSpc>
-                <a:spcPct val="90000"/>
-              </a:lnSpc>
-              <a:spcBef>
-                <a:spcPts val="500"/>
-              </a:spcBef>
-              <a:buFont typeface="Arial" panose="020B0604020202020204" pitchFamily="34" charset="0"/>
-              <a:buChar char="•"/>
-              <a:defRPr sz="1800" kern="1200">
-                <a:solidFill>
-                  <a:schemeClr val="tx1"/>
-                </a:solidFill>
-                <a:latin typeface="+mn-lt"/>
-                <a:ea typeface="+mn-ea"/>
-                <a:cs typeface="+mn-cs"/>
-              </a:defRPr>
-            </a:lvl8pPr>
-            <a:lvl9pPr marL="3886200" indent="-228600" algn="l" defTabSz="914400" rtl="0" eaLnBrk="1" latinLnBrk="0" hangingPunct="1">
-              <a:lnSpc>
-                <a:spcPct val="90000"/>
-              </a:lnSpc>
-              <a:spcBef>
-                <a:spcPts val="500"/>
-              </a:spcBef>
-              <a:buFont typeface="Arial" panose="020B0604020202020204" pitchFamily="34" charset="0"/>
-              <a:buChar char="•"/>
-              <a:defRPr sz="1800" kern="1200">
-                <a:solidFill>
-                  <a:schemeClr val="tx1"/>
-                </a:solidFill>
-                <a:latin typeface="+mn-lt"/>
-                <a:ea typeface="+mn-ea"/>
-                <a:cs typeface="+mn-cs"/>
-              </a:defRPr>
-            </a:lvl9pPr>
-          </a:lstStyle>
-          <a:p>
-            <a:pPr marL="0" indent="0">
-              <a:buNone/>
-            </a:pPr>
-            <a:r>
-              <a:rPr lang="en-US" sz="4400" b="1" dirty="0"/>
-              <a:t>4)</a:t>
-            </a:r>
-            <a:r>
-              <a:rPr lang="en-US" sz="4400" dirty="0"/>
-              <a:t>    </a:t>
-            </a:r>
-            <a:endParaRPr lang="en-US" sz="4400" dirty="0">
-              <a:solidFill>
-                <a:schemeClr val="accent6">
-                  <a:lumMod val="50000"/>
-                </a:schemeClr>
-              </a:solidFill>
-              <a:latin typeface="+mj-lt"/>
-            </a:endParaRPr>
-          </a:p>
-        </p:txBody>
-      </p:sp>
-      <p:sp>
-        <p:nvSpPr>
-          <p:cNvPr id="7" name="Text Placeholder 10">
-            <a:extLst>
-              <a:ext uri="{FF2B5EF4-FFF2-40B4-BE49-F238E27FC236}">
-                <a16:creationId xmlns:a16="http://schemas.microsoft.com/office/drawing/2014/main" id="{B4500D03-A13F-4703-A793-8689577D4EB8}"/>
-              </a:ext>
-            </a:extLst>
-          </p:cNvPr>
-          <p:cNvSpPr txBox="1">
-            <a:spLocks/>
-          </p:cNvSpPr>
-          <p:nvPr/>
-        </p:nvSpPr>
-        <p:spPr>
-          <a:xfrm>
-            <a:off x="2313710" y="739699"/>
-            <a:ext cx="5403272" cy="749989"/>
-          </a:xfrm>
-          <a:prstGeom prst="rect">
-            <a:avLst/>
-          </a:prstGeom>
-        </p:spPr>
-        <p:txBody>
-          <a:bodyPr/>
-          <a:lstStyle>
-            <a:lvl1pPr marL="228600" indent="-228600" algn="l" defTabSz="914400" rtl="0" eaLnBrk="1" latinLnBrk="0" hangingPunct="1">
-              <a:lnSpc>
-                <a:spcPct val="90000"/>
-              </a:lnSpc>
-              <a:spcBef>
-                <a:spcPts val="1000"/>
-              </a:spcBef>
-              <a:buFont typeface="Arial" panose="020B0604020202020204" pitchFamily="34" charset="0"/>
-              <a:buChar char="•"/>
-              <a:defRPr sz="2800" kern="1200">
-                <a:solidFill>
-                  <a:schemeClr val="tx1"/>
-                </a:solidFill>
-                <a:latin typeface="+mn-lt"/>
-                <a:ea typeface="+mn-ea"/>
-                <a:cs typeface="+mn-cs"/>
-              </a:defRPr>
-            </a:lvl1pPr>
-            <a:lvl2pPr marL="685800" indent="-228600" algn="l" defTabSz="914400" rtl="0" eaLnBrk="1" latinLnBrk="0" hangingPunct="1">
-              <a:lnSpc>
-                <a:spcPct val="90000"/>
-              </a:lnSpc>
-              <a:spcBef>
-                <a:spcPts val="500"/>
-              </a:spcBef>
-              <a:buFont typeface="Arial" panose="020B0604020202020204" pitchFamily="34" charset="0"/>
-              <a:buChar char="•"/>
-              <a:defRPr sz="2400" kern="1200">
-                <a:solidFill>
-                  <a:schemeClr val="tx1"/>
-                </a:solidFill>
-                <a:latin typeface="+mn-lt"/>
-                <a:ea typeface="+mn-ea"/>
-                <a:cs typeface="+mn-cs"/>
-              </a:defRPr>
-            </a:lvl2pPr>
-            <a:lvl3pPr marL="1143000" indent="-228600" algn="l" defTabSz="914400" rtl="0" eaLnBrk="1" latinLnBrk="0" hangingPunct="1">
-              <a:lnSpc>
-                <a:spcPct val="90000"/>
-              </a:lnSpc>
-              <a:spcBef>
-                <a:spcPts val="500"/>
-              </a:spcBef>
-              <a:buFont typeface="Arial" panose="020B0604020202020204" pitchFamily="34" charset="0"/>
-              <a:buChar char="•"/>
-              <a:defRPr sz="2000" kern="1200">
-                <a:solidFill>
-                  <a:schemeClr val="tx1"/>
-                </a:solidFill>
-                <a:latin typeface="+mn-lt"/>
-                <a:ea typeface="+mn-ea"/>
-                <a:cs typeface="+mn-cs"/>
-              </a:defRPr>
-            </a:lvl3pPr>
-            <a:lvl4pPr marL="1600200" indent="-228600" algn="l" defTabSz="914400" rtl="0" eaLnBrk="1" latinLnBrk="0" hangingPunct="1">
-              <a:lnSpc>
-                <a:spcPct val="90000"/>
-              </a:lnSpc>
-              <a:spcBef>
-                <a:spcPts val="500"/>
-              </a:spcBef>
-              <a:buFont typeface="Arial" panose="020B0604020202020204" pitchFamily="34" charset="0"/>
-              <a:buChar char="•"/>
-              <a:defRPr sz="1800" kern="1200">
-                <a:solidFill>
-                  <a:schemeClr val="tx1"/>
-                </a:solidFill>
-                <a:latin typeface="+mn-lt"/>
-                <a:ea typeface="+mn-ea"/>
-                <a:cs typeface="+mn-cs"/>
-              </a:defRPr>
-            </a:lvl4pPr>
-            <a:lvl5pPr marL="2057400" indent="-228600" algn="l" defTabSz="914400" rtl="0" eaLnBrk="1" latinLnBrk="0" hangingPunct="1">
-              <a:lnSpc>
-                <a:spcPct val="90000"/>
-              </a:lnSpc>
-              <a:spcBef>
-                <a:spcPts val="500"/>
-              </a:spcBef>
-              <a:buFont typeface="Arial" panose="020B0604020202020204" pitchFamily="34" charset="0"/>
-              <a:buChar char="•"/>
-              <a:defRPr sz="1800" kern="1200">
-                <a:solidFill>
-                  <a:schemeClr val="tx1"/>
-                </a:solidFill>
-                <a:latin typeface="+mn-lt"/>
-                <a:ea typeface="+mn-ea"/>
-                <a:cs typeface="+mn-cs"/>
-              </a:defRPr>
-            </a:lvl5pPr>
-            <a:lvl6pPr marL="2514600" indent="-228600" algn="l" defTabSz="914400" rtl="0" eaLnBrk="1" latinLnBrk="0" hangingPunct="1">
-              <a:lnSpc>
-                <a:spcPct val="90000"/>
-              </a:lnSpc>
-              <a:spcBef>
-                <a:spcPts val="500"/>
-              </a:spcBef>
-              <a:buFont typeface="Arial" panose="020B0604020202020204" pitchFamily="34" charset="0"/>
-              <a:buChar char="•"/>
-              <a:defRPr sz="1800" kern="1200">
-                <a:solidFill>
-                  <a:schemeClr val="tx1"/>
-                </a:solidFill>
-                <a:latin typeface="+mn-lt"/>
-                <a:ea typeface="+mn-ea"/>
-                <a:cs typeface="+mn-cs"/>
-              </a:defRPr>
-            </a:lvl6pPr>
-            <a:lvl7pPr marL="2971800" indent="-228600" algn="l" defTabSz="914400" rtl="0" eaLnBrk="1" latinLnBrk="0" hangingPunct="1">
-              <a:lnSpc>
-                <a:spcPct val="90000"/>
-              </a:lnSpc>
-              <a:spcBef>
-                <a:spcPts val="500"/>
-              </a:spcBef>
-              <a:buFont typeface="Arial" panose="020B0604020202020204" pitchFamily="34" charset="0"/>
-              <a:buChar char="•"/>
-              <a:defRPr sz="1800" kern="1200">
-                <a:solidFill>
-                  <a:schemeClr val="tx1"/>
-                </a:solidFill>
-                <a:latin typeface="+mn-lt"/>
-                <a:ea typeface="+mn-ea"/>
-                <a:cs typeface="+mn-cs"/>
-              </a:defRPr>
-            </a:lvl7pPr>
-            <a:lvl8pPr marL="3429000" indent="-228600" algn="l" defTabSz="914400" rtl="0" eaLnBrk="1" latinLnBrk="0" hangingPunct="1">
-              <a:lnSpc>
-                <a:spcPct val="90000"/>
-              </a:lnSpc>
-              <a:spcBef>
-                <a:spcPts val="500"/>
-              </a:spcBef>
-              <a:buFont typeface="Arial" panose="020B0604020202020204" pitchFamily="34" charset="0"/>
-              <a:buChar char="•"/>
-              <a:defRPr sz="1800" kern="1200">
-                <a:solidFill>
-                  <a:schemeClr val="tx1"/>
-                </a:solidFill>
-                <a:latin typeface="+mn-lt"/>
-                <a:ea typeface="+mn-ea"/>
-                <a:cs typeface="+mn-cs"/>
-              </a:defRPr>
-            </a:lvl8pPr>
-            <a:lvl9pPr marL="3886200" indent="-228600" algn="l" defTabSz="914400" rtl="0" eaLnBrk="1" latinLnBrk="0" hangingPunct="1">
-              <a:lnSpc>
-                <a:spcPct val="90000"/>
-              </a:lnSpc>
-              <a:spcBef>
-                <a:spcPts val="500"/>
-              </a:spcBef>
-              <a:buFont typeface="Arial" panose="020B0604020202020204" pitchFamily="34" charset="0"/>
-              <a:buChar char="•"/>
-              <a:defRPr sz="1800" kern="1200">
-                <a:solidFill>
-                  <a:schemeClr val="tx1"/>
-                </a:solidFill>
-                <a:latin typeface="+mn-lt"/>
-                <a:ea typeface="+mn-ea"/>
-                <a:cs typeface="+mn-cs"/>
-              </a:defRPr>
-            </a:lvl9pPr>
-          </a:lstStyle>
-          <a:p>
-            <a:pPr marL="0" indent="0">
-              <a:buNone/>
-            </a:pPr>
-            <a:r>
-              <a:rPr lang="en-US" sz="4400" b="1" dirty="0">
-                <a:solidFill>
-                  <a:schemeClr val="accent4">
-                    <a:lumMod val="20000"/>
-                    <a:lumOff val="80000"/>
-                  </a:schemeClr>
-                </a:solidFill>
-                <a:latin typeface="+mj-lt"/>
-              </a:rPr>
-              <a:t>Feature </a:t>
-            </a:r>
-            <a:r>
-              <a:rPr lang="en-US" sz="4400" b="1" dirty="0">
-                <a:solidFill>
-                  <a:schemeClr val="accent4">
-                    <a:lumMod val="50000"/>
-                  </a:schemeClr>
-                </a:solidFill>
-                <a:latin typeface="+mj-lt"/>
-              </a:rPr>
-              <a:t>Engineering</a:t>
-            </a:r>
-            <a:endParaRPr lang="en-US" sz="4400" dirty="0">
-              <a:solidFill>
-                <a:schemeClr val="accent4">
-                  <a:lumMod val="50000"/>
-                </a:schemeClr>
-              </a:solidFill>
-              <a:latin typeface="+mj-lt"/>
-            </a:endParaRPr>
-          </a:p>
-        </p:txBody>
-      </p:sp>
-      <p:pic>
-        <p:nvPicPr>
-          <p:cNvPr id="11" name="Picture 10">
-            <a:extLst>
-              <a:ext uri="{FF2B5EF4-FFF2-40B4-BE49-F238E27FC236}">
-                <a16:creationId xmlns:a16="http://schemas.microsoft.com/office/drawing/2014/main" id="{58BE364E-7E3F-4B71-A8E9-41CFAAC62F62}"/>
-              </a:ext>
-            </a:extLst>
-          </p:cNvPr>
-          <p:cNvPicPr>
-            <a:picLocks noChangeAspect="1"/>
-          </p:cNvPicPr>
-          <p:nvPr/>
-        </p:nvPicPr>
-        <p:blipFill rotWithShape="1">
-          <a:blip r:embed="rId2"/>
-          <a:srcRect l="18614" t="5458" r="3679" b="15753"/>
-          <a:stretch/>
-        </p:blipFill>
-        <p:spPr>
-          <a:xfrm>
-            <a:off x="3248167" y="1579416"/>
-            <a:ext cx="6564998" cy="5278583"/>
-          </a:xfrm>
-          <a:prstGeom prst="rect">
-            <a:avLst/>
-          </a:prstGeom>
-        </p:spPr>
-      </p:pic>
-    </p:spTree>
-    <p:extLst>
-      <p:ext uri="{BB962C8B-B14F-4D97-AF65-F5344CB8AC3E}">
-        <p14:creationId xmlns:p14="http://schemas.microsoft.com/office/powerpoint/2010/main" val="1292388031"/>
-      </p:ext>
-    </p:extLst>
-  </p:cSld>
-  <p:clrMapOvr>
-    <a:masterClrMapping/>
-  </p:clrMapOvr>
-</p:sld>
-</file>
-
-<file path=ppt/slides/slide19.xml><?xml version="1.0" encoding="utf-8"?>
-<p:sld xmlns:a="http://schemas.openxmlformats.org/drawingml/2006/main" xmlns:r="http://schemas.openxmlformats.org/officeDocument/2006/relationships" xmlns:p="http://schemas.openxmlformats.org/presentationml/2006/main">
-  <p:cSld>
-    <p:spTree>
-      <p:nvGrpSpPr>
-        <p:cNvPr id="1" name=""/>
-        <p:cNvGrpSpPr/>
-        <p:nvPr/>
-      </p:nvGrpSpPr>
-      <p:grpSpPr>
-        <a:xfrm>
-          <a:off x="0" y="0"/>
-          <a:ext cx="0" cy="0"/>
-          <a:chOff x="0" y="0"/>
-          <a:chExt cx="0" cy="0"/>
-        </a:xfrm>
-      </p:grpSpPr>
-      <p:sp>
-        <p:nvSpPr>
-          <p:cNvPr id="6" name="Flowchart: Alternate Process 5">
-            <a:extLst>
-              <a:ext uri="{FF2B5EF4-FFF2-40B4-BE49-F238E27FC236}">
-                <a16:creationId xmlns:a16="http://schemas.microsoft.com/office/drawing/2014/main" id="{0309A167-194F-49E3-A8C7-133C659DDBF3}"/>
-              </a:ext>
-            </a:extLst>
-          </p:cNvPr>
-          <p:cNvSpPr/>
-          <p:nvPr/>
-        </p:nvSpPr>
-        <p:spPr>
-          <a:xfrm>
-            <a:off x="2148711" y="649970"/>
-            <a:ext cx="2163982" cy="839718"/>
-          </a:xfrm>
-          <a:prstGeom prst="flowChartAlternateProcess">
-            <a:avLst/>
-          </a:prstGeom>
-          <a:solidFill>
-            <a:schemeClr val="accent1">
-              <a:lumMod val="50000"/>
-            </a:schemeClr>
-          </a:solidFill>
-          <a:ln/>
-        </p:spPr>
-        <p:style>
-          <a:lnRef idx="0">
-            <a:schemeClr val="accent6"/>
-          </a:lnRef>
-          <a:fillRef idx="3">
-            <a:schemeClr val="accent6"/>
-          </a:fillRef>
-          <a:effectRef idx="3">
-            <a:schemeClr val="accent6"/>
-          </a:effectRef>
-          <a:fontRef idx="minor">
-            <a:schemeClr val="lt1"/>
-          </a:fontRef>
-        </p:style>
-        <p:txBody>
-          <a:bodyPr wrap="square" rtlCol="0" anchor="ctr">
-            <a:noAutofit/>
-          </a:bodyPr>
-          <a:lstStyle/>
-          <a:p>
-            <a:endParaRPr lang="en-US" sz="1400" b="1" dirty="0">
-              <a:solidFill>
-                <a:schemeClr val="tx1">
-                  <a:lumMod val="85000"/>
-                  <a:lumOff val="15000"/>
-                </a:schemeClr>
-              </a:solidFill>
-            </a:endParaRPr>
-          </a:p>
-        </p:txBody>
-      </p:sp>
-      <p:sp>
-        <p:nvSpPr>
-          <p:cNvPr id="5" name="Text Placeholder 10">
-            <a:extLst>
-              <a:ext uri="{FF2B5EF4-FFF2-40B4-BE49-F238E27FC236}">
-                <a16:creationId xmlns:a16="http://schemas.microsoft.com/office/drawing/2014/main" id="{ED2DF37D-169B-4384-8CDB-4E201516355F}"/>
-              </a:ext>
-            </a:extLst>
-          </p:cNvPr>
-          <p:cNvSpPr txBox="1">
-            <a:spLocks/>
-          </p:cNvSpPr>
-          <p:nvPr/>
-        </p:nvSpPr>
-        <p:spPr>
-          <a:xfrm>
-            <a:off x="1260765" y="739699"/>
-            <a:ext cx="887945" cy="749989"/>
-          </a:xfrm>
-          <a:prstGeom prst="rect">
-            <a:avLst/>
-          </a:prstGeom>
-        </p:spPr>
-        <p:txBody>
-          <a:bodyPr/>
-          <a:lstStyle>
-            <a:lvl1pPr marL="228600" indent="-228600" algn="l" defTabSz="914400" rtl="0" eaLnBrk="1" latinLnBrk="0" hangingPunct="1">
-              <a:lnSpc>
-                <a:spcPct val="90000"/>
-              </a:lnSpc>
-              <a:spcBef>
-                <a:spcPts val="1000"/>
-              </a:spcBef>
-              <a:buFont typeface="Arial" panose="020B0604020202020204" pitchFamily="34" charset="0"/>
-              <a:buChar char="•"/>
-              <a:defRPr sz="2800" kern="1200">
-                <a:solidFill>
-                  <a:schemeClr val="tx1"/>
-                </a:solidFill>
-                <a:latin typeface="+mn-lt"/>
-                <a:ea typeface="+mn-ea"/>
-                <a:cs typeface="+mn-cs"/>
-              </a:defRPr>
-            </a:lvl1pPr>
-            <a:lvl2pPr marL="685800" indent="-228600" algn="l" defTabSz="914400" rtl="0" eaLnBrk="1" latinLnBrk="0" hangingPunct="1">
-              <a:lnSpc>
-                <a:spcPct val="90000"/>
-              </a:lnSpc>
-              <a:spcBef>
-                <a:spcPts val="500"/>
-              </a:spcBef>
-              <a:buFont typeface="Arial" panose="020B0604020202020204" pitchFamily="34" charset="0"/>
-              <a:buChar char="•"/>
-              <a:defRPr sz="2400" kern="1200">
-                <a:solidFill>
-                  <a:schemeClr val="tx1"/>
-                </a:solidFill>
-                <a:latin typeface="+mn-lt"/>
-                <a:ea typeface="+mn-ea"/>
-                <a:cs typeface="+mn-cs"/>
-              </a:defRPr>
-            </a:lvl2pPr>
-            <a:lvl3pPr marL="1143000" indent="-228600" algn="l" defTabSz="914400" rtl="0" eaLnBrk="1" latinLnBrk="0" hangingPunct="1">
-              <a:lnSpc>
-                <a:spcPct val="90000"/>
-              </a:lnSpc>
-              <a:spcBef>
-                <a:spcPts val="500"/>
-              </a:spcBef>
-              <a:buFont typeface="Arial" panose="020B0604020202020204" pitchFamily="34" charset="0"/>
-              <a:buChar char="•"/>
-              <a:defRPr sz="2000" kern="1200">
-                <a:solidFill>
-                  <a:schemeClr val="tx1"/>
-                </a:solidFill>
-                <a:latin typeface="+mn-lt"/>
-                <a:ea typeface="+mn-ea"/>
-                <a:cs typeface="+mn-cs"/>
-              </a:defRPr>
-            </a:lvl3pPr>
-            <a:lvl4pPr marL="1600200" indent="-228600" algn="l" defTabSz="914400" rtl="0" eaLnBrk="1" latinLnBrk="0" hangingPunct="1">
-              <a:lnSpc>
-                <a:spcPct val="90000"/>
-              </a:lnSpc>
-              <a:spcBef>
-                <a:spcPts val="500"/>
-              </a:spcBef>
-              <a:buFont typeface="Arial" panose="020B0604020202020204" pitchFamily="34" charset="0"/>
-              <a:buChar char="•"/>
-              <a:defRPr sz="1800" kern="1200">
-                <a:solidFill>
-                  <a:schemeClr val="tx1"/>
-                </a:solidFill>
-                <a:latin typeface="+mn-lt"/>
-                <a:ea typeface="+mn-ea"/>
-                <a:cs typeface="+mn-cs"/>
-              </a:defRPr>
-            </a:lvl4pPr>
-            <a:lvl5pPr marL="2057400" indent="-228600" algn="l" defTabSz="914400" rtl="0" eaLnBrk="1" latinLnBrk="0" hangingPunct="1">
-              <a:lnSpc>
-                <a:spcPct val="90000"/>
-              </a:lnSpc>
-              <a:spcBef>
-                <a:spcPts val="500"/>
-              </a:spcBef>
-              <a:buFont typeface="Arial" panose="020B0604020202020204" pitchFamily="34" charset="0"/>
-              <a:buChar char="•"/>
-              <a:defRPr sz="1800" kern="1200">
-                <a:solidFill>
-                  <a:schemeClr val="tx1"/>
-                </a:solidFill>
-                <a:latin typeface="+mn-lt"/>
-                <a:ea typeface="+mn-ea"/>
-                <a:cs typeface="+mn-cs"/>
-              </a:defRPr>
-            </a:lvl5pPr>
-            <a:lvl6pPr marL="2514600" indent="-228600" algn="l" defTabSz="914400" rtl="0" eaLnBrk="1" latinLnBrk="0" hangingPunct="1">
-              <a:lnSpc>
-                <a:spcPct val="90000"/>
-              </a:lnSpc>
-              <a:spcBef>
-                <a:spcPts val="500"/>
-              </a:spcBef>
-              <a:buFont typeface="Arial" panose="020B0604020202020204" pitchFamily="34" charset="0"/>
-              <a:buChar char="•"/>
-              <a:defRPr sz="1800" kern="1200">
-                <a:solidFill>
-                  <a:schemeClr val="tx1"/>
-                </a:solidFill>
-                <a:latin typeface="+mn-lt"/>
-                <a:ea typeface="+mn-ea"/>
-                <a:cs typeface="+mn-cs"/>
-              </a:defRPr>
-            </a:lvl6pPr>
-            <a:lvl7pPr marL="2971800" indent="-228600" algn="l" defTabSz="914400" rtl="0" eaLnBrk="1" latinLnBrk="0" hangingPunct="1">
-              <a:lnSpc>
-                <a:spcPct val="90000"/>
-              </a:lnSpc>
-              <a:spcBef>
-                <a:spcPts val="500"/>
-              </a:spcBef>
-              <a:buFont typeface="Arial" panose="020B0604020202020204" pitchFamily="34" charset="0"/>
-              <a:buChar char="•"/>
-              <a:defRPr sz="1800" kern="1200">
-                <a:solidFill>
-                  <a:schemeClr val="tx1"/>
-                </a:solidFill>
-                <a:latin typeface="+mn-lt"/>
-                <a:ea typeface="+mn-ea"/>
-                <a:cs typeface="+mn-cs"/>
-              </a:defRPr>
-            </a:lvl7pPr>
-            <a:lvl8pPr marL="3429000" indent="-228600" algn="l" defTabSz="914400" rtl="0" eaLnBrk="1" latinLnBrk="0" hangingPunct="1">
-              <a:lnSpc>
-                <a:spcPct val="90000"/>
-              </a:lnSpc>
-              <a:spcBef>
-                <a:spcPts val="500"/>
-              </a:spcBef>
-              <a:buFont typeface="Arial" panose="020B0604020202020204" pitchFamily="34" charset="0"/>
-              <a:buChar char="•"/>
-              <a:defRPr sz="1800" kern="1200">
-                <a:solidFill>
-                  <a:schemeClr val="tx1"/>
-                </a:solidFill>
-                <a:latin typeface="+mn-lt"/>
-                <a:ea typeface="+mn-ea"/>
-                <a:cs typeface="+mn-cs"/>
-              </a:defRPr>
-            </a:lvl8pPr>
-            <a:lvl9pPr marL="3886200" indent="-228600" algn="l" defTabSz="914400" rtl="0" eaLnBrk="1" latinLnBrk="0" hangingPunct="1">
-              <a:lnSpc>
-                <a:spcPct val="90000"/>
-              </a:lnSpc>
-              <a:spcBef>
-                <a:spcPts val="500"/>
-              </a:spcBef>
-              <a:buFont typeface="Arial" panose="020B0604020202020204" pitchFamily="34" charset="0"/>
-              <a:buChar char="•"/>
-              <a:defRPr sz="1800" kern="1200">
-                <a:solidFill>
-                  <a:schemeClr val="tx1"/>
-                </a:solidFill>
-                <a:latin typeface="+mn-lt"/>
-                <a:ea typeface="+mn-ea"/>
-                <a:cs typeface="+mn-cs"/>
-              </a:defRPr>
-            </a:lvl9pPr>
-          </a:lstStyle>
-          <a:p>
-            <a:pPr marL="0" indent="0">
-              <a:buNone/>
-            </a:pPr>
-            <a:r>
-              <a:rPr lang="en-US" sz="4400" b="1" dirty="0"/>
-              <a:t>4)</a:t>
-            </a:r>
-            <a:r>
-              <a:rPr lang="en-US" sz="4400" dirty="0"/>
-              <a:t>    </a:t>
-            </a:r>
-            <a:endParaRPr lang="en-US" sz="4400" dirty="0">
-              <a:solidFill>
-                <a:schemeClr val="accent6">
-                  <a:lumMod val="50000"/>
-                </a:schemeClr>
-              </a:solidFill>
-              <a:latin typeface="+mj-lt"/>
-            </a:endParaRPr>
-          </a:p>
-        </p:txBody>
-      </p:sp>
-      <p:sp>
-        <p:nvSpPr>
-          <p:cNvPr id="7" name="Text Placeholder 10">
-            <a:extLst>
-              <a:ext uri="{FF2B5EF4-FFF2-40B4-BE49-F238E27FC236}">
-                <a16:creationId xmlns:a16="http://schemas.microsoft.com/office/drawing/2014/main" id="{B4500D03-A13F-4703-A793-8689577D4EB8}"/>
-              </a:ext>
-            </a:extLst>
-          </p:cNvPr>
-          <p:cNvSpPr txBox="1">
-            <a:spLocks/>
-          </p:cNvSpPr>
-          <p:nvPr/>
-        </p:nvSpPr>
-        <p:spPr>
-          <a:xfrm>
-            <a:off x="2313710" y="739699"/>
-            <a:ext cx="5403272" cy="749989"/>
-          </a:xfrm>
-          <a:prstGeom prst="rect">
-            <a:avLst/>
-          </a:prstGeom>
-        </p:spPr>
-        <p:txBody>
-          <a:bodyPr/>
-          <a:lstStyle>
-            <a:lvl1pPr marL="228600" indent="-228600" algn="l" defTabSz="914400" rtl="0" eaLnBrk="1" latinLnBrk="0" hangingPunct="1">
-              <a:lnSpc>
-                <a:spcPct val="90000"/>
-              </a:lnSpc>
-              <a:spcBef>
-                <a:spcPts val="1000"/>
-              </a:spcBef>
-              <a:buFont typeface="Arial" panose="020B0604020202020204" pitchFamily="34" charset="0"/>
-              <a:buChar char="•"/>
-              <a:defRPr sz="2800" kern="1200">
-                <a:solidFill>
-                  <a:schemeClr val="tx1"/>
-                </a:solidFill>
-                <a:latin typeface="+mn-lt"/>
-                <a:ea typeface="+mn-ea"/>
-                <a:cs typeface="+mn-cs"/>
-              </a:defRPr>
-            </a:lvl1pPr>
-            <a:lvl2pPr marL="685800" indent="-228600" algn="l" defTabSz="914400" rtl="0" eaLnBrk="1" latinLnBrk="0" hangingPunct="1">
-              <a:lnSpc>
-                <a:spcPct val="90000"/>
-              </a:lnSpc>
-              <a:spcBef>
-                <a:spcPts val="500"/>
-              </a:spcBef>
-              <a:buFont typeface="Arial" panose="020B0604020202020204" pitchFamily="34" charset="0"/>
-              <a:buChar char="•"/>
-              <a:defRPr sz="2400" kern="1200">
-                <a:solidFill>
-                  <a:schemeClr val="tx1"/>
-                </a:solidFill>
-                <a:latin typeface="+mn-lt"/>
-                <a:ea typeface="+mn-ea"/>
-                <a:cs typeface="+mn-cs"/>
-              </a:defRPr>
-            </a:lvl2pPr>
-            <a:lvl3pPr marL="1143000" indent="-228600" algn="l" defTabSz="914400" rtl="0" eaLnBrk="1" latinLnBrk="0" hangingPunct="1">
-              <a:lnSpc>
-                <a:spcPct val="90000"/>
-              </a:lnSpc>
-              <a:spcBef>
-                <a:spcPts val="500"/>
-              </a:spcBef>
-              <a:buFont typeface="Arial" panose="020B0604020202020204" pitchFamily="34" charset="0"/>
-              <a:buChar char="•"/>
-              <a:defRPr sz="2000" kern="1200">
-                <a:solidFill>
-                  <a:schemeClr val="tx1"/>
-                </a:solidFill>
-                <a:latin typeface="+mn-lt"/>
-                <a:ea typeface="+mn-ea"/>
-                <a:cs typeface="+mn-cs"/>
-              </a:defRPr>
-            </a:lvl3pPr>
-            <a:lvl4pPr marL="1600200" indent="-228600" algn="l" defTabSz="914400" rtl="0" eaLnBrk="1" latinLnBrk="0" hangingPunct="1">
-              <a:lnSpc>
-                <a:spcPct val="90000"/>
-              </a:lnSpc>
-              <a:spcBef>
-                <a:spcPts val="500"/>
-              </a:spcBef>
-              <a:buFont typeface="Arial" panose="020B0604020202020204" pitchFamily="34" charset="0"/>
-              <a:buChar char="•"/>
-              <a:defRPr sz="1800" kern="1200">
-                <a:solidFill>
-                  <a:schemeClr val="tx1"/>
-                </a:solidFill>
-                <a:latin typeface="+mn-lt"/>
-                <a:ea typeface="+mn-ea"/>
-                <a:cs typeface="+mn-cs"/>
-              </a:defRPr>
-            </a:lvl4pPr>
-            <a:lvl5pPr marL="2057400" indent="-228600" algn="l" defTabSz="914400" rtl="0" eaLnBrk="1" latinLnBrk="0" hangingPunct="1">
-              <a:lnSpc>
-                <a:spcPct val="90000"/>
-              </a:lnSpc>
-              <a:spcBef>
-                <a:spcPts val="500"/>
-              </a:spcBef>
-              <a:buFont typeface="Arial" panose="020B0604020202020204" pitchFamily="34" charset="0"/>
-              <a:buChar char="•"/>
-              <a:defRPr sz="1800" kern="1200">
-                <a:solidFill>
-                  <a:schemeClr val="tx1"/>
-                </a:solidFill>
-                <a:latin typeface="+mn-lt"/>
-                <a:ea typeface="+mn-ea"/>
-                <a:cs typeface="+mn-cs"/>
-              </a:defRPr>
-            </a:lvl5pPr>
-            <a:lvl6pPr marL="2514600" indent="-228600" algn="l" defTabSz="914400" rtl="0" eaLnBrk="1" latinLnBrk="0" hangingPunct="1">
-              <a:lnSpc>
-                <a:spcPct val="90000"/>
-              </a:lnSpc>
-              <a:spcBef>
-                <a:spcPts val="500"/>
-              </a:spcBef>
-              <a:buFont typeface="Arial" panose="020B0604020202020204" pitchFamily="34" charset="0"/>
-              <a:buChar char="•"/>
-              <a:defRPr sz="1800" kern="1200">
-                <a:solidFill>
-                  <a:schemeClr val="tx1"/>
-                </a:solidFill>
-                <a:latin typeface="+mn-lt"/>
-                <a:ea typeface="+mn-ea"/>
-                <a:cs typeface="+mn-cs"/>
-              </a:defRPr>
-            </a:lvl6pPr>
-            <a:lvl7pPr marL="2971800" indent="-228600" algn="l" defTabSz="914400" rtl="0" eaLnBrk="1" latinLnBrk="0" hangingPunct="1">
-              <a:lnSpc>
-                <a:spcPct val="90000"/>
-              </a:lnSpc>
-              <a:spcBef>
-                <a:spcPts val="500"/>
-              </a:spcBef>
-              <a:buFont typeface="Arial" panose="020B0604020202020204" pitchFamily="34" charset="0"/>
-              <a:buChar char="•"/>
-              <a:defRPr sz="1800" kern="1200">
-                <a:solidFill>
-                  <a:schemeClr val="tx1"/>
-                </a:solidFill>
-                <a:latin typeface="+mn-lt"/>
-                <a:ea typeface="+mn-ea"/>
-                <a:cs typeface="+mn-cs"/>
-              </a:defRPr>
-            </a:lvl7pPr>
-            <a:lvl8pPr marL="3429000" indent="-228600" algn="l" defTabSz="914400" rtl="0" eaLnBrk="1" latinLnBrk="0" hangingPunct="1">
-              <a:lnSpc>
-                <a:spcPct val="90000"/>
-              </a:lnSpc>
-              <a:spcBef>
-                <a:spcPts val="500"/>
-              </a:spcBef>
-              <a:buFont typeface="Arial" panose="020B0604020202020204" pitchFamily="34" charset="0"/>
-              <a:buChar char="•"/>
-              <a:defRPr sz="1800" kern="1200">
-                <a:solidFill>
-                  <a:schemeClr val="tx1"/>
-                </a:solidFill>
-                <a:latin typeface="+mn-lt"/>
-                <a:ea typeface="+mn-ea"/>
-                <a:cs typeface="+mn-cs"/>
-              </a:defRPr>
-            </a:lvl8pPr>
-            <a:lvl9pPr marL="3886200" indent="-228600" algn="l" defTabSz="914400" rtl="0" eaLnBrk="1" latinLnBrk="0" hangingPunct="1">
-              <a:lnSpc>
-                <a:spcPct val="90000"/>
-              </a:lnSpc>
-              <a:spcBef>
-                <a:spcPts val="500"/>
-              </a:spcBef>
-              <a:buFont typeface="Arial" panose="020B0604020202020204" pitchFamily="34" charset="0"/>
-              <a:buChar char="•"/>
-              <a:defRPr sz="1800" kern="1200">
-                <a:solidFill>
-                  <a:schemeClr val="tx1"/>
-                </a:solidFill>
-                <a:latin typeface="+mn-lt"/>
-                <a:ea typeface="+mn-ea"/>
-                <a:cs typeface="+mn-cs"/>
-              </a:defRPr>
-            </a:lvl9pPr>
-          </a:lstStyle>
-          <a:p>
-            <a:pPr marL="0" indent="0">
-              <a:buNone/>
-            </a:pPr>
-            <a:r>
-              <a:rPr lang="en-US" sz="4400" b="1" dirty="0">
-                <a:solidFill>
-                  <a:schemeClr val="accent4">
-                    <a:lumMod val="20000"/>
-                    <a:lumOff val="80000"/>
-                  </a:schemeClr>
-                </a:solidFill>
-                <a:latin typeface="+mj-lt"/>
-              </a:rPr>
-              <a:t>Baseline </a:t>
-            </a:r>
-            <a:r>
-              <a:rPr lang="en-US" sz="4400" b="1" dirty="0">
-                <a:solidFill>
-                  <a:schemeClr val="accent4">
-                    <a:lumMod val="50000"/>
-                  </a:schemeClr>
-                </a:solidFill>
-                <a:latin typeface="+mj-lt"/>
-              </a:rPr>
-              <a:t>Modeling</a:t>
-            </a:r>
-            <a:endParaRPr lang="en-US" sz="4400" dirty="0">
-              <a:solidFill>
-                <a:schemeClr val="accent4">
-                  <a:lumMod val="50000"/>
-                </a:schemeClr>
-              </a:solidFill>
-              <a:latin typeface="+mj-lt"/>
-            </a:endParaRPr>
-          </a:p>
-        </p:txBody>
-      </p:sp>
-      <p:sp>
-        <p:nvSpPr>
-          <p:cNvPr id="10" name="TextBox 9">
-            <a:extLst>
-              <a:ext uri="{FF2B5EF4-FFF2-40B4-BE49-F238E27FC236}">
-                <a16:creationId xmlns:a16="http://schemas.microsoft.com/office/drawing/2014/main" id="{5D90A22E-F96B-4FC3-B9A5-92C8EFF0C4FC}"/>
-              </a:ext>
-            </a:extLst>
-          </p:cNvPr>
-          <p:cNvSpPr txBox="1"/>
-          <p:nvPr/>
-        </p:nvSpPr>
-        <p:spPr>
-          <a:xfrm>
-            <a:off x="4188" y="1579417"/>
-            <a:ext cx="6095999" cy="584775"/>
-          </a:xfrm>
-          <a:prstGeom prst="rect">
-            <a:avLst/>
-          </a:prstGeom>
-          <a:noFill/>
-        </p:spPr>
-        <p:txBody>
-          <a:bodyPr wrap="square" rtlCol="0">
-            <a:spAutoFit/>
-          </a:bodyPr>
-          <a:lstStyle/>
-          <a:p>
-            <a:pPr algn="ctr"/>
-            <a:r>
-              <a:rPr lang="en-US" sz="3200" dirty="0">
-                <a:solidFill>
-                  <a:schemeClr val="accent1">
-                    <a:lumMod val="50000"/>
-                  </a:schemeClr>
-                </a:solidFill>
-              </a:rPr>
-              <a:t>Unbalanced Dataset</a:t>
-            </a:r>
-          </a:p>
-        </p:txBody>
-      </p:sp>
-      <p:pic>
-        <p:nvPicPr>
-          <p:cNvPr id="17410" name="Picture 2">
-            <a:extLst>
-              <a:ext uri="{FF2B5EF4-FFF2-40B4-BE49-F238E27FC236}">
-                <a16:creationId xmlns:a16="http://schemas.microsoft.com/office/drawing/2014/main" id="{4AAB8262-3D9B-42F5-8544-011814A2474A}"/>
-              </a:ext>
-            </a:extLst>
-          </p:cNvPr>
-          <p:cNvPicPr>
-            <a:picLocks noChangeAspect="1" noChangeArrowheads="1"/>
-          </p:cNvPicPr>
-          <p:nvPr/>
-        </p:nvPicPr>
-        <p:blipFill>
-          <a:blip r:embed="rId2">
-            <a:extLst>
-              <a:ext uri="{28A0092B-C50C-407E-A947-70E740481C1C}">
-                <a14:useLocalDpi xmlns:a14="http://schemas.microsoft.com/office/drawing/2010/main" val="0"/>
-              </a:ext>
-            </a:extLst>
-          </a:blip>
-          <a:srcRect/>
-          <a:stretch>
-            <a:fillRect/>
-          </a:stretch>
-        </p:blipFill>
-        <p:spPr bwMode="auto">
-          <a:xfrm>
-            <a:off x="113727" y="2142698"/>
-            <a:ext cx="5865606" cy="4715301"/>
-          </a:xfrm>
-          <a:prstGeom prst="rect">
-            <a:avLst/>
-          </a:prstGeom>
-          <a:noFill/>
-          <a:extLst>
-            <a:ext uri="{909E8E84-426E-40DD-AFC4-6F175D3DCCD1}">
-              <a14:hiddenFill xmlns:a14="http://schemas.microsoft.com/office/drawing/2010/main">
-                <a:solidFill>
-                  <a:srgbClr val="FFFFFF"/>
-                </a:solidFill>
-              </a14:hiddenFill>
-            </a:ext>
-          </a:extLst>
-        </p:spPr>
-      </p:pic>
-      <p:sp>
-        <p:nvSpPr>
-          <p:cNvPr id="13" name="TextBox 12">
-            <a:extLst>
-              <a:ext uri="{FF2B5EF4-FFF2-40B4-BE49-F238E27FC236}">
-                <a16:creationId xmlns:a16="http://schemas.microsoft.com/office/drawing/2014/main" id="{A480D9B9-EBC1-4F4B-BF02-B4F08C1F28CE}"/>
-              </a:ext>
-            </a:extLst>
-          </p:cNvPr>
-          <p:cNvSpPr txBox="1"/>
-          <p:nvPr/>
-        </p:nvSpPr>
-        <p:spPr>
-          <a:xfrm>
-            <a:off x="6578221" y="1605264"/>
-            <a:ext cx="4655798" cy="584775"/>
-          </a:xfrm>
-          <a:prstGeom prst="rect">
-            <a:avLst/>
-          </a:prstGeom>
-          <a:noFill/>
-        </p:spPr>
-        <p:txBody>
-          <a:bodyPr wrap="square" rtlCol="0">
-            <a:spAutoFit/>
-          </a:bodyPr>
-          <a:lstStyle/>
-          <a:p>
-            <a:pPr algn="ctr"/>
-            <a:r>
-              <a:rPr lang="en-US" sz="3200" dirty="0">
-                <a:solidFill>
-                  <a:schemeClr val="accent1">
-                    <a:lumMod val="50000"/>
-                  </a:schemeClr>
-                </a:solidFill>
-              </a:rPr>
-              <a:t>Balanced Dataset</a:t>
-            </a:r>
-          </a:p>
-        </p:txBody>
-      </p:sp>
-      <p:pic>
-        <p:nvPicPr>
-          <p:cNvPr id="17416" name="Picture 8">
-            <a:extLst>
-              <a:ext uri="{FF2B5EF4-FFF2-40B4-BE49-F238E27FC236}">
-                <a16:creationId xmlns:a16="http://schemas.microsoft.com/office/drawing/2014/main" id="{CCBE0644-2A25-4029-9F89-C370B22442DA}"/>
-              </a:ext>
-            </a:extLst>
-          </p:cNvPr>
-          <p:cNvPicPr>
-            <a:picLocks noChangeAspect="1" noChangeArrowheads="1"/>
-          </p:cNvPicPr>
-          <p:nvPr/>
-        </p:nvPicPr>
-        <p:blipFill>
-          <a:blip r:embed="rId3">
-            <a:extLst>
-              <a:ext uri="{28A0092B-C50C-407E-A947-70E740481C1C}">
-                <a14:useLocalDpi xmlns:a14="http://schemas.microsoft.com/office/drawing/2010/main" val="0"/>
-              </a:ext>
-            </a:extLst>
-          </a:blip>
-          <a:srcRect/>
-          <a:stretch>
-            <a:fillRect/>
-          </a:stretch>
-        </p:blipFill>
-        <p:spPr bwMode="auto">
-          <a:xfrm>
-            <a:off x="5929557" y="2113127"/>
-            <a:ext cx="5953125" cy="4724400"/>
-          </a:xfrm>
-          <a:prstGeom prst="rect">
-            <a:avLst/>
-          </a:prstGeom>
-          <a:noFill/>
-          <a:extLst>
-            <a:ext uri="{909E8E84-426E-40DD-AFC4-6F175D3DCCD1}">
-              <a14:hiddenFill xmlns:a14="http://schemas.microsoft.com/office/drawing/2010/main">
-                <a:solidFill>
-                  <a:srgbClr val="FFFFFF"/>
-                </a:solidFill>
-              </a14:hiddenFill>
-            </a:ext>
-          </a:extLst>
-        </p:spPr>
-      </p:pic>
-    </p:spTree>
-    <p:extLst>
-      <p:ext uri="{BB962C8B-B14F-4D97-AF65-F5344CB8AC3E}">
-        <p14:creationId xmlns:p14="http://schemas.microsoft.com/office/powerpoint/2010/main" val="2964887385"/>
       </p:ext>
     </p:extLst>
   </p:cSld>
@@ -13592,6 +13532,1267 @@
         </p:nvSpPr>
         <p:spPr>
           <a:xfrm>
+            <a:off x="2148711" y="649970"/>
+            <a:ext cx="2041152" cy="839718"/>
+          </a:xfrm>
+          <a:prstGeom prst="flowChartAlternateProcess">
+            <a:avLst/>
+          </a:prstGeom>
+          <a:solidFill>
+            <a:schemeClr val="accent1">
+              <a:lumMod val="50000"/>
+            </a:schemeClr>
+          </a:solidFill>
+          <a:ln/>
+        </p:spPr>
+        <p:style>
+          <a:lnRef idx="0">
+            <a:schemeClr val="accent6"/>
+          </a:lnRef>
+          <a:fillRef idx="3">
+            <a:schemeClr val="accent6"/>
+          </a:fillRef>
+          <a:effectRef idx="3">
+            <a:schemeClr val="accent6"/>
+          </a:effectRef>
+          <a:fontRef idx="minor">
+            <a:schemeClr val="lt1"/>
+          </a:fontRef>
+        </p:style>
+        <p:txBody>
+          <a:bodyPr wrap="square" rtlCol="0" anchor="ctr">
+            <a:noAutofit/>
+          </a:bodyPr>
+          <a:lstStyle/>
+          <a:p>
+            <a:endParaRPr lang="en-US" sz="1400" b="1" dirty="0">
+              <a:solidFill>
+                <a:schemeClr val="tx1">
+                  <a:lumMod val="85000"/>
+                  <a:lumOff val="15000"/>
+                </a:schemeClr>
+              </a:solidFill>
+            </a:endParaRPr>
+          </a:p>
+        </p:txBody>
+      </p:sp>
+      <p:sp>
+        <p:nvSpPr>
+          <p:cNvPr id="5" name="Text Placeholder 10">
+            <a:extLst>
+              <a:ext uri="{FF2B5EF4-FFF2-40B4-BE49-F238E27FC236}">
+                <a16:creationId xmlns:a16="http://schemas.microsoft.com/office/drawing/2014/main" id="{ED2DF37D-169B-4384-8CDB-4E201516355F}"/>
+              </a:ext>
+            </a:extLst>
+          </p:cNvPr>
+          <p:cNvSpPr txBox="1">
+            <a:spLocks/>
+          </p:cNvSpPr>
+          <p:nvPr/>
+        </p:nvSpPr>
+        <p:spPr>
+          <a:xfrm>
+            <a:off x="1260765" y="739699"/>
+            <a:ext cx="887945" cy="749989"/>
+          </a:xfrm>
+          <a:prstGeom prst="rect">
+            <a:avLst/>
+          </a:prstGeom>
+        </p:spPr>
+        <p:txBody>
+          <a:bodyPr/>
+          <a:lstStyle>
+            <a:lvl1pPr marL="228600" indent="-228600" algn="l" defTabSz="914400" rtl="0" eaLnBrk="1" latinLnBrk="0" hangingPunct="1">
+              <a:lnSpc>
+                <a:spcPct val="90000"/>
+              </a:lnSpc>
+              <a:spcBef>
+                <a:spcPts val="1000"/>
+              </a:spcBef>
+              <a:buFont typeface="Arial" panose="020B0604020202020204" pitchFamily="34" charset="0"/>
+              <a:buChar char="•"/>
+              <a:defRPr sz="2800" kern="1200">
+                <a:solidFill>
+                  <a:schemeClr val="tx1"/>
+                </a:solidFill>
+                <a:latin typeface="+mn-lt"/>
+                <a:ea typeface="+mn-ea"/>
+                <a:cs typeface="+mn-cs"/>
+              </a:defRPr>
+            </a:lvl1pPr>
+            <a:lvl2pPr marL="685800" indent="-228600" algn="l" defTabSz="914400" rtl="0" eaLnBrk="1" latinLnBrk="0" hangingPunct="1">
+              <a:lnSpc>
+                <a:spcPct val="90000"/>
+              </a:lnSpc>
+              <a:spcBef>
+                <a:spcPts val="500"/>
+              </a:spcBef>
+              <a:buFont typeface="Arial" panose="020B0604020202020204" pitchFamily="34" charset="0"/>
+              <a:buChar char="•"/>
+              <a:defRPr sz="2400" kern="1200">
+                <a:solidFill>
+                  <a:schemeClr val="tx1"/>
+                </a:solidFill>
+                <a:latin typeface="+mn-lt"/>
+                <a:ea typeface="+mn-ea"/>
+                <a:cs typeface="+mn-cs"/>
+              </a:defRPr>
+            </a:lvl2pPr>
+            <a:lvl3pPr marL="1143000" indent="-228600" algn="l" defTabSz="914400" rtl="0" eaLnBrk="1" latinLnBrk="0" hangingPunct="1">
+              <a:lnSpc>
+                <a:spcPct val="90000"/>
+              </a:lnSpc>
+              <a:spcBef>
+                <a:spcPts val="500"/>
+              </a:spcBef>
+              <a:buFont typeface="Arial" panose="020B0604020202020204" pitchFamily="34" charset="0"/>
+              <a:buChar char="•"/>
+              <a:defRPr sz="2000" kern="1200">
+                <a:solidFill>
+                  <a:schemeClr val="tx1"/>
+                </a:solidFill>
+                <a:latin typeface="+mn-lt"/>
+                <a:ea typeface="+mn-ea"/>
+                <a:cs typeface="+mn-cs"/>
+              </a:defRPr>
+            </a:lvl3pPr>
+            <a:lvl4pPr marL="1600200" indent="-228600" algn="l" defTabSz="914400" rtl="0" eaLnBrk="1" latinLnBrk="0" hangingPunct="1">
+              <a:lnSpc>
+                <a:spcPct val="90000"/>
+              </a:lnSpc>
+              <a:spcBef>
+                <a:spcPts val="500"/>
+              </a:spcBef>
+              <a:buFont typeface="Arial" panose="020B0604020202020204" pitchFamily="34" charset="0"/>
+              <a:buChar char="•"/>
+              <a:defRPr sz="1800" kern="1200">
+                <a:solidFill>
+                  <a:schemeClr val="tx1"/>
+                </a:solidFill>
+                <a:latin typeface="+mn-lt"/>
+                <a:ea typeface="+mn-ea"/>
+                <a:cs typeface="+mn-cs"/>
+              </a:defRPr>
+            </a:lvl4pPr>
+            <a:lvl5pPr marL="2057400" indent="-228600" algn="l" defTabSz="914400" rtl="0" eaLnBrk="1" latinLnBrk="0" hangingPunct="1">
+              <a:lnSpc>
+                <a:spcPct val="90000"/>
+              </a:lnSpc>
+              <a:spcBef>
+                <a:spcPts val="500"/>
+              </a:spcBef>
+              <a:buFont typeface="Arial" panose="020B0604020202020204" pitchFamily="34" charset="0"/>
+              <a:buChar char="•"/>
+              <a:defRPr sz="1800" kern="1200">
+                <a:solidFill>
+                  <a:schemeClr val="tx1"/>
+                </a:solidFill>
+                <a:latin typeface="+mn-lt"/>
+                <a:ea typeface="+mn-ea"/>
+                <a:cs typeface="+mn-cs"/>
+              </a:defRPr>
+            </a:lvl5pPr>
+            <a:lvl6pPr marL="2514600" indent="-228600" algn="l" defTabSz="914400" rtl="0" eaLnBrk="1" latinLnBrk="0" hangingPunct="1">
+              <a:lnSpc>
+                <a:spcPct val="90000"/>
+              </a:lnSpc>
+              <a:spcBef>
+                <a:spcPts val="500"/>
+              </a:spcBef>
+              <a:buFont typeface="Arial" panose="020B0604020202020204" pitchFamily="34" charset="0"/>
+              <a:buChar char="•"/>
+              <a:defRPr sz="1800" kern="1200">
+                <a:solidFill>
+                  <a:schemeClr val="tx1"/>
+                </a:solidFill>
+                <a:latin typeface="+mn-lt"/>
+                <a:ea typeface="+mn-ea"/>
+                <a:cs typeface="+mn-cs"/>
+              </a:defRPr>
+            </a:lvl6pPr>
+            <a:lvl7pPr marL="2971800" indent="-228600" algn="l" defTabSz="914400" rtl="0" eaLnBrk="1" latinLnBrk="0" hangingPunct="1">
+              <a:lnSpc>
+                <a:spcPct val="90000"/>
+              </a:lnSpc>
+              <a:spcBef>
+                <a:spcPts val="500"/>
+              </a:spcBef>
+              <a:buFont typeface="Arial" panose="020B0604020202020204" pitchFamily="34" charset="0"/>
+              <a:buChar char="•"/>
+              <a:defRPr sz="1800" kern="1200">
+                <a:solidFill>
+                  <a:schemeClr val="tx1"/>
+                </a:solidFill>
+                <a:latin typeface="+mn-lt"/>
+                <a:ea typeface="+mn-ea"/>
+                <a:cs typeface="+mn-cs"/>
+              </a:defRPr>
+            </a:lvl7pPr>
+            <a:lvl8pPr marL="3429000" indent="-228600" algn="l" defTabSz="914400" rtl="0" eaLnBrk="1" latinLnBrk="0" hangingPunct="1">
+              <a:lnSpc>
+                <a:spcPct val="90000"/>
+              </a:lnSpc>
+              <a:spcBef>
+                <a:spcPts val="500"/>
+              </a:spcBef>
+              <a:buFont typeface="Arial" panose="020B0604020202020204" pitchFamily="34" charset="0"/>
+              <a:buChar char="•"/>
+              <a:defRPr sz="1800" kern="1200">
+                <a:solidFill>
+                  <a:schemeClr val="tx1"/>
+                </a:solidFill>
+                <a:latin typeface="+mn-lt"/>
+                <a:ea typeface="+mn-ea"/>
+                <a:cs typeface="+mn-cs"/>
+              </a:defRPr>
+            </a:lvl8pPr>
+            <a:lvl9pPr marL="3886200" indent="-228600" algn="l" defTabSz="914400" rtl="0" eaLnBrk="1" latinLnBrk="0" hangingPunct="1">
+              <a:lnSpc>
+                <a:spcPct val="90000"/>
+              </a:lnSpc>
+              <a:spcBef>
+                <a:spcPts val="500"/>
+              </a:spcBef>
+              <a:buFont typeface="Arial" panose="020B0604020202020204" pitchFamily="34" charset="0"/>
+              <a:buChar char="•"/>
+              <a:defRPr sz="1800" kern="1200">
+                <a:solidFill>
+                  <a:schemeClr val="tx1"/>
+                </a:solidFill>
+                <a:latin typeface="+mn-lt"/>
+                <a:ea typeface="+mn-ea"/>
+                <a:cs typeface="+mn-cs"/>
+              </a:defRPr>
+            </a:lvl9pPr>
+          </a:lstStyle>
+          <a:p>
+            <a:pPr marL="0" indent="0">
+              <a:buNone/>
+            </a:pPr>
+            <a:r>
+              <a:rPr lang="en-US" sz="4400" b="1" dirty="0"/>
+              <a:t>4)</a:t>
+            </a:r>
+            <a:r>
+              <a:rPr lang="en-US" sz="4400" dirty="0"/>
+              <a:t>    </a:t>
+            </a:r>
+            <a:endParaRPr lang="en-US" sz="4400" dirty="0">
+              <a:solidFill>
+                <a:schemeClr val="accent6">
+                  <a:lumMod val="50000"/>
+                </a:schemeClr>
+              </a:solidFill>
+              <a:latin typeface="+mj-lt"/>
+            </a:endParaRPr>
+          </a:p>
+        </p:txBody>
+      </p:sp>
+      <p:sp>
+        <p:nvSpPr>
+          <p:cNvPr id="7" name="Text Placeholder 10">
+            <a:extLst>
+              <a:ext uri="{FF2B5EF4-FFF2-40B4-BE49-F238E27FC236}">
+                <a16:creationId xmlns:a16="http://schemas.microsoft.com/office/drawing/2014/main" id="{B4500D03-A13F-4703-A793-8689577D4EB8}"/>
+              </a:ext>
+            </a:extLst>
+          </p:cNvPr>
+          <p:cNvSpPr txBox="1">
+            <a:spLocks/>
+          </p:cNvSpPr>
+          <p:nvPr/>
+        </p:nvSpPr>
+        <p:spPr>
+          <a:xfrm>
+            <a:off x="2313710" y="739699"/>
+            <a:ext cx="5403272" cy="749989"/>
+          </a:xfrm>
+          <a:prstGeom prst="rect">
+            <a:avLst/>
+          </a:prstGeom>
+        </p:spPr>
+        <p:txBody>
+          <a:bodyPr/>
+          <a:lstStyle>
+            <a:lvl1pPr marL="228600" indent="-228600" algn="l" defTabSz="914400" rtl="0" eaLnBrk="1" latinLnBrk="0" hangingPunct="1">
+              <a:lnSpc>
+                <a:spcPct val="90000"/>
+              </a:lnSpc>
+              <a:spcBef>
+                <a:spcPts val="1000"/>
+              </a:spcBef>
+              <a:buFont typeface="Arial" panose="020B0604020202020204" pitchFamily="34" charset="0"/>
+              <a:buChar char="•"/>
+              <a:defRPr sz="2800" kern="1200">
+                <a:solidFill>
+                  <a:schemeClr val="tx1"/>
+                </a:solidFill>
+                <a:latin typeface="+mn-lt"/>
+                <a:ea typeface="+mn-ea"/>
+                <a:cs typeface="+mn-cs"/>
+              </a:defRPr>
+            </a:lvl1pPr>
+            <a:lvl2pPr marL="685800" indent="-228600" algn="l" defTabSz="914400" rtl="0" eaLnBrk="1" latinLnBrk="0" hangingPunct="1">
+              <a:lnSpc>
+                <a:spcPct val="90000"/>
+              </a:lnSpc>
+              <a:spcBef>
+                <a:spcPts val="500"/>
+              </a:spcBef>
+              <a:buFont typeface="Arial" panose="020B0604020202020204" pitchFamily="34" charset="0"/>
+              <a:buChar char="•"/>
+              <a:defRPr sz="2400" kern="1200">
+                <a:solidFill>
+                  <a:schemeClr val="tx1"/>
+                </a:solidFill>
+                <a:latin typeface="+mn-lt"/>
+                <a:ea typeface="+mn-ea"/>
+                <a:cs typeface="+mn-cs"/>
+              </a:defRPr>
+            </a:lvl2pPr>
+            <a:lvl3pPr marL="1143000" indent="-228600" algn="l" defTabSz="914400" rtl="0" eaLnBrk="1" latinLnBrk="0" hangingPunct="1">
+              <a:lnSpc>
+                <a:spcPct val="90000"/>
+              </a:lnSpc>
+              <a:spcBef>
+                <a:spcPts val="500"/>
+              </a:spcBef>
+              <a:buFont typeface="Arial" panose="020B0604020202020204" pitchFamily="34" charset="0"/>
+              <a:buChar char="•"/>
+              <a:defRPr sz="2000" kern="1200">
+                <a:solidFill>
+                  <a:schemeClr val="tx1"/>
+                </a:solidFill>
+                <a:latin typeface="+mn-lt"/>
+                <a:ea typeface="+mn-ea"/>
+                <a:cs typeface="+mn-cs"/>
+              </a:defRPr>
+            </a:lvl3pPr>
+            <a:lvl4pPr marL="1600200" indent="-228600" algn="l" defTabSz="914400" rtl="0" eaLnBrk="1" latinLnBrk="0" hangingPunct="1">
+              <a:lnSpc>
+                <a:spcPct val="90000"/>
+              </a:lnSpc>
+              <a:spcBef>
+                <a:spcPts val="500"/>
+              </a:spcBef>
+              <a:buFont typeface="Arial" panose="020B0604020202020204" pitchFamily="34" charset="0"/>
+              <a:buChar char="•"/>
+              <a:defRPr sz="1800" kern="1200">
+                <a:solidFill>
+                  <a:schemeClr val="tx1"/>
+                </a:solidFill>
+                <a:latin typeface="+mn-lt"/>
+                <a:ea typeface="+mn-ea"/>
+                <a:cs typeface="+mn-cs"/>
+              </a:defRPr>
+            </a:lvl4pPr>
+            <a:lvl5pPr marL="2057400" indent="-228600" algn="l" defTabSz="914400" rtl="0" eaLnBrk="1" latinLnBrk="0" hangingPunct="1">
+              <a:lnSpc>
+                <a:spcPct val="90000"/>
+              </a:lnSpc>
+              <a:spcBef>
+                <a:spcPts val="500"/>
+              </a:spcBef>
+              <a:buFont typeface="Arial" panose="020B0604020202020204" pitchFamily="34" charset="0"/>
+              <a:buChar char="•"/>
+              <a:defRPr sz="1800" kern="1200">
+                <a:solidFill>
+                  <a:schemeClr val="tx1"/>
+                </a:solidFill>
+                <a:latin typeface="+mn-lt"/>
+                <a:ea typeface="+mn-ea"/>
+                <a:cs typeface="+mn-cs"/>
+              </a:defRPr>
+            </a:lvl5pPr>
+            <a:lvl6pPr marL="2514600" indent="-228600" algn="l" defTabSz="914400" rtl="0" eaLnBrk="1" latinLnBrk="0" hangingPunct="1">
+              <a:lnSpc>
+                <a:spcPct val="90000"/>
+              </a:lnSpc>
+              <a:spcBef>
+                <a:spcPts val="500"/>
+              </a:spcBef>
+              <a:buFont typeface="Arial" panose="020B0604020202020204" pitchFamily="34" charset="0"/>
+              <a:buChar char="•"/>
+              <a:defRPr sz="1800" kern="1200">
+                <a:solidFill>
+                  <a:schemeClr val="tx1"/>
+                </a:solidFill>
+                <a:latin typeface="+mn-lt"/>
+                <a:ea typeface="+mn-ea"/>
+                <a:cs typeface="+mn-cs"/>
+              </a:defRPr>
+            </a:lvl6pPr>
+            <a:lvl7pPr marL="2971800" indent="-228600" algn="l" defTabSz="914400" rtl="0" eaLnBrk="1" latinLnBrk="0" hangingPunct="1">
+              <a:lnSpc>
+                <a:spcPct val="90000"/>
+              </a:lnSpc>
+              <a:spcBef>
+                <a:spcPts val="500"/>
+              </a:spcBef>
+              <a:buFont typeface="Arial" panose="020B0604020202020204" pitchFamily="34" charset="0"/>
+              <a:buChar char="•"/>
+              <a:defRPr sz="1800" kern="1200">
+                <a:solidFill>
+                  <a:schemeClr val="tx1"/>
+                </a:solidFill>
+                <a:latin typeface="+mn-lt"/>
+                <a:ea typeface="+mn-ea"/>
+                <a:cs typeface="+mn-cs"/>
+              </a:defRPr>
+            </a:lvl7pPr>
+            <a:lvl8pPr marL="3429000" indent="-228600" algn="l" defTabSz="914400" rtl="0" eaLnBrk="1" latinLnBrk="0" hangingPunct="1">
+              <a:lnSpc>
+                <a:spcPct val="90000"/>
+              </a:lnSpc>
+              <a:spcBef>
+                <a:spcPts val="500"/>
+              </a:spcBef>
+              <a:buFont typeface="Arial" panose="020B0604020202020204" pitchFamily="34" charset="0"/>
+              <a:buChar char="•"/>
+              <a:defRPr sz="1800" kern="1200">
+                <a:solidFill>
+                  <a:schemeClr val="tx1"/>
+                </a:solidFill>
+                <a:latin typeface="+mn-lt"/>
+                <a:ea typeface="+mn-ea"/>
+                <a:cs typeface="+mn-cs"/>
+              </a:defRPr>
+            </a:lvl8pPr>
+            <a:lvl9pPr marL="3886200" indent="-228600" algn="l" defTabSz="914400" rtl="0" eaLnBrk="1" latinLnBrk="0" hangingPunct="1">
+              <a:lnSpc>
+                <a:spcPct val="90000"/>
+              </a:lnSpc>
+              <a:spcBef>
+                <a:spcPts val="500"/>
+              </a:spcBef>
+              <a:buFont typeface="Arial" panose="020B0604020202020204" pitchFamily="34" charset="0"/>
+              <a:buChar char="•"/>
+              <a:defRPr sz="1800" kern="1200">
+                <a:solidFill>
+                  <a:schemeClr val="tx1"/>
+                </a:solidFill>
+                <a:latin typeface="+mn-lt"/>
+                <a:ea typeface="+mn-ea"/>
+                <a:cs typeface="+mn-cs"/>
+              </a:defRPr>
+            </a:lvl9pPr>
+          </a:lstStyle>
+          <a:p>
+            <a:pPr marL="0" indent="0">
+              <a:buNone/>
+            </a:pPr>
+            <a:r>
+              <a:rPr lang="en-US" sz="4400" b="1" dirty="0">
+                <a:solidFill>
+                  <a:schemeClr val="accent4">
+                    <a:lumMod val="20000"/>
+                    <a:lumOff val="80000"/>
+                  </a:schemeClr>
+                </a:solidFill>
+                <a:latin typeface="+mj-lt"/>
+              </a:rPr>
+              <a:t>Feature </a:t>
+            </a:r>
+            <a:r>
+              <a:rPr lang="en-US" sz="4400" b="1" dirty="0">
+                <a:solidFill>
+                  <a:schemeClr val="accent4">
+                    <a:lumMod val="50000"/>
+                  </a:schemeClr>
+                </a:solidFill>
+                <a:latin typeface="+mj-lt"/>
+              </a:rPr>
+              <a:t>Engineering</a:t>
+            </a:r>
+            <a:endParaRPr lang="en-US" sz="4400" dirty="0">
+              <a:solidFill>
+                <a:schemeClr val="accent4">
+                  <a:lumMod val="50000"/>
+                </a:schemeClr>
+              </a:solidFill>
+              <a:latin typeface="+mj-lt"/>
+            </a:endParaRPr>
+          </a:p>
+        </p:txBody>
+      </p:sp>
+      <p:pic>
+        <p:nvPicPr>
+          <p:cNvPr id="11" name="Picture 10">
+            <a:extLst>
+              <a:ext uri="{FF2B5EF4-FFF2-40B4-BE49-F238E27FC236}">
+                <a16:creationId xmlns:a16="http://schemas.microsoft.com/office/drawing/2014/main" id="{58BE364E-7E3F-4B71-A8E9-41CFAAC62F62}"/>
+              </a:ext>
+            </a:extLst>
+          </p:cNvPr>
+          <p:cNvPicPr>
+            <a:picLocks noChangeAspect="1"/>
+          </p:cNvPicPr>
+          <p:nvPr/>
+        </p:nvPicPr>
+        <p:blipFill rotWithShape="1">
+          <a:blip r:embed="rId2"/>
+          <a:srcRect l="18614" t="5458" r="3679" b="15753"/>
+          <a:stretch/>
+        </p:blipFill>
+        <p:spPr>
+          <a:xfrm>
+            <a:off x="3248167" y="1579416"/>
+            <a:ext cx="6564998" cy="5278583"/>
+          </a:xfrm>
+          <a:prstGeom prst="rect">
+            <a:avLst/>
+          </a:prstGeom>
+        </p:spPr>
+      </p:pic>
+    </p:spTree>
+    <p:extLst>
+      <p:ext uri="{BB962C8B-B14F-4D97-AF65-F5344CB8AC3E}">
+        <p14:creationId xmlns:p14="http://schemas.microsoft.com/office/powerpoint/2010/main" val="1292388031"/>
+      </p:ext>
+    </p:extLst>
+  </p:cSld>
+  <p:clrMapOvr>
+    <a:masterClrMapping/>
+  </p:clrMapOvr>
+</p:sld>
+</file>
+
+<file path=ppt/slides/slide21.xml><?xml version="1.0" encoding="utf-8"?>
+<p:sld xmlns:a="http://schemas.openxmlformats.org/drawingml/2006/main" xmlns:r="http://schemas.openxmlformats.org/officeDocument/2006/relationships" xmlns:p="http://schemas.openxmlformats.org/presentationml/2006/main">
+  <p:cSld>
+    <p:spTree>
+      <p:nvGrpSpPr>
+        <p:cNvPr id="1" name=""/>
+        <p:cNvGrpSpPr/>
+        <p:nvPr/>
+      </p:nvGrpSpPr>
+      <p:grpSpPr>
+        <a:xfrm>
+          <a:off x="0" y="0"/>
+          <a:ext cx="0" cy="0"/>
+          <a:chOff x="0" y="0"/>
+          <a:chExt cx="0" cy="0"/>
+        </a:xfrm>
+      </p:grpSpPr>
+      <p:sp>
+        <p:nvSpPr>
+          <p:cNvPr id="6" name="Flowchart: Alternate Process 5">
+            <a:extLst>
+              <a:ext uri="{FF2B5EF4-FFF2-40B4-BE49-F238E27FC236}">
+                <a16:creationId xmlns:a16="http://schemas.microsoft.com/office/drawing/2014/main" id="{0309A167-194F-49E3-A8C7-133C659DDBF3}"/>
+              </a:ext>
+            </a:extLst>
+          </p:cNvPr>
+          <p:cNvSpPr/>
+          <p:nvPr/>
+        </p:nvSpPr>
+        <p:spPr>
+          <a:xfrm>
+            <a:off x="2148711" y="649970"/>
+            <a:ext cx="2163982" cy="839718"/>
+          </a:xfrm>
+          <a:prstGeom prst="flowChartAlternateProcess">
+            <a:avLst/>
+          </a:prstGeom>
+          <a:solidFill>
+            <a:schemeClr val="accent1">
+              <a:lumMod val="50000"/>
+            </a:schemeClr>
+          </a:solidFill>
+          <a:ln/>
+        </p:spPr>
+        <p:style>
+          <a:lnRef idx="0">
+            <a:schemeClr val="accent6"/>
+          </a:lnRef>
+          <a:fillRef idx="3">
+            <a:schemeClr val="accent6"/>
+          </a:fillRef>
+          <a:effectRef idx="3">
+            <a:schemeClr val="accent6"/>
+          </a:effectRef>
+          <a:fontRef idx="minor">
+            <a:schemeClr val="lt1"/>
+          </a:fontRef>
+        </p:style>
+        <p:txBody>
+          <a:bodyPr wrap="square" rtlCol="0" anchor="ctr">
+            <a:noAutofit/>
+          </a:bodyPr>
+          <a:lstStyle/>
+          <a:p>
+            <a:endParaRPr lang="en-US" sz="1400" b="1" dirty="0">
+              <a:solidFill>
+                <a:schemeClr val="tx1">
+                  <a:lumMod val="85000"/>
+                  <a:lumOff val="15000"/>
+                </a:schemeClr>
+              </a:solidFill>
+            </a:endParaRPr>
+          </a:p>
+        </p:txBody>
+      </p:sp>
+      <p:sp>
+        <p:nvSpPr>
+          <p:cNvPr id="5" name="Text Placeholder 10">
+            <a:extLst>
+              <a:ext uri="{FF2B5EF4-FFF2-40B4-BE49-F238E27FC236}">
+                <a16:creationId xmlns:a16="http://schemas.microsoft.com/office/drawing/2014/main" id="{ED2DF37D-169B-4384-8CDB-4E201516355F}"/>
+              </a:ext>
+            </a:extLst>
+          </p:cNvPr>
+          <p:cNvSpPr txBox="1">
+            <a:spLocks/>
+          </p:cNvSpPr>
+          <p:nvPr/>
+        </p:nvSpPr>
+        <p:spPr>
+          <a:xfrm>
+            <a:off x="1260765" y="739699"/>
+            <a:ext cx="887945" cy="749989"/>
+          </a:xfrm>
+          <a:prstGeom prst="rect">
+            <a:avLst/>
+          </a:prstGeom>
+        </p:spPr>
+        <p:txBody>
+          <a:bodyPr/>
+          <a:lstStyle>
+            <a:lvl1pPr marL="228600" indent="-228600" algn="l" defTabSz="914400" rtl="0" eaLnBrk="1" latinLnBrk="0" hangingPunct="1">
+              <a:lnSpc>
+                <a:spcPct val="90000"/>
+              </a:lnSpc>
+              <a:spcBef>
+                <a:spcPts val="1000"/>
+              </a:spcBef>
+              <a:buFont typeface="Arial" panose="020B0604020202020204" pitchFamily="34" charset="0"/>
+              <a:buChar char="•"/>
+              <a:defRPr sz="2800" kern="1200">
+                <a:solidFill>
+                  <a:schemeClr val="tx1"/>
+                </a:solidFill>
+                <a:latin typeface="+mn-lt"/>
+                <a:ea typeface="+mn-ea"/>
+                <a:cs typeface="+mn-cs"/>
+              </a:defRPr>
+            </a:lvl1pPr>
+            <a:lvl2pPr marL="685800" indent="-228600" algn="l" defTabSz="914400" rtl="0" eaLnBrk="1" latinLnBrk="0" hangingPunct="1">
+              <a:lnSpc>
+                <a:spcPct val="90000"/>
+              </a:lnSpc>
+              <a:spcBef>
+                <a:spcPts val="500"/>
+              </a:spcBef>
+              <a:buFont typeface="Arial" panose="020B0604020202020204" pitchFamily="34" charset="0"/>
+              <a:buChar char="•"/>
+              <a:defRPr sz="2400" kern="1200">
+                <a:solidFill>
+                  <a:schemeClr val="tx1"/>
+                </a:solidFill>
+                <a:latin typeface="+mn-lt"/>
+                <a:ea typeface="+mn-ea"/>
+                <a:cs typeface="+mn-cs"/>
+              </a:defRPr>
+            </a:lvl2pPr>
+            <a:lvl3pPr marL="1143000" indent="-228600" algn="l" defTabSz="914400" rtl="0" eaLnBrk="1" latinLnBrk="0" hangingPunct="1">
+              <a:lnSpc>
+                <a:spcPct val="90000"/>
+              </a:lnSpc>
+              <a:spcBef>
+                <a:spcPts val="500"/>
+              </a:spcBef>
+              <a:buFont typeface="Arial" panose="020B0604020202020204" pitchFamily="34" charset="0"/>
+              <a:buChar char="•"/>
+              <a:defRPr sz="2000" kern="1200">
+                <a:solidFill>
+                  <a:schemeClr val="tx1"/>
+                </a:solidFill>
+                <a:latin typeface="+mn-lt"/>
+                <a:ea typeface="+mn-ea"/>
+                <a:cs typeface="+mn-cs"/>
+              </a:defRPr>
+            </a:lvl3pPr>
+            <a:lvl4pPr marL="1600200" indent="-228600" algn="l" defTabSz="914400" rtl="0" eaLnBrk="1" latinLnBrk="0" hangingPunct="1">
+              <a:lnSpc>
+                <a:spcPct val="90000"/>
+              </a:lnSpc>
+              <a:spcBef>
+                <a:spcPts val="500"/>
+              </a:spcBef>
+              <a:buFont typeface="Arial" panose="020B0604020202020204" pitchFamily="34" charset="0"/>
+              <a:buChar char="•"/>
+              <a:defRPr sz="1800" kern="1200">
+                <a:solidFill>
+                  <a:schemeClr val="tx1"/>
+                </a:solidFill>
+                <a:latin typeface="+mn-lt"/>
+                <a:ea typeface="+mn-ea"/>
+                <a:cs typeface="+mn-cs"/>
+              </a:defRPr>
+            </a:lvl4pPr>
+            <a:lvl5pPr marL="2057400" indent="-228600" algn="l" defTabSz="914400" rtl="0" eaLnBrk="1" latinLnBrk="0" hangingPunct="1">
+              <a:lnSpc>
+                <a:spcPct val="90000"/>
+              </a:lnSpc>
+              <a:spcBef>
+                <a:spcPts val="500"/>
+              </a:spcBef>
+              <a:buFont typeface="Arial" panose="020B0604020202020204" pitchFamily="34" charset="0"/>
+              <a:buChar char="•"/>
+              <a:defRPr sz="1800" kern="1200">
+                <a:solidFill>
+                  <a:schemeClr val="tx1"/>
+                </a:solidFill>
+                <a:latin typeface="+mn-lt"/>
+                <a:ea typeface="+mn-ea"/>
+                <a:cs typeface="+mn-cs"/>
+              </a:defRPr>
+            </a:lvl5pPr>
+            <a:lvl6pPr marL="2514600" indent="-228600" algn="l" defTabSz="914400" rtl="0" eaLnBrk="1" latinLnBrk="0" hangingPunct="1">
+              <a:lnSpc>
+                <a:spcPct val="90000"/>
+              </a:lnSpc>
+              <a:spcBef>
+                <a:spcPts val="500"/>
+              </a:spcBef>
+              <a:buFont typeface="Arial" panose="020B0604020202020204" pitchFamily="34" charset="0"/>
+              <a:buChar char="•"/>
+              <a:defRPr sz="1800" kern="1200">
+                <a:solidFill>
+                  <a:schemeClr val="tx1"/>
+                </a:solidFill>
+                <a:latin typeface="+mn-lt"/>
+                <a:ea typeface="+mn-ea"/>
+                <a:cs typeface="+mn-cs"/>
+              </a:defRPr>
+            </a:lvl6pPr>
+            <a:lvl7pPr marL="2971800" indent="-228600" algn="l" defTabSz="914400" rtl="0" eaLnBrk="1" latinLnBrk="0" hangingPunct="1">
+              <a:lnSpc>
+                <a:spcPct val="90000"/>
+              </a:lnSpc>
+              <a:spcBef>
+                <a:spcPts val="500"/>
+              </a:spcBef>
+              <a:buFont typeface="Arial" panose="020B0604020202020204" pitchFamily="34" charset="0"/>
+              <a:buChar char="•"/>
+              <a:defRPr sz="1800" kern="1200">
+                <a:solidFill>
+                  <a:schemeClr val="tx1"/>
+                </a:solidFill>
+                <a:latin typeface="+mn-lt"/>
+                <a:ea typeface="+mn-ea"/>
+                <a:cs typeface="+mn-cs"/>
+              </a:defRPr>
+            </a:lvl7pPr>
+            <a:lvl8pPr marL="3429000" indent="-228600" algn="l" defTabSz="914400" rtl="0" eaLnBrk="1" latinLnBrk="0" hangingPunct="1">
+              <a:lnSpc>
+                <a:spcPct val="90000"/>
+              </a:lnSpc>
+              <a:spcBef>
+                <a:spcPts val="500"/>
+              </a:spcBef>
+              <a:buFont typeface="Arial" panose="020B0604020202020204" pitchFamily="34" charset="0"/>
+              <a:buChar char="•"/>
+              <a:defRPr sz="1800" kern="1200">
+                <a:solidFill>
+                  <a:schemeClr val="tx1"/>
+                </a:solidFill>
+                <a:latin typeface="+mn-lt"/>
+                <a:ea typeface="+mn-ea"/>
+                <a:cs typeface="+mn-cs"/>
+              </a:defRPr>
+            </a:lvl8pPr>
+            <a:lvl9pPr marL="3886200" indent="-228600" algn="l" defTabSz="914400" rtl="0" eaLnBrk="1" latinLnBrk="0" hangingPunct="1">
+              <a:lnSpc>
+                <a:spcPct val="90000"/>
+              </a:lnSpc>
+              <a:spcBef>
+                <a:spcPts val="500"/>
+              </a:spcBef>
+              <a:buFont typeface="Arial" panose="020B0604020202020204" pitchFamily="34" charset="0"/>
+              <a:buChar char="•"/>
+              <a:defRPr sz="1800" kern="1200">
+                <a:solidFill>
+                  <a:schemeClr val="tx1"/>
+                </a:solidFill>
+                <a:latin typeface="+mn-lt"/>
+                <a:ea typeface="+mn-ea"/>
+                <a:cs typeface="+mn-cs"/>
+              </a:defRPr>
+            </a:lvl9pPr>
+          </a:lstStyle>
+          <a:p>
+            <a:pPr marL="0" indent="0">
+              <a:buNone/>
+            </a:pPr>
+            <a:r>
+              <a:rPr lang="en-US" sz="4400" b="1" dirty="0"/>
+              <a:t>4)</a:t>
+            </a:r>
+            <a:r>
+              <a:rPr lang="en-US" sz="4400" dirty="0"/>
+              <a:t>    </a:t>
+            </a:r>
+            <a:endParaRPr lang="en-US" sz="4400" dirty="0">
+              <a:solidFill>
+                <a:schemeClr val="accent6">
+                  <a:lumMod val="50000"/>
+                </a:schemeClr>
+              </a:solidFill>
+              <a:latin typeface="+mj-lt"/>
+            </a:endParaRPr>
+          </a:p>
+        </p:txBody>
+      </p:sp>
+      <p:sp>
+        <p:nvSpPr>
+          <p:cNvPr id="7" name="Text Placeholder 10">
+            <a:extLst>
+              <a:ext uri="{FF2B5EF4-FFF2-40B4-BE49-F238E27FC236}">
+                <a16:creationId xmlns:a16="http://schemas.microsoft.com/office/drawing/2014/main" id="{B4500D03-A13F-4703-A793-8689577D4EB8}"/>
+              </a:ext>
+            </a:extLst>
+          </p:cNvPr>
+          <p:cNvSpPr txBox="1">
+            <a:spLocks/>
+          </p:cNvSpPr>
+          <p:nvPr/>
+        </p:nvSpPr>
+        <p:spPr>
+          <a:xfrm>
+            <a:off x="2313710" y="739699"/>
+            <a:ext cx="5403272" cy="749989"/>
+          </a:xfrm>
+          <a:prstGeom prst="rect">
+            <a:avLst/>
+          </a:prstGeom>
+        </p:spPr>
+        <p:txBody>
+          <a:bodyPr/>
+          <a:lstStyle>
+            <a:lvl1pPr marL="228600" indent="-228600" algn="l" defTabSz="914400" rtl="0" eaLnBrk="1" latinLnBrk="0" hangingPunct="1">
+              <a:lnSpc>
+                <a:spcPct val="90000"/>
+              </a:lnSpc>
+              <a:spcBef>
+                <a:spcPts val="1000"/>
+              </a:spcBef>
+              <a:buFont typeface="Arial" panose="020B0604020202020204" pitchFamily="34" charset="0"/>
+              <a:buChar char="•"/>
+              <a:defRPr sz="2800" kern="1200">
+                <a:solidFill>
+                  <a:schemeClr val="tx1"/>
+                </a:solidFill>
+                <a:latin typeface="+mn-lt"/>
+                <a:ea typeface="+mn-ea"/>
+                <a:cs typeface="+mn-cs"/>
+              </a:defRPr>
+            </a:lvl1pPr>
+            <a:lvl2pPr marL="685800" indent="-228600" algn="l" defTabSz="914400" rtl="0" eaLnBrk="1" latinLnBrk="0" hangingPunct="1">
+              <a:lnSpc>
+                <a:spcPct val="90000"/>
+              </a:lnSpc>
+              <a:spcBef>
+                <a:spcPts val="500"/>
+              </a:spcBef>
+              <a:buFont typeface="Arial" panose="020B0604020202020204" pitchFamily="34" charset="0"/>
+              <a:buChar char="•"/>
+              <a:defRPr sz="2400" kern="1200">
+                <a:solidFill>
+                  <a:schemeClr val="tx1"/>
+                </a:solidFill>
+                <a:latin typeface="+mn-lt"/>
+                <a:ea typeface="+mn-ea"/>
+                <a:cs typeface="+mn-cs"/>
+              </a:defRPr>
+            </a:lvl2pPr>
+            <a:lvl3pPr marL="1143000" indent="-228600" algn="l" defTabSz="914400" rtl="0" eaLnBrk="1" latinLnBrk="0" hangingPunct="1">
+              <a:lnSpc>
+                <a:spcPct val="90000"/>
+              </a:lnSpc>
+              <a:spcBef>
+                <a:spcPts val="500"/>
+              </a:spcBef>
+              <a:buFont typeface="Arial" panose="020B0604020202020204" pitchFamily="34" charset="0"/>
+              <a:buChar char="•"/>
+              <a:defRPr sz="2000" kern="1200">
+                <a:solidFill>
+                  <a:schemeClr val="tx1"/>
+                </a:solidFill>
+                <a:latin typeface="+mn-lt"/>
+                <a:ea typeface="+mn-ea"/>
+                <a:cs typeface="+mn-cs"/>
+              </a:defRPr>
+            </a:lvl3pPr>
+            <a:lvl4pPr marL="1600200" indent="-228600" algn="l" defTabSz="914400" rtl="0" eaLnBrk="1" latinLnBrk="0" hangingPunct="1">
+              <a:lnSpc>
+                <a:spcPct val="90000"/>
+              </a:lnSpc>
+              <a:spcBef>
+                <a:spcPts val="500"/>
+              </a:spcBef>
+              <a:buFont typeface="Arial" panose="020B0604020202020204" pitchFamily="34" charset="0"/>
+              <a:buChar char="•"/>
+              <a:defRPr sz="1800" kern="1200">
+                <a:solidFill>
+                  <a:schemeClr val="tx1"/>
+                </a:solidFill>
+                <a:latin typeface="+mn-lt"/>
+                <a:ea typeface="+mn-ea"/>
+                <a:cs typeface="+mn-cs"/>
+              </a:defRPr>
+            </a:lvl4pPr>
+            <a:lvl5pPr marL="2057400" indent="-228600" algn="l" defTabSz="914400" rtl="0" eaLnBrk="1" latinLnBrk="0" hangingPunct="1">
+              <a:lnSpc>
+                <a:spcPct val="90000"/>
+              </a:lnSpc>
+              <a:spcBef>
+                <a:spcPts val="500"/>
+              </a:spcBef>
+              <a:buFont typeface="Arial" panose="020B0604020202020204" pitchFamily="34" charset="0"/>
+              <a:buChar char="•"/>
+              <a:defRPr sz="1800" kern="1200">
+                <a:solidFill>
+                  <a:schemeClr val="tx1"/>
+                </a:solidFill>
+                <a:latin typeface="+mn-lt"/>
+                <a:ea typeface="+mn-ea"/>
+                <a:cs typeface="+mn-cs"/>
+              </a:defRPr>
+            </a:lvl5pPr>
+            <a:lvl6pPr marL="2514600" indent="-228600" algn="l" defTabSz="914400" rtl="0" eaLnBrk="1" latinLnBrk="0" hangingPunct="1">
+              <a:lnSpc>
+                <a:spcPct val="90000"/>
+              </a:lnSpc>
+              <a:spcBef>
+                <a:spcPts val="500"/>
+              </a:spcBef>
+              <a:buFont typeface="Arial" panose="020B0604020202020204" pitchFamily="34" charset="0"/>
+              <a:buChar char="•"/>
+              <a:defRPr sz="1800" kern="1200">
+                <a:solidFill>
+                  <a:schemeClr val="tx1"/>
+                </a:solidFill>
+                <a:latin typeface="+mn-lt"/>
+                <a:ea typeface="+mn-ea"/>
+                <a:cs typeface="+mn-cs"/>
+              </a:defRPr>
+            </a:lvl6pPr>
+            <a:lvl7pPr marL="2971800" indent="-228600" algn="l" defTabSz="914400" rtl="0" eaLnBrk="1" latinLnBrk="0" hangingPunct="1">
+              <a:lnSpc>
+                <a:spcPct val="90000"/>
+              </a:lnSpc>
+              <a:spcBef>
+                <a:spcPts val="500"/>
+              </a:spcBef>
+              <a:buFont typeface="Arial" panose="020B0604020202020204" pitchFamily="34" charset="0"/>
+              <a:buChar char="•"/>
+              <a:defRPr sz="1800" kern="1200">
+                <a:solidFill>
+                  <a:schemeClr val="tx1"/>
+                </a:solidFill>
+                <a:latin typeface="+mn-lt"/>
+                <a:ea typeface="+mn-ea"/>
+                <a:cs typeface="+mn-cs"/>
+              </a:defRPr>
+            </a:lvl7pPr>
+            <a:lvl8pPr marL="3429000" indent="-228600" algn="l" defTabSz="914400" rtl="0" eaLnBrk="1" latinLnBrk="0" hangingPunct="1">
+              <a:lnSpc>
+                <a:spcPct val="90000"/>
+              </a:lnSpc>
+              <a:spcBef>
+                <a:spcPts val="500"/>
+              </a:spcBef>
+              <a:buFont typeface="Arial" panose="020B0604020202020204" pitchFamily="34" charset="0"/>
+              <a:buChar char="•"/>
+              <a:defRPr sz="1800" kern="1200">
+                <a:solidFill>
+                  <a:schemeClr val="tx1"/>
+                </a:solidFill>
+                <a:latin typeface="+mn-lt"/>
+                <a:ea typeface="+mn-ea"/>
+                <a:cs typeface="+mn-cs"/>
+              </a:defRPr>
+            </a:lvl8pPr>
+            <a:lvl9pPr marL="3886200" indent="-228600" algn="l" defTabSz="914400" rtl="0" eaLnBrk="1" latinLnBrk="0" hangingPunct="1">
+              <a:lnSpc>
+                <a:spcPct val="90000"/>
+              </a:lnSpc>
+              <a:spcBef>
+                <a:spcPts val="500"/>
+              </a:spcBef>
+              <a:buFont typeface="Arial" panose="020B0604020202020204" pitchFamily="34" charset="0"/>
+              <a:buChar char="•"/>
+              <a:defRPr sz="1800" kern="1200">
+                <a:solidFill>
+                  <a:schemeClr val="tx1"/>
+                </a:solidFill>
+                <a:latin typeface="+mn-lt"/>
+                <a:ea typeface="+mn-ea"/>
+                <a:cs typeface="+mn-cs"/>
+              </a:defRPr>
+            </a:lvl9pPr>
+          </a:lstStyle>
+          <a:p>
+            <a:pPr marL="0" indent="0">
+              <a:buNone/>
+            </a:pPr>
+            <a:r>
+              <a:rPr lang="en-US" sz="4400" b="1" dirty="0">
+                <a:solidFill>
+                  <a:schemeClr val="accent4">
+                    <a:lumMod val="20000"/>
+                    <a:lumOff val="80000"/>
+                  </a:schemeClr>
+                </a:solidFill>
+                <a:latin typeface="+mj-lt"/>
+              </a:rPr>
+              <a:t>Baseline </a:t>
+            </a:r>
+            <a:r>
+              <a:rPr lang="en-US" sz="4400" b="1" dirty="0">
+                <a:solidFill>
+                  <a:schemeClr val="accent4">
+                    <a:lumMod val="50000"/>
+                  </a:schemeClr>
+                </a:solidFill>
+                <a:latin typeface="+mj-lt"/>
+              </a:rPr>
+              <a:t>Modeling</a:t>
+            </a:r>
+            <a:endParaRPr lang="en-US" sz="4400" dirty="0">
+              <a:solidFill>
+                <a:schemeClr val="accent4">
+                  <a:lumMod val="50000"/>
+                </a:schemeClr>
+              </a:solidFill>
+              <a:latin typeface="+mj-lt"/>
+            </a:endParaRPr>
+          </a:p>
+        </p:txBody>
+      </p:sp>
+      <p:sp>
+        <p:nvSpPr>
+          <p:cNvPr id="10" name="TextBox 9">
+            <a:extLst>
+              <a:ext uri="{FF2B5EF4-FFF2-40B4-BE49-F238E27FC236}">
+                <a16:creationId xmlns:a16="http://schemas.microsoft.com/office/drawing/2014/main" id="{5D90A22E-F96B-4FC3-B9A5-92C8EFF0C4FC}"/>
+              </a:ext>
+            </a:extLst>
+          </p:cNvPr>
+          <p:cNvSpPr txBox="1"/>
+          <p:nvPr/>
+        </p:nvSpPr>
+        <p:spPr>
+          <a:xfrm>
+            <a:off x="4188" y="1579417"/>
+            <a:ext cx="6095999" cy="584775"/>
+          </a:xfrm>
+          <a:prstGeom prst="rect">
+            <a:avLst/>
+          </a:prstGeom>
+          <a:noFill/>
+        </p:spPr>
+        <p:txBody>
+          <a:bodyPr wrap="square" rtlCol="0">
+            <a:spAutoFit/>
+          </a:bodyPr>
+          <a:lstStyle/>
+          <a:p>
+            <a:pPr algn="ctr"/>
+            <a:r>
+              <a:rPr lang="en-US" sz="3200" dirty="0">
+                <a:solidFill>
+                  <a:schemeClr val="accent1">
+                    <a:lumMod val="50000"/>
+                  </a:schemeClr>
+                </a:solidFill>
+              </a:rPr>
+              <a:t>Unbalanced Dataset</a:t>
+            </a:r>
+          </a:p>
+        </p:txBody>
+      </p:sp>
+      <p:pic>
+        <p:nvPicPr>
+          <p:cNvPr id="17410" name="Picture 2">
+            <a:extLst>
+              <a:ext uri="{FF2B5EF4-FFF2-40B4-BE49-F238E27FC236}">
+                <a16:creationId xmlns:a16="http://schemas.microsoft.com/office/drawing/2014/main" id="{4AAB8262-3D9B-42F5-8544-011814A2474A}"/>
+              </a:ext>
+            </a:extLst>
+          </p:cNvPr>
+          <p:cNvPicPr>
+            <a:picLocks noChangeAspect="1" noChangeArrowheads="1"/>
+          </p:cNvPicPr>
+          <p:nvPr/>
+        </p:nvPicPr>
+        <p:blipFill>
+          <a:blip r:embed="rId2">
+            <a:extLst>
+              <a:ext uri="{28A0092B-C50C-407E-A947-70E740481C1C}">
+                <a14:useLocalDpi xmlns:a14="http://schemas.microsoft.com/office/drawing/2010/main" val="0"/>
+              </a:ext>
+            </a:extLst>
+          </a:blip>
+          <a:srcRect/>
+          <a:stretch>
+            <a:fillRect/>
+          </a:stretch>
+        </p:blipFill>
+        <p:spPr bwMode="auto">
+          <a:xfrm>
+            <a:off x="113727" y="2142698"/>
+            <a:ext cx="5865606" cy="4715301"/>
+          </a:xfrm>
+          <a:prstGeom prst="rect">
+            <a:avLst/>
+          </a:prstGeom>
+          <a:noFill/>
+          <a:extLst>
+            <a:ext uri="{909E8E84-426E-40DD-AFC4-6F175D3DCCD1}">
+              <a14:hiddenFill xmlns:a14="http://schemas.microsoft.com/office/drawing/2010/main">
+                <a:solidFill>
+                  <a:srgbClr val="FFFFFF"/>
+                </a:solidFill>
+              </a14:hiddenFill>
+            </a:ext>
+          </a:extLst>
+        </p:spPr>
+      </p:pic>
+      <p:sp>
+        <p:nvSpPr>
+          <p:cNvPr id="13" name="TextBox 12">
+            <a:extLst>
+              <a:ext uri="{FF2B5EF4-FFF2-40B4-BE49-F238E27FC236}">
+                <a16:creationId xmlns:a16="http://schemas.microsoft.com/office/drawing/2014/main" id="{A480D9B9-EBC1-4F4B-BF02-B4F08C1F28CE}"/>
+              </a:ext>
+            </a:extLst>
+          </p:cNvPr>
+          <p:cNvSpPr txBox="1"/>
+          <p:nvPr/>
+        </p:nvSpPr>
+        <p:spPr>
+          <a:xfrm>
+            <a:off x="6578221" y="1605264"/>
+            <a:ext cx="4655798" cy="584775"/>
+          </a:xfrm>
+          <a:prstGeom prst="rect">
+            <a:avLst/>
+          </a:prstGeom>
+          <a:noFill/>
+        </p:spPr>
+        <p:txBody>
+          <a:bodyPr wrap="square" rtlCol="0">
+            <a:spAutoFit/>
+          </a:bodyPr>
+          <a:lstStyle/>
+          <a:p>
+            <a:pPr algn="ctr"/>
+            <a:r>
+              <a:rPr lang="en-US" sz="3200" dirty="0">
+                <a:solidFill>
+                  <a:schemeClr val="accent1">
+                    <a:lumMod val="50000"/>
+                  </a:schemeClr>
+                </a:solidFill>
+              </a:rPr>
+              <a:t>Balanced Dataset</a:t>
+            </a:r>
+          </a:p>
+        </p:txBody>
+      </p:sp>
+      <p:pic>
+        <p:nvPicPr>
+          <p:cNvPr id="17416" name="Picture 8">
+            <a:extLst>
+              <a:ext uri="{FF2B5EF4-FFF2-40B4-BE49-F238E27FC236}">
+                <a16:creationId xmlns:a16="http://schemas.microsoft.com/office/drawing/2014/main" id="{CCBE0644-2A25-4029-9F89-C370B22442DA}"/>
+              </a:ext>
+            </a:extLst>
+          </p:cNvPr>
+          <p:cNvPicPr>
+            <a:picLocks noChangeAspect="1" noChangeArrowheads="1"/>
+          </p:cNvPicPr>
+          <p:nvPr/>
+        </p:nvPicPr>
+        <p:blipFill>
+          <a:blip r:embed="rId3">
+            <a:extLst>
+              <a:ext uri="{28A0092B-C50C-407E-A947-70E740481C1C}">
+                <a14:useLocalDpi xmlns:a14="http://schemas.microsoft.com/office/drawing/2010/main" val="0"/>
+              </a:ext>
+            </a:extLst>
+          </a:blip>
+          <a:srcRect/>
+          <a:stretch>
+            <a:fillRect/>
+          </a:stretch>
+        </p:blipFill>
+        <p:spPr bwMode="auto">
+          <a:xfrm>
+            <a:off x="5929557" y="2113127"/>
+            <a:ext cx="5953125" cy="4724400"/>
+          </a:xfrm>
+          <a:prstGeom prst="rect">
+            <a:avLst/>
+          </a:prstGeom>
+          <a:noFill/>
+          <a:extLst>
+            <a:ext uri="{909E8E84-426E-40DD-AFC4-6F175D3DCCD1}">
+              <a14:hiddenFill xmlns:a14="http://schemas.microsoft.com/office/drawing/2010/main">
+                <a:solidFill>
+                  <a:srgbClr val="FFFFFF"/>
+                </a:solidFill>
+              </a14:hiddenFill>
+            </a:ext>
+          </a:extLst>
+        </p:spPr>
+      </p:pic>
+    </p:spTree>
+    <p:extLst>
+      <p:ext uri="{BB962C8B-B14F-4D97-AF65-F5344CB8AC3E}">
+        <p14:creationId xmlns:p14="http://schemas.microsoft.com/office/powerpoint/2010/main" val="2964887385"/>
+      </p:ext>
+    </p:extLst>
+  </p:cSld>
+  <p:clrMapOvr>
+    <a:masterClrMapping/>
+  </p:clrMapOvr>
+</p:sld>
+</file>
+
+<file path=ppt/slides/slide22.xml><?xml version="1.0" encoding="utf-8"?>
+<p:sld xmlns:a="http://schemas.openxmlformats.org/drawingml/2006/main" xmlns:r="http://schemas.openxmlformats.org/officeDocument/2006/relationships" xmlns:p="http://schemas.openxmlformats.org/presentationml/2006/main">
+  <p:cSld>
+    <p:spTree>
+      <p:nvGrpSpPr>
+        <p:cNvPr id="1" name=""/>
+        <p:cNvGrpSpPr/>
+        <p:nvPr/>
+      </p:nvGrpSpPr>
+      <p:grpSpPr>
+        <a:xfrm>
+          <a:off x="0" y="0"/>
+          <a:ext cx="0" cy="0"/>
+          <a:chOff x="0" y="0"/>
+          <a:chExt cx="0" cy="0"/>
+        </a:xfrm>
+      </p:grpSpPr>
+      <p:sp>
+        <p:nvSpPr>
+          <p:cNvPr id="6" name="Flowchart: Alternate Process 5">
+            <a:extLst>
+              <a:ext uri="{FF2B5EF4-FFF2-40B4-BE49-F238E27FC236}">
+                <a16:creationId xmlns:a16="http://schemas.microsoft.com/office/drawing/2014/main" id="{0309A167-194F-49E3-A8C7-133C659DDBF3}"/>
+              </a:ext>
+            </a:extLst>
+          </p:cNvPr>
+          <p:cNvSpPr/>
+          <p:nvPr/>
+        </p:nvSpPr>
+        <p:spPr>
+          <a:xfrm>
             <a:off x="2148710" y="649970"/>
             <a:ext cx="2655301" cy="839718"/>
           </a:xfrm>
@@ -14193,7 +15394,7 @@
         </p:blipFill>
         <p:spPr bwMode="auto">
           <a:xfrm>
-            <a:off x="6000174" y="1579417"/>
+            <a:off x="6096000" y="2092042"/>
             <a:ext cx="5895974" cy="5552519"/>
           </a:xfrm>
           <a:prstGeom prst="rect">
@@ -14211,6 +15412,48 @@
           </a:extLst>
         </p:spPr>
       </p:pic>
+      <p:sp>
+        <p:nvSpPr>
+          <p:cNvPr id="8" name="TextBox 7">
+            <a:extLst>
+              <a:ext uri="{FF2B5EF4-FFF2-40B4-BE49-F238E27FC236}">
+                <a16:creationId xmlns:a16="http://schemas.microsoft.com/office/drawing/2014/main" id="{2EF19270-3BAD-4677-BBB1-6C68DFD0CB06}"/>
+              </a:ext>
+            </a:extLst>
+          </p:cNvPr>
+          <p:cNvSpPr txBox="1"/>
+          <p:nvPr/>
+        </p:nvSpPr>
+        <p:spPr>
+          <a:xfrm>
+            <a:off x="6626661" y="1579416"/>
+            <a:ext cx="6095999" cy="584775"/>
+          </a:xfrm>
+          <a:prstGeom prst="rect">
+            <a:avLst/>
+          </a:prstGeom>
+          <a:noFill/>
+        </p:spPr>
+        <p:txBody>
+          <a:bodyPr wrap="square" rtlCol="0">
+            <a:spAutoFit/>
+          </a:bodyPr>
+          <a:lstStyle/>
+          <a:p>
+            <a:pPr algn="ctr"/>
+            <a:r>
+              <a:rPr lang="en-US" sz="3200" dirty="0">
+                <a:solidFill>
+                  <a:schemeClr val="accent1">
+                    <a:lumMod val="50000"/>
+                  </a:schemeClr>
+                </a:solidFill>
+              </a:rPr>
+              <a:t>XG-Boost</a:t>
+            </a:r>
+          </a:p>
+        </p:txBody>
+      </p:sp>
     </p:spTree>
     <p:extLst>
       <p:ext uri="{BB962C8B-B14F-4D97-AF65-F5344CB8AC3E}">
@@ -14224,7 +15467,7 @@
 </p:sld>
 </file>
 
-<file path=ppt/slides/slide21.xml><?xml version="1.0" encoding="utf-8"?>
+<file path=ppt/slides/slide23.xml><?xml version="1.0" encoding="utf-8"?>
 <p:sld xmlns:a="http://schemas.openxmlformats.org/drawingml/2006/main" xmlns:r="http://schemas.openxmlformats.org/officeDocument/2006/relationships" xmlns:p="http://schemas.openxmlformats.org/presentationml/2006/main">
   <p:cSld>
     <p:spTree>
@@ -14967,7 +16210,7 @@
 </p:sld>
 </file>
 
-<file path=ppt/slides/slide22.xml><?xml version="1.0" encoding="utf-8"?>
+<file path=ppt/slides/slide24.xml><?xml version="1.0" encoding="utf-8"?>
 <p:sld xmlns:a="http://schemas.openxmlformats.org/drawingml/2006/main" xmlns:r="http://schemas.openxmlformats.org/officeDocument/2006/relationships" xmlns:p="http://schemas.openxmlformats.org/presentationml/2006/main">
   <p:cSld>
     <p:spTree>
@@ -15923,7 +17166,756 @@
 </p:sld>
 </file>
 
-<file path=ppt/slides/slide23.xml><?xml version="1.0" encoding="utf-8"?>
+<file path=ppt/slides/slide25.xml><?xml version="1.0" encoding="utf-8"?>
+<p:sld xmlns:a="http://schemas.openxmlformats.org/drawingml/2006/main" xmlns:r="http://schemas.openxmlformats.org/officeDocument/2006/relationships" xmlns:p="http://schemas.openxmlformats.org/presentationml/2006/main">
+  <p:cSld>
+    <p:spTree>
+      <p:nvGrpSpPr>
+        <p:cNvPr id="1" name=""/>
+        <p:cNvGrpSpPr/>
+        <p:nvPr/>
+      </p:nvGrpSpPr>
+      <p:grpSpPr>
+        <a:xfrm>
+          <a:off x="0" y="0"/>
+          <a:ext cx="0" cy="0"/>
+          <a:chOff x="0" y="0"/>
+          <a:chExt cx="0" cy="0"/>
+        </a:xfrm>
+      </p:grpSpPr>
+      <p:sp>
+        <p:nvSpPr>
+          <p:cNvPr id="6" name="Flowchart: Alternate Process 5">
+            <a:extLst>
+              <a:ext uri="{FF2B5EF4-FFF2-40B4-BE49-F238E27FC236}">
+                <a16:creationId xmlns:a16="http://schemas.microsoft.com/office/drawing/2014/main" id="{0309A167-194F-49E3-A8C7-133C659DDBF3}"/>
+              </a:ext>
+            </a:extLst>
+          </p:cNvPr>
+          <p:cNvSpPr/>
+          <p:nvPr/>
+        </p:nvSpPr>
+        <p:spPr>
+          <a:xfrm>
+            <a:off x="2148710" y="649970"/>
+            <a:ext cx="3947290" cy="839718"/>
+          </a:xfrm>
+          <a:prstGeom prst="flowChartAlternateProcess">
+            <a:avLst/>
+          </a:prstGeom>
+          <a:solidFill>
+            <a:schemeClr val="accent1">
+              <a:lumMod val="50000"/>
+            </a:schemeClr>
+          </a:solidFill>
+          <a:ln/>
+        </p:spPr>
+        <p:style>
+          <a:lnRef idx="0">
+            <a:schemeClr val="accent6"/>
+          </a:lnRef>
+          <a:fillRef idx="3">
+            <a:schemeClr val="accent6"/>
+          </a:fillRef>
+          <a:effectRef idx="3">
+            <a:schemeClr val="accent6"/>
+          </a:effectRef>
+          <a:fontRef idx="minor">
+            <a:schemeClr val="lt1"/>
+          </a:fontRef>
+        </p:style>
+        <p:txBody>
+          <a:bodyPr wrap="square" rtlCol="0" anchor="ctr">
+            <a:noAutofit/>
+          </a:bodyPr>
+          <a:lstStyle/>
+          <a:p>
+            <a:endParaRPr lang="en-US" sz="1400" b="1" dirty="0">
+              <a:solidFill>
+                <a:schemeClr val="tx1">
+                  <a:lumMod val="85000"/>
+                  <a:lumOff val="15000"/>
+                </a:schemeClr>
+              </a:solidFill>
+            </a:endParaRPr>
+          </a:p>
+        </p:txBody>
+      </p:sp>
+      <p:sp>
+        <p:nvSpPr>
+          <p:cNvPr id="5" name="Text Placeholder 10">
+            <a:extLst>
+              <a:ext uri="{FF2B5EF4-FFF2-40B4-BE49-F238E27FC236}">
+                <a16:creationId xmlns:a16="http://schemas.microsoft.com/office/drawing/2014/main" id="{ED2DF37D-169B-4384-8CDB-4E201516355F}"/>
+              </a:ext>
+            </a:extLst>
+          </p:cNvPr>
+          <p:cNvSpPr txBox="1">
+            <a:spLocks/>
+          </p:cNvSpPr>
+          <p:nvPr/>
+        </p:nvSpPr>
+        <p:spPr>
+          <a:xfrm>
+            <a:off x="1260765" y="739699"/>
+            <a:ext cx="887945" cy="749989"/>
+          </a:xfrm>
+          <a:prstGeom prst="rect">
+            <a:avLst/>
+          </a:prstGeom>
+        </p:spPr>
+        <p:txBody>
+          <a:bodyPr/>
+          <a:lstStyle>
+            <a:lvl1pPr marL="228600" indent="-228600" algn="l" defTabSz="914400" rtl="0" eaLnBrk="1" latinLnBrk="0" hangingPunct="1">
+              <a:lnSpc>
+                <a:spcPct val="90000"/>
+              </a:lnSpc>
+              <a:spcBef>
+                <a:spcPts val="1000"/>
+              </a:spcBef>
+              <a:buFont typeface="Arial" panose="020B0604020202020204" pitchFamily="34" charset="0"/>
+              <a:buChar char="•"/>
+              <a:defRPr sz="2800" kern="1200">
+                <a:solidFill>
+                  <a:schemeClr val="tx1"/>
+                </a:solidFill>
+                <a:latin typeface="+mn-lt"/>
+                <a:ea typeface="+mn-ea"/>
+                <a:cs typeface="+mn-cs"/>
+              </a:defRPr>
+            </a:lvl1pPr>
+            <a:lvl2pPr marL="685800" indent="-228600" algn="l" defTabSz="914400" rtl="0" eaLnBrk="1" latinLnBrk="0" hangingPunct="1">
+              <a:lnSpc>
+                <a:spcPct val="90000"/>
+              </a:lnSpc>
+              <a:spcBef>
+                <a:spcPts val="500"/>
+              </a:spcBef>
+              <a:buFont typeface="Arial" panose="020B0604020202020204" pitchFamily="34" charset="0"/>
+              <a:buChar char="•"/>
+              <a:defRPr sz="2400" kern="1200">
+                <a:solidFill>
+                  <a:schemeClr val="tx1"/>
+                </a:solidFill>
+                <a:latin typeface="+mn-lt"/>
+                <a:ea typeface="+mn-ea"/>
+                <a:cs typeface="+mn-cs"/>
+              </a:defRPr>
+            </a:lvl2pPr>
+            <a:lvl3pPr marL="1143000" indent="-228600" algn="l" defTabSz="914400" rtl="0" eaLnBrk="1" latinLnBrk="0" hangingPunct="1">
+              <a:lnSpc>
+                <a:spcPct val="90000"/>
+              </a:lnSpc>
+              <a:spcBef>
+                <a:spcPts val="500"/>
+              </a:spcBef>
+              <a:buFont typeface="Arial" panose="020B0604020202020204" pitchFamily="34" charset="0"/>
+              <a:buChar char="•"/>
+              <a:defRPr sz="2000" kern="1200">
+                <a:solidFill>
+                  <a:schemeClr val="tx1"/>
+                </a:solidFill>
+                <a:latin typeface="+mn-lt"/>
+                <a:ea typeface="+mn-ea"/>
+                <a:cs typeface="+mn-cs"/>
+              </a:defRPr>
+            </a:lvl3pPr>
+            <a:lvl4pPr marL="1600200" indent="-228600" algn="l" defTabSz="914400" rtl="0" eaLnBrk="1" latinLnBrk="0" hangingPunct="1">
+              <a:lnSpc>
+                <a:spcPct val="90000"/>
+              </a:lnSpc>
+              <a:spcBef>
+                <a:spcPts val="500"/>
+              </a:spcBef>
+              <a:buFont typeface="Arial" panose="020B0604020202020204" pitchFamily="34" charset="0"/>
+              <a:buChar char="•"/>
+              <a:defRPr sz="1800" kern="1200">
+                <a:solidFill>
+                  <a:schemeClr val="tx1"/>
+                </a:solidFill>
+                <a:latin typeface="+mn-lt"/>
+                <a:ea typeface="+mn-ea"/>
+                <a:cs typeface="+mn-cs"/>
+              </a:defRPr>
+            </a:lvl4pPr>
+            <a:lvl5pPr marL="2057400" indent="-228600" algn="l" defTabSz="914400" rtl="0" eaLnBrk="1" latinLnBrk="0" hangingPunct="1">
+              <a:lnSpc>
+                <a:spcPct val="90000"/>
+              </a:lnSpc>
+              <a:spcBef>
+                <a:spcPts val="500"/>
+              </a:spcBef>
+              <a:buFont typeface="Arial" panose="020B0604020202020204" pitchFamily="34" charset="0"/>
+              <a:buChar char="•"/>
+              <a:defRPr sz="1800" kern="1200">
+                <a:solidFill>
+                  <a:schemeClr val="tx1"/>
+                </a:solidFill>
+                <a:latin typeface="+mn-lt"/>
+                <a:ea typeface="+mn-ea"/>
+                <a:cs typeface="+mn-cs"/>
+              </a:defRPr>
+            </a:lvl5pPr>
+            <a:lvl6pPr marL="2514600" indent="-228600" algn="l" defTabSz="914400" rtl="0" eaLnBrk="1" latinLnBrk="0" hangingPunct="1">
+              <a:lnSpc>
+                <a:spcPct val="90000"/>
+              </a:lnSpc>
+              <a:spcBef>
+                <a:spcPts val="500"/>
+              </a:spcBef>
+              <a:buFont typeface="Arial" panose="020B0604020202020204" pitchFamily="34" charset="0"/>
+              <a:buChar char="•"/>
+              <a:defRPr sz="1800" kern="1200">
+                <a:solidFill>
+                  <a:schemeClr val="tx1"/>
+                </a:solidFill>
+                <a:latin typeface="+mn-lt"/>
+                <a:ea typeface="+mn-ea"/>
+                <a:cs typeface="+mn-cs"/>
+              </a:defRPr>
+            </a:lvl6pPr>
+            <a:lvl7pPr marL="2971800" indent="-228600" algn="l" defTabSz="914400" rtl="0" eaLnBrk="1" latinLnBrk="0" hangingPunct="1">
+              <a:lnSpc>
+                <a:spcPct val="90000"/>
+              </a:lnSpc>
+              <a:spcBef>
+                <a:spcPts val="500"/>
+              </a:spcBef>
+              <a:buFont typeface="Arial" panose="020B0604020202020204" pitchFamily="34" charset="0"/>
+              <a:buChar char="•"/>
+              <a:defRPr sz="1800" kern="1200">
+                <a:solidFill>
+                  <a:schemeClr val="tx1"/>
+                </a:solidFill>
+                <a:latin typeface="+mn-lt"/>
+                <a:ea typeface="+mn-ea"/>
+                <a:cs typeface="+mn-cs"/>
+              </a:defRPr>
+            </a:lvl7pPr>
+            <a:lvl8pPr marL="3429000" indent="-228600" algn="l" defTabSz="914400" rtl="0" eaLnBrk="1" latinLnBrk="0" hangingPunct="1">
+              <a:lnSpc>
+                <a:spcPct val="90000"/>
+              </a:lnSpc>
+              <a:spcBef>
+                <a:spcPts val="500"/>
+              </a:spcBef>
+              <a:buFont typeface="Arial" panose="020B0604020202020204" pitchFamily="34" charset="0"/>
+              <a:buChar char="•"/>
+              <a:defRPr sz="1800" kern="1200">
+                <a:solidFill>
+                  <a:schemeClr val="tx1"/>
+                </a:solidFill>
+                <a:latin typeface="+mn-lt"/>
+                <a:ea typeface="+mn-ea"/>
+                <a:cs typeface="+mn-cs"/>
+              </a:defRPr>
+            </a:lvl8pPr>
+            <a:lvl9pPr marL="3886200" indent="-228600" algn="l" defTabSz="914400" rtl="0" eaLnBrk="1" latinLnBrk="0" hangingPunct="1">
+              <a:lnSpc>
+                <a:spcPct val="90000"/>
+              </a:lnSpc>
+              <a:spcBef>
+                <a:spcPts val="500"/>
+              </a:spcBef>
+              <a:buFont typeface="Arial" panose="020B0604020202020204" pitchFamily="34" charset="0"/>
+              <a:buChar char="•"/>
+              <a:defRPr sz="1800" kern="1200">
+                <a:solidFill>
+                  <a:schemeClr val="tx1"/>
+                </a:solidFill>
+                <a:latin typeface="+mn-lt"/>
+                <a:ea typeface="+mn-ea"/>
+                <a:cs typeface="+mn-cs"/>
+              </a:defRPr>
+            </a:lvl9pPr>
+          </a:lstStyle>
+          <a:p>
+            <a:pPr marL="0" indent="0">
+              <a:buNone/>
+            </a:pPr>
+            <a:r>
+              <a:rPr lang="en-US" sz="4400" b="1" dirty="0"/>
+              <a:t>4)</a:t>
+            </a:r>
+            <a:r>
+              <a:rPr lang="en-US" sz="4400" dirty="0"/>
+              <a:t>    </a:t>
+            </a:r>
+            <a:endParaRPr lang="en-US" sz="4400" dirty="0">
+              <a:solidFill>
+                <a:schemeClr val="accent6">
+                  <a:lumMod val="50000"/>
+                </a:schemeClr>
+              </a:solidFill>
+              <a:latin typeface="+mj-lt"/>
+            </a:endParaRPr>
+          </a:p>
+        </p:txBody>
+      </p:sp>
+      <p:sp>
+        <p:nvSpPr>
+          <p:cNvPr id="7" name="Text Placeholder 10">
+            <a:extLst>
+              <a:ext uri="{FF2B5EF4-FFF2-40B4-BE49-F238E27FC236}">
+                <a16:creationId xmlns:a16="http://schemas.microsoft.com/office/drawing/2014/main" id="{B4500D03-A13F-4703-A793-8689577D4EB8}"/>
+              </a:ext>
+            </a:extLst>
+          </p:cNvPr>
+          <p:cNvSpPr txBox="1">
+            <a:spLocks/>
+          </p:cNvSpPr>
+          <p:nvPr/>
+        </p:nvSpPr>
+        <p:spPr>
+          <a:xfrm>
+            <a:off x="2313709" y="739699"/>
+            <a:ext cx="6557335" cy="749989"/>
+          </a:xfrm>
+          <a:prstGeom prst="rect">
+            <a:avLst/>
+          </a:prstGeom>
+        </p:spPr>
+        <p:txBody>
+          <a:bodyPr/>
+          <a:lstStyle>
+            <a:lvl1pPr marL="228600" indent="-228600" algn="l" defTabSz="914400" rtl="0" eaLnBrk="1" latinLnBrk="0" hangingPunct="1">
+              <a:lnSpc>
+                <a:spcPct val="90000"/>
+              </a:lnSpc>
+              <a:spcBef>
+                <a:spcPts val="1000"/>
+              </a:spcBef>
+              <a:buFont typeface="Arial" panose="020B0604020202020204" pitchFamily="34" charset="0"/>
+              <a:buChar char="•"/>
+              <a:defRPr sz="2800" kern="1200">
+                <a:solidFill>
+                  <a:schemeClr val="tx1"/>
+                </a:solidFill>
+                <a:latin typeface="+mn-lt"/>
+                <a:ea typeface="+mn-ea"/>
+                <a:cs typeface="+mn-cs"/>
+              </a:defRPr>
+            </a:lvl1pPr>
+            <a:lvl2pPr marL="685800" indent="-228600" algn="l" defTabSz="914400" rtl="0" eaLnBrk="1" latinLnBrk="0" hangingPunct="1">
+              <a:lnSpc>
+                <a:spcPct val="90000"/>
+              </a:lnSpc>
+              <a:spcBef>
+                <a:spcPts val="500"/>
+              </a:spcBef>
+              <a:buFont typeface="Arial" panose="020B0604020202020204" pitchFamily="34" charset="0"/>
+              <a:buChar char="•"/>
+              <a:defRPr sz="2400" kern="1200">
+                <a:solidFill>
+                  <a:schemeClr val="tx1"/>
+                </a:solidFill>
+                <a:latin typeface="+mn-lt"/>
+                <a:ea typeface="+mn-ea"/>
+                <a:cs typeface="+mn-cs"/>
+              </a:defRPr>
+            </a:lvl2pPr>
+            <a:lvl3pPr marL="1143000" indent="-228600" algn="l" defTabSz="914400" rtl="0" eaLnBrk="1" latinLnBrk="0" hangingPunct="1">
+              <a:lnSpc>
+                <a:spcPct val="90000"/>
+              </a:lnSpc>
+              <a:spcBef>
+                <a:spcPts val="500"/>
+              </a:spcBef>
+              <a:buFont typeface="Arial" panose="020B0604020202020204" pitchFamily="34" charset="0"/>
+              <a:buChar char="•"/>
+              <a:defRPr sz="2000" kern="1200">
+                <a:solidFill>
+                  <a:schemeClr val="tx1"/>
+                </a:solidFill>
+                <a:latin typeface="+mn-lt"/>
+                <a:ea typeface="+mn-ea"/>
+                <a:cs typeface="+mn-cs"/>
+              </a:defRPr>
+            </a:lvl3pPr>
+            <a:lvl4pPr marL="1600200" indent="-228600" algn="l" defTabSz="914400" rtl="0" eaLnBrk="1" latinLnBrk="0" hangingPunct="1">
+              <a:lnSpc>
+                <a:spcPct val="90000"/>
+              </a:lnSpc>
+              <a:spcBef>
+                <a:spcPts val="500"/>
+              </a:spcBef>
+              <a:buFont typeface="Arial" panose="020B0604020202020204" pitchFamily="34" charset="0"/>
+              <a:buChar char="•"/>
+              <a:defRPr sz="1800" kern="1200">
+                <a:solidFill>
+                  <a:schemeClr val="tx1"/>
+                </a:solidFill>
+                <a:latin typeface="+mn-lt"/>
+                <a:ea typeface="+mn-ea"/>
+                <a:cs typeface="+mn-cs"/>
+              </a:defRPr>
+            </a:lvl4pPr>
+            <a:lvl5pPr marL="2057400" indent="-228600" algn="l" defTabSz="914400" rtl="0" eaLnBrk="1" latinLnBrk="0" hangingPunct="1">
+              <a:lnSpc>
+                <a:spcPct val="90000"/>
+              </a:lnSpc>
+              <a:spcBef>
+                <a:spcPts val="500"/>
+              </a:spcBef>
+              <a:buFont typeface="Arial" panose="020B0604020202020204" pitchFamily="34" charset="0"/>
+              <a:buChar char="•"/>
+              <a:defRPr sz="1800" kern="1200">
+                <a:solidFill>
+                  <a:schemeClr val="tx1"/>
+                </a:solidFill>
+                <a:latin typeface="+mn-lt"/>
+                <a:ea typeface="+mn-ea"/>
+                <a:cs typeface="+mn-cs"/>
+              </a:defRPr>
+            </a:lvl5pPr>
+            <a:lvl6pPr marL="2514600" indent="-228600" algn="l" defTabSz="914400" rtl="0" eaLnBrk="1" latinLnBrk="0" hangingPunct="1">
+              <a:lnSpc>
+                <a:spcPct val="90000"/>
+              </a:lnSpc>
+              <a:spcBef>
+                <a:spcPts val="500"/>
+              </a:spcBef>
+              <a:buFont typeface="Arial" panose="020B0604020202020204" pitchFamily="34" charset="0"/>
+              <a:buChar char="•"/>
+              <a:defRPr sz="1800" kern="1200">
+                <a:solidFill>
+                  <a:schemeClr val="tx1"/>
+                </a:solidFill>
+                <a:latin typeface="+mn-lt"/>
+                <a:ea typeface="+mn-ea"/>
+                <a:cs typeface="+mn-cs"/>
+              </a:defRPr>
+            </a:lvl6pPr>
+            <a:lvl7pPr marL="2971800" indent="-228600" algn="l" defTabSz="914400" rtl="0" eaLnBrk="1" latinLnBrk="0" hangingPunct="1">
+              <a:lnSpc>
+                <a:spcPct val="90000"/>
+              </a:lnSpc>
+              <a:spcBef>
+                <a:spcPts val="500"/>
+              </a:spcBef>
+              <a:buFont typeface="Arial" panose="020B0604020202020204" pitchFamily="34" charset="0"/>
+              <a:buChar char="•"/>
+              <a:defRPr sz="1800" kern="1200">
+                <a:solidFill>
+                  <a:schemeClr val="tx1"/>
+                </a:solidFill>
+                <a:latin typeface="+mn-lt"/>
+                <a:ea typeface="+mn-ea"/>
+                <a:cs typeface="+mn-cs"/>
+              </a:defRPr>
+            </a:lvl7pPr>
+            <a:lvl8pPr marL="3429000" indent="-228600" algn="l" defTabSz="914400" rtl="0" eaLnBrk="1" latinLnBrk="0" hangingPunct="1">
+              <a:lnSpc>
+                <a:spcPct val="90000"/>
+              </a:lnSpc>
+              <a:spcBef>
+                <a:spcPts val="500"/>
+              </a:spcBef>
+              <a:buFont typeface="Arial" panose="020B0604020202020204" pitchFamily="34" charset="0"/>
+              <a:buChar char="•"/>
+              <a:defRPr sz="1800" kern="1200">
+                <a:solidFill>
+                  <a:schemeClr val="tx1"/>
+                </a:solidFill>
+                <a:latin typeface="+mn-lt"/>
+                <a:ea typeface="+mn-ea"/>
+                <a:cs typeface="+mn-cs"/>
+              </a:defRPr>
+            </a:lvl8pPr>
+            <a:lvl9pPr marL="3886200" indent="-228600" algn="l" defTabSz="914400" rtl="0" eaLnBrk="1" latinLnBrk="0" hangingPunct="1">
+              <a:lnSpc>
+                <a:spcPct val="90000"/>
+              </a:lnSpc>
+              <a:spcBef>
+                <a:spcPts val="500"/>
+              </a:spcBef>
+              <a:buFont typeface="Arial" panose="020B0604020202020204" pitchFamily="34" charset="0"/>
+              <a:buChar char="•"/>
+              <a:defRPr sz="1800" kern="1200">
+                <a:solidFill>
+                  <a:schemeClr val="tx1"/>
+                </a:solidFill>
+                <a:latin typeface="+mn-lt"/>
+                <a:ea typeface="+mn-ea"/>
+                <a:cs typeface="+mn-cs"/>
+              </a:defRPr>
+            </a:lvl9pPr>
+          </a:lstStyle>
+          <a:p>
+            <a:pPr marL="0" indent="0">
+              <a:buNone/>
+            </a:pPr>
+            <a:r>
+              <a:rPr lang="en-US" sz="4400" b="1" dirty="0">
+                <a:solidFill>
+                  <a:schemeClr val="accent4">
+                    <a:lumMod val="20000"/>
+                    <a:lumOff val="80000"/>
+                  </a:schemeClr>
+                </a:solidFill>
+                <a:latin typeface="+mj-lt"/>
+              </a:rPr>
+              <a:t>Hyperparameter </a:t>
+            </a:r>
+            <a:r>
+              <a:rPr lang="en-US" sz="4400" b="1" dirty="0">
+                <a:solidFill>
+                  <a:schemeClr val="accent4">
+                    <a:lumMod val="50000"/>
+                  </a:schemeClr>
+                </a:solidFill>
+                <a:latin typeface="+mj-lt"/>
+              </a:rPr>
+              <a:t>Tuning</a:t>
+            </a:r>
+            <a:endParaRPr lang="en-US" sz="4400" dirty="0">
+              <a:solidFill>
+                <a:schemeClr val="accent4">
+                  <a:lumMod val="50000"/>
+                </a:schemeClr>
+              </a:solidFill>
+              <a:latin typeface="+mj-lt"/>
+            </a:endParaRPr>
+          </a:p>
+        </p:txBody>
+      </p:sp>
+      <p:pic>
+        <p:nvPicPr>
+          <p:cNvPr id="2052" name="Picture 4">
+            <a:extLst>
+              <a:ext uri="{FF2B5EF4-FFF2-40B4-BE49-F238E27FC236}">
+                <a16:creationId xmlns:a16="http://schemas.microsoft.com/office/drawing/2014/main" id="{953CF8E7-2C89-42BB-915D-63881EB22B54}"/>
+              </a:ext>
+            </a:extLst>
+          </p:cNvPr>
+          <p:cNvPicPr>
+            <a:picLocks noChangeAspect="1" noChangeArrowheads="1"/>
+          </p:cNvPicPr>
+          <p:nvPr/>
+        </p:nvPicPr>
+        <p:blipFill rotWithShape="1">
+          <a:blip r:embed="rId2">
+            <a:extLst>
+              <a:ext uri="{28A0092B-C50C-407E-A947-70E740481C1C}">
+                <a14:useLocalDpi xmlns:a14="http://schemas.microsoft.com/office/drawing/2010/main" val="0"/>
+              </a:ext>
+            </a:extLst>
+          </a:blip>
+          <a:srcRect t="45220"/>
+          <a:stretch/>
+        </p:blipFill>
+        <p:spPr bwMode="auto">
+          <a:xfrm>
+            <a:off x="5352202" y="1965882"/>
+            <a:ext cx="6904439" cy="4460565"/>
+          </a:xfrm>
+          <a:prstGeom prst="rect">
+            <a:avLst/>
+          </a:prstGeom>
+          <a:noFill/>
+          <a:extLst>
+            <a:ext uri="{909E8E84-426E-40DD-AFC4-6F175D3DCCD1}">
+              <a14:hiddenFill xmlns:a14="http://schemas.microsoft.com/office/drawing/2010/main">
+                <a:solidFill>
+                  <a:srgbClr val="FFFFFF"/>
+                </a:solidFill>
+              </a14:hiddenFill>
+            </a:ext>
+          </a:extLst>
+        </p:spPr>
+      </p:pic>
+      <p:grpSp>
+        <p:nvGrpSpPr>
+          <p:cNvPr id="3" name="Group 2">
+            <a:extLst>
+              <a:ext uri="{FF2B5EF4-FFF2-40B4-BE49-F238E27FC236}">
+                <a16:creationId xmlns:a16="http://schemas.microsoft.com/office/drawing/2014/main" id="{CDB4A676-C5B4-4937-A354-ABB169F91D48}"/>
+              </a:ext>
+            </a:extLst>
+          </p:cNvPr>
+          <p:cNvGrpSpPr/>
+          <p:nvPr/>
+        </p:nvGrpSpPr>
+        <p:grpSpPr>
+          <a:xfrm>
+            <a:off x="0" y="1954945"/>
+            <a:ext cx="6904439" cy="4482438"/>
+            <a:chOff x="133677" y="1579417"/>
+            <a:chExt cx="6113760" cy="3969121"/>
+          </a:xfrm>
+        </p:grpSpPr>
+        <p:grpSp>
+          <p:nvGrpSpPr>
+            <p:cNvPr id="2" name="Group 1">
+              <a:extLst>
+                <a:ext uri="{FF2B5EF4-FFF2-40B4-BE49-F238E27FC236}">
+                  <a16:creationId xmlns:a16="http://schemas.microsoft.com/office/drawing/2014/main" id="{8545D53E-FB45-4038-A306-67C6960FCB03}"/>
+                </a:ext>
+              </a:extLst>
+            </p:cNvPr>
+            <p:cNvGrpSpPr/>
+            <p:nvPr/>
+          </p:nvGrpSpPr>
+          <p:grpSpPr>
+            <a:xfrm>
+              <a:off x="133677" y="1579417"/>
+              <a:ext cx="6113760" cy="3893128"/>
+              <a:chOff x="-50305" y="1863043"/>
+              <a:chExt cx="6197552" cy="3946485"/>
+            </a:xfrm>
+          </p:grpSpPr>
+          <p:pic>
+            <p:nvPicPr>
+              <p:cNvPr id="2050" name="Picture 2">
+                <a:extLst>
+                  <a:ext uri="{FF2B5EF4-FFF2-40B4-BE49-F238E27FC236}">
+                    <a16:creationId xmlns:a16="http://schemas.microsoft.com/office/drawing/2014/main" id="{2464104C-AC17-4D05-90E2-38A63DD059FC}"/>
+                  </a:ext>
+                </a:extLst>
+              </p:cNvPr>
+              <p:cNvPicPr>
+                <a:picLocks noChangeAspect="1" noChangeArrowheads="1"/>
+              </p:cNvPicPr>
+              <p:nvPr/>
+            </p:nvPicPr>
+            <p:blipFill rotWithShape="1">
+              <a:blip r:embed="rId2">
+                <a:extLst>
+                  <a:ext uri="{28A0092B-C50C-407E-A947-70E740481C1C}">
+                    <a14:useLocalDpi xmlns:a14="http://schemas.microsoft.com/office/drawing/2010/main" val="0"/>
+                  </a:ext>
+                </a:extLst>
+              </a:blip>
+              <a:srcRect r="1059" b="54801"/>
+              <a:stretch/>
+            </p:blipFill>
+            <p:spPr bwMode="auto">
+              <a:xfrm>
+                <a:off x="-50305" y="1863043"/>
+                <a:ext cx="6197552" cy="3338945"/>
+              </a:xfrm>
+              <a:prstGeom prst="rect">
+                <a:avLst/>
+              </a:prstGeom>
+              <a:noFill/>
+              <a:extLst>
+                <a:ext uri="{909E8E84-426E-40DD-AFC4-6F175D3DCCD1}">
+                  <a14:hiddenFill xmlns:a14="http://schemas.microsoft.com/office/drawing/2010/main">
+                    <a:solidFill>
+                      <a:srgbClr val="FFFFFF"/>
+                    </a:solidFill>
+                  </a14:hiddenFill>
+                </a:ext>
+              </a:extLst>
+            </p:spPr>
+          </p:pic>
+          <p:pic>
+            <p:nvPicPr>
+              <p:cNvPr id="8" name="Picture 4">
+                <a:extLst>
+                  <a:ext uri="{FF2B5EF4-FFF2-40B4-BE49-F238E27FC236}">
+                    <a16:creationId xmlns:a16="http://schemas.microsoft.com/office/drawing/2014/main" id="{D3ACE680-F4FA-4879-B493-4A89B3E554B3}"/>
+                  </a:ext>
+                </a:extLst>
+              </p:cNvPr>
+              <p:cNvPicPr>
+                <a:picLocks noChangeAspect="1" noChangeArrowheads="1"/>
+              </p:cNvPicPr>
+              <p:nvPr/>
+            </p:nvPicPr>
+            <p:blipFill rotWithShape="1">
+              <a:blip r:embed="rId2">
+                <a:extLst>
+                  <a:ext uri="{28A0092B-C50C-407E-A947-70E740481C1C}">
+                    <a14:useLocalDpi xmlns:a14="http://schemas.microsoft.com/office/drawing/2010/main" val="0"/>
+                  </a:ext>
+                </a:extLst>
+              </a:blip>
+              <a:srcRect t="91811"/>
+              <a:stretch/>
+            </p:blipFill>
+            <p:spPr bwMode="auto">
+              <a:xfrm>
+                <a:off x="-50305" y="5215912"/>
+                <a:ext cx="6146306" cy="593616"/>
+              </a:xfrm>
+              <a:prstGeom prst="rect">
+                <a:avLst/>
+              </a:prstGeom>
+              <a:noFill/>
+              <a:extLst>
+                <a:ext uri="{909E8E84-426E-40DD-AFC4-6F175D3DCCD1}">
+                  <a14:hiddenFill xmlns:a14="http://schemas.microsoft.com/office/drawing/2010/main">
+                    <a:solidFill>
+                      <a:srgbClr val="FFFFFF"/>
+                    </a:solidFill>
+                  </a14:hiddenFill>
+                </a:ext>
+              </a:extLst>
+            </p:spPr>
+          </p:pic>
+        </p:grpSp>
+        <p:pic>
+          <p:nvPicPr>
+            <p:cNvPr id="12" name="Picture 4">
+              <a:extLst>
+                <a:ext uri="{FF2B5EF4-FFF2-40B4-BE49-F238E27FC236}">
+                  <a16:creationId xmlns:a16="http://schemas.microsoft.com/office/drawing/2014/main" id="{3D9DA874-C6E2-4213-9EB9-762CDC3DE082}"/>
+                </a:ext>
+              </a:extLst>
+            </p:cNvPr>
+            <p:cNvPicPr>
+              <a:picLocks noChangeAspect="1" noChangeArrowheads="1"/>
+            </p:cNvPicPr>
+            <p:nvPr/>
+          </p:nvPicPr>
+          <p:blipFill rotWithShape="1">
+            <a:blip r:embed="rId2">
+              <a:extLst>
+                <a:ext uri="{28A0092B-C50C-407E-A947-70E740481C1C}">
+                  <a14:useLocalDpi xmlns:a14="http://schemas.microsoft.com/office/drawing/2010/main" val="0"/>
+                </a:ext>
+              </a:extLst>
+            </a:blip>
+            <a:srcRect t="91811"/>
+            <a:stretch/>
+          </p:blipFill>
+          <p:spPr bwMode="auto">
+            <a:xfrm>
+              <a:off x="158953" y="4962948"/>
+              <a:ext cx="6063207" cy="585590"/>
+            </a:xfrm>
+            <a:prstGeom prst="rect">
+              <a:avLst/>
+            </a:prstGeom>
+            <a:noFill/>
+            <a:extLst>
+              <a:ext uri="{909E8E84-426E-40DD-AFC4-6F175D3DCCD1}">
+                <a14:hiddenFill xmlns:a14="http://schemas.microsoft.com/office/drawing/2010/main">
+                  <a:solidFill>
+                    <a:srgbClr val="FFFFFF"/>
+                  </a:solidFill>
+                </a14:hiddenFill>
+              </a:ext>
+            </a:extLst>
+          </p:spPr>
+        </p:pic>
+      </p:grpSp>
+    </p:spTree>
+    <p:extLst>
+      <p:ext uri="{BB962C8B-B14F-4D97-AF65-F5344CB8AC3E}">
+        <p14:creationId xmlns:p14="http://schemas.microsoft.com/office/powerpoint/2010/main" val="3319230346"/>
+      </p:ext>
+    </p:extLst>
+  </p:cSld>
+  <p:clrMapOvr>
+    <a:masterClrMapping/>
+  </p:clrMapOvr>
+</p:sld>
+</file>
+
+<file path=ppt/slides/slide26.xml><?xml version="1.0" encoding="utf-8"?>
 <p:sld xmlns:a="http://schemas.openxmlformats.org/drawingml/2006/main" xmlns:r="http://schemas.openxmlformats.org/officeDocument/2006/relationships" xmlns:p="http://schemas.openxmlformats.org/presentationml/2006/main">
   <p:cSld>
     <p:spTree>
@@ -17129,7 +19121,7 @@
 </p:sld>
 </file>
 
-<file path=ppt/slides/slide24.xml><?xml version="1.0" encoding="utf-8"?>
+<file path=ppt/slides/slide27.xml><?xml version="1.0" encoding="utf-8"?>
 <p:sld xmlns:a="http://schemas.openxmlformats.org/drawingml/2006/main" xmlns:r="http://schemas.openxmlformats.org/officeDocument/2006/relationships" xmlns:p="http://schemas.openxmlformats.org/presentationml/2006/main">
   <p:cSld>
     <p:spTree>
@@ -19710,36 +21702,6 @@
           <a:chExt cx="0" cy="0"/>
         </a:xfrm>
       </p:grpSpPr>
-      <p:pic>
-        <p:nvPicPr>
-          <p:cNvPr id="12" name="Picture 11">
-            <a:extLst>
-              <a:ext uri="{FF2B5EF4-FFF2-40B4-BE49-F238E27FC236}">
-                <a16:creationId xmlns:a16="http://schemas.microsoft.com/office/drawing/2014/main" id="{40EAD0A8-B04A-47AE-A223-53366D665282}"/>
-              </a:ext>
-            </a:extLst>
-          </p:cNvPr>
-          <p:cNvPicPr>
-            <a:picLocks noChangeAspect="1"/>
-          </p:cNvPicPr>
-          <p:nvPr/>
-        </p:nvPicPr>
-        <p:blipFill>
-          <a:blip r:embed="rId2"/>
-          <a:stretch>
-            <a:fillRect/>
-          </a:stretch>
-        </p:blipFill>
-        <p:spPr>
-          <a:xfrm>
-            <a:off x="221672" y="2573595"/>
-            <a:ext cx="5652655" cy="4407338"/>
-          </a:xfrm>
-          <a:prstGeom prst="rect">
-            <a:avLst/>
-          </a:prstGeom>
-        </p:spPr>
-      </p:pic>
       <p:sp>
         <p:nvSpPr>
           <p:cNvPr id="6" name="Flowchart: Alternate Process 5">
@@ -20238,6 +22200,1186 @@
           </a:p>
         </p:txBody>
       </p:sp>
+      <p:pic>
+        <p:nvPicPr>
+          <p:cNvPr id="1028" name="Picture 4" descr="https://www.kaggleusercontent.com/kf/2560548/eyJhbGciOiJkaXIiLCJlbmMiOiJBMTI4Q0JDLUhTMjU2In0..w50XmbDFaNqFkZitmYvg7Q.OD_MjxddW6aM9QcGZxZEi1RTnH4L7WFY6HSNrJ6z5T6njc2BSbc3jOZN9qud_MHHz6UFwSF1_W85kQp7Kp-BGzbn3Jl7frJlYZSkF3rmRAhRH7RcIYip_153tGwRieK_N1FfADQUmIr4s0XwzDhbmPJlHCZRUZdbH77zAUcdDhc.WE3EV7arucRbWsk_rQR4Fg/__results___files/__results___14_0.png">
+            <a:extLst>
+              <a:ext uri="{FF2B5EF4-FFF2-40B4-BE49-F238E27FC236}">
+                <a16:creationId xmlns:a16="http://schemas.microsoft.com/office/drawing/2014/main" id="{DE8FFE25-252F-45CF-B904-DBCC4B693351}"/>
+              </a:ext>
+            </a:extLst>
+          </p:cNvPr>
+          <p:cNvPicPr>
+            <a:picLocks noChangeAspect="1" noChangeArrowheads="1"/>
+          </p:cNvPicPr>
+          <p:nvPr/>
+        </p:nvPicPr>
+        <p:blipFill>
+          <a:blip r:embed="rId2">
+            <a:extLst>
+              <a:ext uri="{28A0092B-C50C-407E-A947-70E740481C1C}">
+                <a14:useLocalDpi xmlns:a14="http://schemas.microsoft.com/office/drawing/2010/main" val="0"/>
+              </a:ext>
+            </a:extLst>
+          </a:blip>
+          <a:srcRect/>
+          <a:stretch>
+            <a:fillRect/>
+          </a:stretch>
+        </p:blipFill>
+        <p:spPr bwMode="auto">
+          <a:xfrm>
+            <a:off x="-113389" y="1854912"/>
+            <a:ext cx="12418779" cy="4118010"/>
+          </a:xfrm>
+          <a:prstGeom prst="rect">
+            <a:avLst/>
+          </a:prstGeom>
+          <a:noFill/>
+          <a:extLst>
+            <a:ext uri="{909E8E84-426E-40DD-AFC4-6F175D3DCCD1}">
+              <a14:hiddenFill xmlns:a14="http://schemas.microsoft.com/office/drawing/2010/main">
+                <a:solidFill>
+                  <a:srgbClr val="FFFFFF"/>
+                </a:solidFill>
+              </a14:hiddenFill>
+            </a:ext>
+          </a:extLst>
+        </p:spPr>
+      </p:pic>
+    </p:spTree>
+    <p:extLst>
+      <p:ext uri="{BB962C8B-B14F-4D97-AF65-F5344CB8AC3E}">
+        <p14:creationId xmlns:p14="http://schemas.microsoft.com/office/powerpoint/2010/main" val="4241550745"/>
+      </p:ext>
+    </p:extLst>
+  </p:cSld>
+  <p:clrMapOvr>
+    <a:masterClrMapping/>
+  </p:clrMapOvr>
+</p:sld>
+</file>
+
+<file path=ppt/slides/slide6.xml><?xml version="1.0" encoding="utf-8"?>
+<p:sld xmlns:a="http://schemas.openxmlformats.org/drawingml/2006/main" xmlns:r="http://schemas.openxmlformats.org/officeDocument/2006/relationships" xmlns:p="http://schemas.openxmlformats.org/presentationml/2006/main">
+  <p:cSld>
+    <p:spTree>
+      <p:nvGrpSpPr>
+        <p:cNvPr id="1" name=""/>
+        <p:cNvGrpSpPr/>
+        <p:nvPr/>
+      </p:nvGrpSpPr>
+      <p:grpSpPr>
+        <a:xfrm>
+          <a:off x="0" y="0"/>
+          <a:ext cx="0" cy="0"/>
+          <a:chOff x="0" y="0"/>
+          <a:chExt cx="0" cy="0"/>
+        </a:xfrm>
+      </p:grpSpPr>
+      <p:sp>
+        <p:nvSpPr>
+          <p:cNvPr id="6" name="Flowchart: Alternate Process 5">
+            <a:extLst>
+              <a:ext uri="{FF2B5EF4-FFF2-40B4-BE49-F238E27FC236}">
+                <a16:creationId xmlns:a16="http://schemas.microsoft.com/office/drawing/2014/main" id="{0309A167-194F-49E3-A8C7-133C659DDBF3}"/>
+              </a:ext>
+            </a:extLst>
+          </p:cNvPr>
+          <p:cNvSpPr/>
+          <p:nvPr/>
+        </p:nvSpPr>
+        <p:spPr>
+          <a:xfrm>
+            <a:off x="2148710" y="649970"/>
+            <a:ext cx="2520271" cy="839718"/>
+          </a:xfrm>
+          <a:prstGeom prst="flowChartAlternateProcess">
+            <a:avLst/>
+          </a:prstGeom>
+          <a:solidFill>
+            <a:schemeClr val="accent1">
+              <a:lumMod val="50000"/>
+            </a:schemeClr>
+          </a:solidFill>
+          <a:ln/>
+        </p:spPr>
+        <p:style>
+          <a:lnRef idx="0">
+            <a:schemeClr val="accent6"/>
+          </a:lnRef>
+          <a:fillRef idx="3">
+            <a:schemeClr val="accent6"/>
+          </a:fillRef>
+          <a:effectRef idx="3">
+            <a:schemeClr val="accent6"/>
+          </a:effectRef>
+          <a:fontRef idx="minor">
+            <a:schemeClr val="lt1"/>
+          </a:fontRef>
+        </p:style>
+        <p:txBody>
+          <a:bodyPr wrap="square" rtlCol="0" anchor="ctr">
+            <a:noAutofit/>
+          </a:bodyPr>
+          <a:lstStyle/>
+          <a:p>
+            <a:pPr algn="ctr"/>
+            <a:endParaRPr lang="en-US" sz="1400" b="1" dirty="0">
+              <a:solidFill>
+                <a:schemeClr val="tx1">
+                  <a:lumMod val="85000"/>
+                  <a:lumOff val="15000"/>
+                </a:schemeClr>
+              </a:solidFill>
+            </a:endParaRPr>
+          </a:p>
+        </p:txBody>
+      </p:sp>
+      <p:sp>
+        <p:nvSpPr>
+          <p:cNvPr id="5" name="Text Placeholder 10">
+            <a:extLst>
+              <a:ext uri="{FF2B5EF4-FFF2-40B4-BE49-F238E27FC236}">
+                <a16:creationId xmlns:a16="http://schemas.microsoft.com/office/drawing/2014/main" id="{ED2DF37D-169B-4384-8CDB-4E201516355F}"/>
+              </a:ext>
+            </a:extLst>
+          </p:cNvPr>
+          <p:cNvSpPr txBox="1">
+            <a:spLocks/>
+          </p:cNvSpPr>
+          <p:nvPr/>
+        </p:nvSpPr>
+        <p:spPr>
+          <a:xfrm>
+            <a:off x="1260765" y="739699"/>
+            <a:ext cx="887945" cy="749989"/>
+          </a:xfrm>
+          <a:prstGeom prst="rect">
+            <a:avLst/>
+          </a:prstGeom>
+        </p:spPr>
+        <p:txBody>
+          <a:bodyPr/>
+          <a:lstStyle>
+            <a:lvl1pPr marL="228600" indent="-228600" algn="l" defTabSz="914400" rtl="0" eaLnBrk="1" latinLnBrk="0" hangingPunct="1">
+              <a:lnSpc>
+                <a:spcPct val="90000"/>
+              </a:lnSpc>
+              <a:spcBef>
+                <a:spcPts val="1000"/>
+              </a:spcBef>
+              <a:buFont typeface="Arial" panose="020B0604020202020204" pitchFamily="34" charset="0"/>
+              <a:buChar char="•"/>
+              <a:defRPr sz="2800" kern="1200">
+                <a:solidFill>
+                  <a:schemeClr val="tx1"/>
+                </a:solidFill>
+                <a:latin typeface="+mn-lt"/>
+                <a:ea typeface="+mn-ea"/>
+                <a:cs typeface="+mn-cs"/>
+              </a:defRPr>
+            </a:lvl1pPr>
+            <a:lvl2pPr marL="685800" indent="-228600" algn="l" defTabSz="914400" rtl="0" eaLnBrk="1" latinLnBrk="0" hangingPunct="1">
+              <a:lnSpc>
+                <a:spcPct val="90000"/>
+              </a:lnSpc>
+              <a:spcBef>
+                <a:spcPts val="500"/>
+              </a:spcBef>
+              <a:buFont typeface="Arial" panose="020B0604020202020204" pitchFamily="34" charset="0"/>
+              <a:buChar char="•"/>
+              <a:defRPr sz="2400" kern="1200">
+                <a:solidFill>
+                  <a:schemeClr val="tx1"/>
+                </a:solidFill>
+                <a:latin typeface="+mn-lt"/>
+                <a:ea typeface="+mn-ea"/>
+                <a:cs typeface="+mn-cs"/>
+              </a:defRPr>
+            </a:lvl2pPr>
+            <a:lvl3pPr marL="1143000" indent="-228600" algn="l" defTabSz="914400" rtl="0" eaLnBrk="1" latinLnBrk="0" hangingPunct="1">
+              <a:lnSpc>
+                <a:spcPct val="90000"/>
+              </a:lnSpc>
+              <a:spcBef>
+                <a:spcPts val="500"/>
+              </a:spcBef>
+              <a:buFont typeface="Arial" panose="020B0604020202020204" pitchFamily="34" charset="0"/>
+              <a:buChar char="•"/>
+              <a:defRPr sz="2000" kern="1200">
+                <a:solidFill>
+                  <a:schemeClr val="tx1"/>
+                </a:solidFill>
+                <a:latin typeface="+mn-lt"/>
+                <a:ea typeface="+mn-ea"/>
+                <a:cs typeface="+mn-cs"/>
+              </a:defRPr>
+            </a:lvl3pPr>
+            <a:lvl4pPr marL="1600200" indent="-228600" algn="l" defTabSz="914400" rtl="0" eaLnBrk="1" latinLnBrk="0" hangingPunct="1">
+              <a:lnSpc>
+                <a:spcPct val="90000"/>
+              </a:lnSpc>
+              <a:spcBef>
+                <a:spcPts val="500"/>
+              </a:spcBef>
+              <a:buFont typeface="Arial" panose="020B0604020202020204" pitchFamily="34" charset="0"/>
+              <a:buChar char="•"/>
+              <a:defRPr sz="1800" kern="1200">
+                <a:solidFill>
+                  <a:schemeClr val="tx1"/>
+                </a:solidFill>
+                <a:latin typeface="+mn-lt"/>
+                <a:ea typeface="+mn-ea"/>
+                <a:cs typeface="+mn-cs"/>
+              </a:defRPr>
+            </a:lvl4pPr>
+            <a:lvl5pPr marL="2057400" indent="-228600" algn="l" defTabSz="914400" rtl="0" eaLnBrk="1" latinLnBrk="0" hangingPunct="1">
+              <a:lnSpc>
+                <a:spcPct val="90000"/>
+              </a:lnSpc>
+              <a:spcBef>
+                <a:spcPts val="500"/>
+              </a:spcBef>
+              <a:buFont typeface="Arial" panose="020B0604020202020204" pitchFamily="34" charset="0"/>
+              <a:buChar char="•"/>
+              <a:defRPr sz="1800" kern="1200">
+                <a:solidFill>
+                  <a:schemeClr val="tx1"/>
+                </a:solidFill>
+                <a:latin typeface="+mn-lt"/>
+                <a:ea typeface="+mn-ea"/>
+                <a:cs typeface="+mn-cs"/>
+              </a:defRPr>
+            </a:lvl5pPr>
+            <a:lvl6pPr marL="2514600" indent="-228600" algn="l" defTabSz="914400" rtl="0" eaLnBrk="1" latinLnBrk="0" hangingPunct="1">
+              <a:lnSpc>
+                <a:spcPct val="90000"/>
+              </a:lnSpc>
+              <a:spcBef>
+                <a:spcPts val="500"/>
+              </a:spcBef>
+              <a:buFont typeface="Arial" panose="020B0604020202020204" pitchFamily="34" charset="0"/>
+              <a:buChar char="•"/>
+              <a:defRPr sz="1800" kern="1200">
+                <a:solidFill>
+                  <a:schemeClr val="tx1"/>
+                </a:solidFill>
+                <a:latin typeface="+mn-lt"/>
+                <a:ea typeface="+mn-ea"/>
+                <a:cs typeface="+mn-cs"/>
+              </a:defRPr>
+            </a:lvl6pPr>
+            <a:lvl7pPr marL="2971800" indent="-228600" algn="l" defTabSz="914400" rtl="0" eaLnBrk="1" latinLnBrk="0" hangingPunct="1">
+              <a:lnSpc>
+                <a:spcPct val="90000"/>
+              </a:lnSpc>
+              <a:spcBef>
+                <a:spcPts val="500"/>
+              </a:spcBef>
+              <a:buFont typeface="Arial" panose="020B0604020202020204" pitchFamily="34" charset="0"/>
+              <a:buChar char="•"/>
+              <a:defRPr sz="1800" kern="1200">
+                <a:solidFill>
+                  <a:schemeClr val="tx1"/>
+                </a:solidFill>
+                <a:latin typeface="+mn-lt"/>
+                <a:ea typeface="+mn-ea"/>
+                <a:cs typeface="+mn-cs"/>
+              </a:defRPr>
+            </a:lvl7pPr>
+            <a:lvl8pPr marL="3429000" indent="-228600" algn="l" defTabSz="914400" rtl="0" eaLnBrk="1" latinLnBrk="0" hangingPunct="1">
+              <a:lnSpc>
+                <a:spcPct val="90000"/>
+              </a:lnSpc>
+              <a:spcBef>
+                <a:spcPts val="500"/>
+              </a:spcBef>
+              <a:buFont typeface="Arial" panose="020B0604020202020204" pitchFamily="34" charset="0"/>
+              <a:buChar char="•"/>
+              <a:defRPr sz="1800" kern="1200">
+                <a:solidFill>
+                  <a:schemeClr val="tx1"/>
+                </a:solidFill>
+                <a:latin typeface="+mn-lt"/>
+                <a:ea typeface="+mn-ea"/>
+                <a:cs typeface="+mn-cs"/>
+              </a:defRPr>
+            </a:lvl8pPr>
+            <a:lvl9pPr marL="3886200" indent="-228600" algn="l" defTabSz="914400" rtl="0" eaLnBrk="1" latinLnBrk="0" hangingPunct="1">
+              <a:lnSpc>
+                <a:spcPct val="90000"/>
+              </a:lnSpc>
+              <a:spcBef>
+                <a:spcPts val="500"/>
+              </a:spcBef>
+              <a:buFont typeface="Arial" panose="020B0604020202020204" pitchFamily="34" charset="0"/>
+              <a:buChar char="•"/>
+              <a:defRPr sz="1800" kern="1200">
+                <a:solidFill>
+                  <a:schemeClr val="tx1"/>
+                </a:solidFill>
+                <a:latin typeface="+mn-lt"/>
+                <a:ea typeface="+mn-ea"/>
+                <a:cs typeface="+mn-cs"/>
+              </a:defRPr>
+            </a:lvl9pPr>
+          </a:lstStyle>
+          <a:p>
+            <a:pPr marL="0" indent="0">
+              <a:buNone/>
+            </a:pPr>
+            <a:r>
+              <a:rPr lang="en-US" sz="4400" b="1" dirty="0"/>
+              <a:t>2)</a:t>
+            </a:r>
+            <a:r>
+              <a:rPr lang="en-US" sz="4400" dirty="0"/>
+              <a:t>    </a:t>
+            </a:r>
+            <a:endParaRPr lang="en-US" sz="4400" dirty="0">
+              <a:solidFill>
+                <a:schemeClr val="accent6">
+                  <a:lumMod val="50000"/>
+                </a:schemeClr>
+              </a:solidFill>
+              <a:latin typeface="+mj-lt"/>
+            </a:endParaRPr>
+          </a:p>
+        </p:txBody>
+      </p:sp>
+      <p:sp>
+        <p:nvSpPr>
+          <p:cNvPr id="7" name="Text Placeholder 10">
+            <a:extLst>
+              <a:ext uri="{FF2B5EF4-FFF2-40B4-BE49-F238E27FC236}">
+                <a16:creationId xmlns:a16="http://schemas.microsoft.com/office/drawing/2014/main" id="{B4500D03-A13F-4703-A793-8689577D4EB8}"/>
+              </a:ext>
+            </a:extLst>
+          </p:cNvPr>
+          <p:cNvSpPr txBox="1">
+            <a:spLocks/>
+          </p:cNvSpPr>
+          <p:nvPr/>
+        </p:nvSpPr>
+        <p:spPr>
+          <a:xfrm>
+            <a:off x="2313710" y="739699"/>
+            <a:ext cx="5403272" cy="749989"/>
+          </a:xfrm>
+          <a:prstGeom prst="rect">
+            <a:avLst/>
+          </a:prstGeom>
+        </p:spPr>
+        <p:txBody>
+          <a:bodyPr/>
+          <a:lstStyle>
+            <a:lvl1pPr marL="228600" indent="-228600" algn="l" defTabSz="914400" rtl="0" eaLnBrk="1" latinLnBrk="0" hangingPunct="1">
+              <a:lnSpc>
+                <a:spcPct val="90000"/>
+              </a:lnSpc>
+              <a:spcBef>
+                <a:spcPts val="1000"/>
+              </a:spcBef>
+              <a:buFont typeface="Arial" panose="020B0604020202020204" pitchFamily="34" charset="0"/>
+              <a:buChar char="•"/>
+              <a:defRPr sz="2800" kern="1200">
+                <a:solidFill>
+                  <a:schemeClr val="tx1"/>
+                </a:solidFill>
+                <a:latin typeface="+mn-lt"/>
+                <a:ea typeface="+mn-ea"/>
+                <a:cs typeface="+mn-cs"/>
+              </a:defRPr>
+            </a:lvl1pPr>
+            <a:lvl2pPr marL="685800" indent="-228600" algn="l" defTabSz="914400" rtl="0" eaLnBrk="1" latinLnBrk="0" hangingPunct="1">
+              <a:lnSpc>
+                <a:spcPct val="90000"/>
+              </a:lnSpc>
+              <a:spcBef>
+                <a:spcPts val="500"/>
+              </a:spcBef>
+              <a:buFont typeface="Arial" panose="020B0604020202020204" pitchFamily="34" charset="0"/>
+              <a:buChar char="•"/>
+              <a:defRPr sz="2400" kern="1200">
+                <a:solidFill>
+                  <a:schemeClr val="tx1"/>
+                </a:solidFill>
+                <a:latin typeface="+mn-lt"/>
+                <a:ea typeface="+mn-ea"/>
+                <a:cs typeface="+mn-cs"/>
+              </a:defRPr>
+            </a:lvl2pPr>
+            <a:lvl3pPr marL="1143000" indent="-228600" algn="l" defTabSz="914400" rtl="0" eaLnBrk="1" latinLnBrk="0" hangingPunct="1">
+              <a:lnSpc>
+                <a:spcPct val="90000"/>
+              </a:lnSpc>
+              <a:spcBef>
+                <a:spcPts val="500"/>
+              </a:spcBef>
+              <a:buFont typeface="Arial" panose="020B0604020202020204" pitchFamily="34" charset="0"/>
+              <a:buChar char="•"/>
+              <a:defRPr sz="2000" kern="1200">
+                <a:solidFill>
+                  <a:schemeClr val="tx1"/>
+                </a:solidFill>
+                <a:latin typeface="+mn-lt"/>
+                <a:ea typeface="+mn-ea"/>
+                <a:cs typeface="+mn-cs"/>
+              </a:defRPr>
+            </a:lvl3pPr>
+            <a:lvl4pPr marL="1600200" indent="-228600" algn="l" defTabSz="914400" rtl="0" eaLnBrk="1" latinLnBrk="0" hangingPunct="1">
+              <a:lnSpc>
+                <a:spcPct val="90000"/>
+              </a:lnSpc>
+              <a:spcBef>
+                <a:spcPts val="500"/>
+              </a:spcBef>
+              <a:buFont typeface="Arial" panose="020B0604020202020204" pitchFamily="34" charset="0"/>
+              <a:buChar char="•"/>
+              <a:defRPr sz="1800" kern="1200">
+                <a:solidFill>
+                  <a:schemeClr val="tx1"/>
+                </a:solidFill>
+                <a:latin typeface="+mn-lt"/>
+                <a:ea typeface="+mn-ea"/>
+                <a:cs typeface="+mn-cs"/>
+              </a:defRPr>
+            </a:lvl4pPr>
+            <a:lvl5pPr marL="2057400" indent="-228600" algn="l" defTabSz="914400" rtl="0" eaLnBrk="1" latinLnBrk="0" hangingPunct="1">
+              <a:lnSpc>
+                <a:spcPct val="90000"/>
+              </a:lnSpc>
+              <a:spcBef>
+                <a:spcPts val="500"/>
+              </a:spcBef>
+              <a:buFont typeface="Arial" panose="020B0604020202020204" pitchFamily="34" charset="0"/>
+              <a:buChar char="•"/>
+              <a:defRPr sz="1800" kern="1200">
+                <a:solidFill>
+                  <a:schemeClr val="tx1"/>
+                </a:solidFill>
+                <a:latin typeface="+mn-lt"/>
+                <a:ea typeface="+mn-ea"/>
+                <a:cs typeface="+mn-cs"/>
+              </a:defRPr>
+            </a:lvl5pPr>
+            <a:lvl6pPr marL="2514600" indent="-228600" algn="l" defTabSz="914400" rtl="0" eaLnBrk="1" latinLnBrk="0" hangingPunct="1">
+              <a:lnSpc>
+                <a:spcPct val="90000"/>
+              </a:lnSpc>
+              <a:spcBef>
+                <a:spcPts val="500"/>
+              </a:spcBef>
+              <a:buFont typeface="Arial" panose="020B0604020202020204" pitchFamily="34" charset="0"/>
+              <a:buChar char="•"/>
+              <a:defRPr sz="1800" kern="1200">
+                <a:solidFill>
+                  <a:schemeClr val="tx1"/>
+                </a:solidFill>
+                <a:latin typeface="+mn-lt"/>
+                <a:ea typeface="+mn-ea"/>
+                <a:cs typeface="+mn-cs"/>
+              </a:defRPr>
+            </a:lvl6pPr>
+            <a:lvl7pPr marL="2971800" indent="-228600" algn="l" defTabSz="914400" rtl="0" eaLnBrk="1" latinLnBrk="0" hangingPunct="1">
+              <a:lnSpc>
+                <a:spcPct val="90000"/>
+              </a:lnSpc>
+              <a:spcBef>
+                <a:spcPts val="500"/>
+              </a:spcBef>
+              <a:buFont typeface="Arial" panose="020B0604020202020204" pitchFamily="34" charset="0"/>
+              <a:buChar char="•"/>
+              <a:defRPr sz="1800" kern="1200">
+                <a:solidFill>
+                  <a:schemeClr val="tx1"/>
+                </a:solidFill>
+                <a:latin typeface="+mn-lt"/>
+                <a:ea typeface="+mn-ea"/>
+                <a:cs typeface="+mn-cs"/>
+              </a:defRPr>
+            </a:lvl7pPr>
+            <a:lvl8pPr marL="3429000" indent="-228600" algn="l" defTabSz="914400" rtl="0" eaLnBrk="1" latinLnBrk="0" hangingPunct="1">
+              <a:lnSpc>
+                <a:spcPct val="90000"/>
+              </a:lnSpc>
+              <a:spcBef>
+                <a:spcPts val="500"/>
+              </a:spcBef>
+              <a:buFont typeface="Arial" panose="020B0604020202020204" pitchFamily="34" charset="0"/>
+              <a:buChar char="•"/>
+              <a:defRPr sz="1800" kern="1200">
+                <a:solidFill>
+                  <a:schemeClr val="tx1"/>
+                </a:solidFill>
+                <a:latin typeface="+mn-lt"/>
+                <a:ea typeface="+mn-ea"/>
+                <a:cs typeface="+mn-cs"/>
+              </a:defRPr>
+            </a:lvl8pPr>
+            <a:lvl9pPr marL="3886200" indent="-228600" algn="l" defTabSz="914400" rtl="0" eaLnBrk="1" latinLnBrk="0" hangingPunct="1">
+              <a:lnSpc>
+                <a:spcPct val="90000"/>
+              </a:lnSpc>
+              <a:spcBef>
+                <a:spcPts val="500"/>
+              </a:spcBef>
+              <a:buFont typeface="Arial" panose="020B0604020202020204" pitchFamily="34" charset="0"/>
+              <a:buChar char="•"/>
+              <a:defRPr sz="1800" kern="1200">
+                <a:solidFill>
+                  <a:schemeClr val="tx1"/>
+                </a:solidFill>
+                <a:latin typeface="+mn-lt"/>
+                <a:ea typeface="+mn-ea"/>
+                <a:cs typeface="+mn-cs"/>
+              </a:defRPr>
+            </a:lvl9pPr>
+          </a:lstStyle>
+          <a:p>
+            <a:pPr marL="0" indent="0">
+              <a:buNone/>
+            </a:pPr>
+            <a:r>
+              <a:rPr lang="en-US" sz="4400" b="1" dirty="0">
+                <a:solidFill>
+                  <a:schemeClr val="accent4">
+                    <a:lumMod val="20000"/>
+                    <a:lumOff val="80000"/>
+                  </a:schemeClr>
+                </a:solidFill>
+                <a:latin typeface="+mj-lt"/>
+              </a:rPr>
+              <a:t>Gathering </a:t>
+            </a:r>
+            <a:r>
+              <a:rPr lang="en-US" sz="4400" b="1" dirty="0">
+                <a:solidFill>
+                  <a:schemeClr val="accent4">
+                    <a:lumMod val="50000"/>
+                  </a:schemeClr>
+                </a:solidFill>
+                <a:latin typeface="+mj-lt"/>
+              </a:rPr>
+              <a:t>Data</a:t>
+            </a:r>
+            <a:endParaRPr lang="en-US" sz="4400" dirty="0">
+              <a:solidFill>
+                <a:schemeClr val="accent4">
+                  <a:lumMod val="50000"/>
+                </a:schemeClr>
+              </a:solidFill>
+              <a:latin typeface="+mj-lt"/>
+            </a:endParaRPr>
+          </a:p>
+        </p:txBody>
+      </p:sp>
+      <p:pic>
+        <p:nvPicPr>
+          <p:cNvPr id="1026" name="Picture 2" descr="https://www.kaggleusercontent.com/kf/2560548/eyJhbGciOiJkaXIiLCJlbmMiOiJBMTI4Q0JDLUhTMjU2In0..w50XmbDFaNqFkZitmYvg7Q.OD_MjxddW6aM9QcGZxZEi1RTnH4L7WFY6HSNrJ6z5T6njc2BSbc3jOZN9qud_MHHz6UFwSF1_W85kQp7Kp-BGzbn3Jl7frJlYZSkF3rmRAhRH7RcIYip_153tGwRieK_N1FfADQUmIr4s0XwzDhbmPJlHCZRUZdbH77zAUcdDhc.WE3EV7arucRbWsk_rQR4Fg/__results___files/__results___7_0.png">
+            <a:extLst>
+              <a:ext uri="{FF2B5EF4-FFF2-40B4-BE49-F238E27FC236}">
+                <a16:creationId xmlns:a16="http://schemas.microsoft.com/office/drawing/2014/main" id="{E5A352C8-41FC-41EF-921B-3E8E725AFAAB}"/>
+              </a:ext>
+            </a:extLst>
+          </p:cNvPr>
+          <p:cNvPicPr>
+            <a:picLocks noChangeAspect="1" noChangeArrowheads="1"/>
+          </p:cNvPicPr>
+          <p:nvPr/>
+        </p:nvPicPr>
+        <p:blipFill>
+          <a:blip r:embed="rId2">
+            <a:extLst>
+              <a:ext uri="{28A0092B-C50C-407E-A947-70E740481C1C}">
+                <a14:useLocalDpi xmlns:a14="http://schemas.microsoft.com/office/drawing/2010/main" val="0"/>
+              </a:ext>
+            </a:extLst>
+          </a:blip>
+          <a:srcRect/>
+          <a:stretch>
+            <a:fillRect/>
+          </a:stretch>
+        </p:blipFill>
+        <p:spPr bwMode="auto">
+          <a:xfrm>
+            <a:off x="1001614" y="1785132"/>
+            <a:ext cx="10188772" cy="5532186"/>
+          </a:xfrm>
+          <a:prstGeom prst="rect">
+            <a:avLst/>
+          </a:prstGeom>
+          <a:noFill/>
+          <a:extLst>
+            <a:ext uri="{909E8E84-426E-40DD-AFC4-6F175D3DCCD1}">
+              <a14:hiddenFill xmlns:a14="http://schemas.microsoft.com/office/drawing/2010/main">
+                <a:solidFill>
+                  <a:srgbClr val="FFFFFF"/>
+                </a:solidFill>
+              </a14:hiddenFill>
+            </a:ext>
+          </a:extLst>
+        </p:spPr>
+      </p:pic>
+    </p:spTree>
+    <p:extLst>
+      <p:ext uri="{BB962C8B-B14F-4D97-AF65-F5344CB8AC3E}">
+        <p14:creationId xmlns:p14="http://schemas.microsoft.com/office/powerpoint/2010/main" val="1096810902"/>
+      </p:ext>
+    </p:extLst>
+  </p:cSld>
+  <p:clrMapOvr>
+    <a:masterClrMapping/>
+  </p:clrMapOvr>
+</p:sld>
+</file>
+
+<file path=ppt/slides/slide7.xml><?xml version="1.0" encoding="utf-8"?>
+<p:sld xmlns:a="http://schemas.openxmlformats.org/drawingml/2006/main" xmlns:r="http://schemas.openxmlformats.org/officeDocument/2006/relationships" xmlns:p="http://schemas.openxmlformats.org/presentationml/2006/main">
+  <p:cSld>
+    <p:spTree>
+      <p:nvGrpSpPr>
+        <p:cNvPr id="1" name=""/>
+        <p:cNvGrpSpPr/>
+        <p:nvPr/>
+      </p:nvGrpSpPr>
+      <p:grpSpPr>
+        <a:xfrm>
+          <a:off x="0" y="0"/>
+          <a:ext cx="0" cy="0"/>
+          <a:chOff x="0" y="0"/>
+          <a:chExt cx="0" cy="0"/>
+        </a:xfrm>
+      </p:grpSpPr>
+      <p:pic>
+        <p:nvPicPr>
+          <p:cNvPr id="12" name="Picture 11">
+            <a:extLst>
+              <a:ext uri="{FF2B5EF4-FFF2-40B4-BE49-F238E27FC236}">
+                <a16:creationId xmlns:a16="http://schemas.microsoft.com/office/drawing/2014/main" id="{40EAD0A8-B04A-47AE-A223-53366D665282}"/>
+              </a:ext>
+            </a:extLst>
+          </p:cNvPr>
+          <p:cNvPicPr>
+            <a:picLocks noChangeAspect="1"/>
+          </p:cNvPicPr>
+          <p:nvPr/>
+        </p:nvPicPr>
+        <p:blipFill>
+          <a:blip r:embed="rId2"/>
+          <a:stretch>
+            <a:fillRect/>
+          </a:stretch>
+        </p:blipFill>
+        <p:spPr>
+          <a:xfrm>
+            <a:off x="221672" y="2573595"/>
+            <a:ext cx="5652655" cy="4407338"/>
+          </a:xfrm>
+          <a:prstGeom prst="rect">
+            <a:avLst/>
+          </a:prstGeom>
+        </p:spPr>
+      </p:pic>
+      <p:sp>
+        <p:nvSpPr>
+          <p:cNvPr id="6" name="Flowchart: Alternate Process 5">
+            <a:extLst>
+              <a:ext uri="{FF2B5EF4-FFF2-40B4-BE49-F238E27FC236}">
+                <a16:creationId xmlns:a16="http://schemas.microsoft.com/office/drawing/2014/main" id="{0309A167-194F-49E3-A8C7-133C659DDBF3}"/>
+              </a:ext>
+            </a:extLst>
+          </p:cNvPr>
+          <p:cNvSpPr/>
+          <p:nvPr/>
+        </p:nvSpPr>
+        <p:spPr>
+          <a:xfrm>
+            <a:off x="2148710" y="649970"/>
+            <a:ext cx="2520271" cy="839718"/>
+          </a:xfrm>
+          <a:prstGeom prst="flowChartAlternateProcess">
+            <a:avLst/>
+          </a:prstGeom>
+          <a:solidFill>
+            <a:schemeClr val="accent1">
+              <a:lumMod val="50000"/>
+            </a:schemeClr>
+          </a:solidFill>
+          <a:ln/>
+        </p:spPr>
+        <p:style>
+          <a:lnRef idx="0">
+            <a:schemeClr val="accent6"/>
+          </a:lnRef>
+          <a:fillRef idx="3">
+            <a:schemeClr val="accent6"/>
+          </a:fillRef>
+          <a:effectRef idx="3">
+            <a:schemeClr val="accent6"/>
+          </a:effectRef>
+          <a:fontRef idx="minor">
+            <a:schemeClr val="lt1"/>
+          </a:fontRef>
+        </p:style>
+        <p:txBody>
+          <a:bodyPr wrap="square" rtlCol="0" anchor="ctr">
+            <a:noAutofit/>
+          </a:bodyPr>
+          <a:lstStyle/>
+          <a:p>
+            <a:pPr algn="ctr"/>
+            <a:endParaRPr lang="en-US" sz="1400" b="1" dirty="0">
+              <a:solidFill>
+                <a:schemeClr val="tx1">
+                  <a:lumMod val="85000"/>
+                  <a:lumOff val="15000"/>
+                </a:schemeClr>
+              </a:solidFill>
+            </a:endParaRPr>
+          </a:p>
+        </p:txBody>
+      </p:sp>
+      <p:sp>
+        <p:nvSpPr>
+          <p:cNvPr id="5" name="Text Placeholder 10">
+            <a:extLst>
+              <a:ext uri="{FF2B5EF4-FFF2-40B4-BE49-F238E27FC236}">
+                <a16:creationId xmlns:a16="http://schemas.microsoft.com/office/drawing/2014/main" id="{ED2DF37D-169B-4384-8CDB-4E201516355F}"/>
+              </a:ext>
+            </a:extLst>
+          </p:cNvPr>
+          <p:cNvSpPr txBox="1">
+            <a:spLocks/>
+          </p:cNvSpPr>
+          <p:nvPr/>
+        </p:nvSpPr>
+        <p:spPr>
+          <a:xfrm>
+            <a:off x="1260765" y="739699"/>
+            <a:ext cx="887945" cy="749989"/>
+          </a:xfrm>
+          <a:prstGeom prst="rect">
+            <a:avLst/>
+          </a:prstGeom>
+        </p:spPr>
+        <p:txBody>
+          <a:bodyPr/>
+          <a:lstStyle>
+            <a:lvl1pPr marL="228600" indent="-228600" algn="l" defTabSz="914400" rtl="0" eaLnBrk="1" latinLnBrk="0" hangingPunct="1">
+              <a:lnSpc>
+                <a:spcPct val="90000"/>
+              </a:lnSpc>
+              <a:spcBef>
+                <a:spcPts val="1000"/>
+              </a:spcBef>
+              <a:buFont typeface="Arial" panose="020B0604020202020204" pitchFamily="34" charset="0"/>
+              <a:buChar char="•"/>
+              <a:defRPr sz="2800" kern="1200">
+                <a:solidFill>
+                  <a:schemeClr val="tx1"/>
+                </a:solidFill>
+                <a:latin typeface="+mn-lt"/>
+                <a:ea typeface="+mn-ea"/>
+                <a:cs typeface="+mn-cs"/>
+              </a:defRPr>
+            </a:lvl1pPr>
+            <a:lvl2pPr marL="685800" indent="-228600" algn="l" defTabSz="914400" rtl="0" eaLnBrk="1" latinLnBrk="0" hangingPunct="1">
+              <a:lnSpc>
+                <a:spcPct val="90000"/>
+              </a:lnSpc>
+              <a:spcBef>
+                <a:spcPts val="500"/>
+              </a:spcBef>
+              <a:buFont typeface="Arial" panose="020B0604020202020204" pitchFamily="34" charset="0"/>
+              <a:buChar char="•"/>
+              <a:defRPr sz="2400" kern="1200">
+                <a:solidFill>
+                  <a:schemeClr val="tx1"/>
+                </a:solidFill>
+                <a:latin typeface="+mn-lt"/>
+                <a:ea typeface="+mn-ea"/>
+                <a:cs typeface="+mn-cs"/>
+              </a:defRPr>
+            </a:lvl2pPr>
+            <a:lvl3pPr marL="1143000" indent="-228600" algn="l" defTabSz="914400" rtl="0" eaLnBrk="1" latinLnBrk="0" hangingPunct="1">
+              <a:lnSpc>
+                <a:spcPct val="90000"/>
+              </a:lnSpc>
+              <a:spcBef>
+                <a:spcPts val="500"/>
+              </a:spcBef>
+              <a:buFont typeface="Arial" panose="020B0604020202020204" pitchFamily="34" charset="0"/>
+              <a:buChar char="•"/>
+              <a:defRPr sz="2000" kern="1200">
+                <a:solidFill>
+                  <a:schemeClr val="tx1"/>
+                </a:solidFill>
+                <a:latin typeface="+mn-lt"/>
+                <a:ea typeface="+mn-ea"/>
+                <a:cs typeface="+mn-cs"/>
+              </a:defRPr>
+            </a:lvl3pPr>
+            <a:lvl4pPr marL="1600200" indent="-228600" algn="l" defTabSz="914400" rtl="0" eaLnBrk="1" latinLnBrk="0" hangingPunct="1">
+              <a:lnSpc>
+                <a:spcPct val="90000"/>
+              </a:lnSpc>
+              <a:spcBef>
+                <a:spcPts val="500"/>
+              </a:spcBef>
+              <a:buFont typeface="Arial" panose="020B0604020202020204" pitchFamily="34" charset="0"/>
+              <a:buChar char="•"/>
+              <a:defRPr sz="1800" kern="1200">
+                <a:solidFill>
+                  <a:schemeClr val="tx1"/>
+                </a:solidFill>
+                <a:latin typeface="+mn-lt"/>
+                <a:ea typeface="+mn-ea"/>
+                <a:cs typeface="+mn-cs"/>
+              </a:defRPr>
+            </a:lvl4pPr>
+            <a:lvl5pPr marL="2057400" indent="-228600" algn="l" defTabSz="914400" rtl="0" eaLnBrk="1" latinLnBrk="0" hangingPunct="1">
+              <a:lnSpc>
+                <a:spcPct val="90000"/>
+              </a:lnSpc>
+              <a:spcBef>
+                <a:spcPts val="500"/>
+              </a:spcBef>
+              <a:buFont typeface="Arial" panose="020B0604020202020204" pitchFamily="34" charset="0"/>
+              <a:buChar char="•"/>
+              <a:defRPr sz="1800" kern="1200">
+                <a:solidFill>
+                  <a:schemeClr val="tx1"/>
+                </a:solidFill>
+                <a:latin typeface="+mn-lt"/>
+                <a:ea typeface="+mn-ea"/>
+                <a:cs typeface="+mn-cs"/>
+              </a:defRPr>
+            </a:lvl5pPr>
+            <a:lvl6pPr marL="2514600" indent="-228600" algn="l" defTabSz="914400" rtl="0" eaLnBrk="1" latinLnBrk="0" hangingPunct="1">
+              <a:lnSpc>
+                <a:spcPct val="90000"/>
+              </a:lnSpc>
+              <a:spcBef>
+                <a:spcPts val="500"/>
+              </a:spcBef>
+              <a:buFont typeface="Arial" panose="020B0604020202020204" pitchFamily="34" charset="0"/>
+              <a:buChar char="•"/>
+              <a:defRPr sz="1800" kern="1200">
+                <a:solidFill>
+                  <a:schemeClr val="tx1"/>
+                </a:solidFill>
+                <a:latin typeface="+mn-lt"/>
+                <a:ea typeface="+mn-ea"/>
+                <a:cs typeface="+mn-cs"/>
+              </a:defRPr>
+            </a:lvl6pPr>
+            <a:lvl7pPr marL="2971800" indent="-228600" algn="l" defTabSz="914400" rtl="0" eaLnBrk="1" latinLnBrk="0" hangingPunct="1">
+              <a:lnSpc>
+                <a:spcPct val="90000"/>
+              </a:lnSpc>
+              <a:spcBef>
+                <a:spcPts val="500"/>
+              </a:spcBef>
+              <a:buFont typeface="Arial" panose="020B0604020202020204" pitchFamily="34" charset="0"/>
+              <a:buChar char="•"/>
+              <a:defRPr sz="1800" kern="1200">
+                <a:solidFill>
+                  <a:schemeClr val="tx1"/>
+                </a:solidFill>
+                <a:latin typeface="+mn-lt"/>
+                <a:ea typeface="+mn-ea"/>
+                <a:cs typeface="+mn-cs"/>
+              </a:defRPr>
+            </a:lvl7pPr>
+            <a:lvl8pPr marL="3429000" indent="-228600" algn="l" defTabSz="914400" rtl="0" eaLnBrk="1" latinLnBrk="0" hangingPunct="1">
+              <a:lnSpc>
+                <a:spcPct val="90000"/>
+              </a:lnSpc>
+              <a:spcBef>
+                <a:spcPts val="500"/>
+              </a:spcBef>
+              <a:buFont typeface="Arial" panose="020B0604020202020204" pitchFamily="34" charset="0"/>
+              <a:buChar char="•"/>
+              <a:defRPr sz="1800" kern="1200">
+                <a:solidFill>
+                  <a:schemeClr val="tx1"/>
+                </a:solidFill>
+                <a:latin typeface="+mn-lt"/>
+                <a:ea typeface="+mn-ea"/>
+                <a:cs typeface="+mn-cs"/>
+              </a:defRPr>
+            </a:lvl8pPr>
+            <a:lvl9pPr marL="3886200" indent="-228600" algn="l" defTabSz="914400" rtl="0" eaLnBrk="1" latinLnBrk="0" hangingPunct="1">
+              <a:lnSpc>
+                <a:spcPct val="90000"/>
+              </a:lnSpc>
+              <a:spcBef>
+                <a:spcPts val="500"/>
+              </a:spcBef>
+              <a:buFont typeface="Arial" panose="020B0604020202020204" pitchFamily="34" charset="0"/>
+              <a:buChar char="•"/>
+              <a:defRPr sz="1800" kern="1200">
+                <a:solidFill>
+                  <a:schemeClr val="tx1"/>
+                </a:solidFill>
+                <a:latin typeface="+mn-lt"/>
+                <a:ea typeface="+mn-ea"/>
+                <a:cs typeface="+mn-cs"/>
+              </a:defRPr>
+            </a:lvl9pPr>
+          </a:lstStyle>
+          <a:p>
+            <a:pPr marL="0" indent="0">
+              <a:buNone/>
+            </a:pPr>
+            <a:r>
+              <a:rPr lang="en-US" sz="4400" b="1" dirty="0"/>
+              <a:t>2)</a:t>
+            </a:r>
+            <a:r>
+              <a:rPr lang="en-US" sz="4400" dirty="0"/>
+              <a:t>    </a:t>
+            </a:r>
+            <a:endParaRPr lang="en-US" sz="4400" dirty="0">
+              <a:solidFill>
+                <a:schemeClr val="accent6">
+                  <a:lumMod val="50000"/>
+                </a:schemeClr>
+              </a:solidFill>
+              <a:latin typeface="+mj-lt"/>
+            </a:endParaRPr>
+          </a:p>
+        </p:txBody>
+      </p:sp>
+      <p:sp>
+        <p:nvSpPr>
+          <p:cNvPr id="7" name="Text Placeholder 10">
+            <a:extLst>
+              <a:ext uri="{FF2B5EF4-FFF2-40B4-BE49-F238E27FC236}">
+                <a16:creationId xmlns:a16="http://schemas.microsoft.com/office/drawing/2014/main" id="{B4500D03-A13F-4703-A793-8689577D4EB8}"/>
+              </a:ext>
+            </a:extLst>
+          </p:cNvPr>
+          <p:cNvSpPr txBox="1">
+            <a:spLocks/>
+          </p:cNvSpPr>
+          <p:nvPr/>
+        </p:nvSpPr>
+        <p:spPr>
+          <a:xfrm>
+            <a:off x="2313710" y="739699"/>
+            <a:ext cx="5403272" cy="749989"/>
+          </a:xfrm>
+          <a:prstGeom prst="rect">
+            <a:avLst/>
+          </a:prstGeom>
+        </p:spPr>
+        <p:txBody>
+          <a:bodyPr/>
+          <a:lstStyle>
+            <a:lvl1pPr marL="228600" indent="-228600" algn="l" defTabSz="914400" rtl="0" eaLnBrk="1" latinLnBrk="0" hangingPunct="1">
+              <a:lnSpc>
+                <a:spcPct val="90000"/>
+              </a:lnSpc>
+              <a:spcBef>
+                <a:spcPts val="1000"/>
+              </a:spcBef>
+              <a:buFont typeface="Arial" panose="020B0604020202020204" pitchFamily="34" charset="0"/>
+              <a:buChar char="•"/>
+              <a:defRPr sz="2800" kern="1200">
+                <a:solidFill>
+                  <a:schemeClr val="tx1"/>
+                </a:solidFill>
+                <a:latin typeface="+mn-lt"/>
+                <a:ea typeface="+mn-ea"/>
+                <a:cs typeface="+mn-cs"/>
+              </a:defRPr>
+            </a:lvl1pPr>
+            <a:lvl2pPr marL="685800" indent="-228600" algn="l" defTabSz="914400" rtl="0" eaLnBrk="1" latinLnBrk="0" hangingPunct="1">
+              <a:lnSpc>
+                <a:spcPct val="90000"/>
+              </a:lnSpc>
+              <a:spcBef>
+                <a:spcPts val="500"/>
+              </a:spcBef>
+              <a:buFont typeface="Arial" panose="020B0604020202020204" pitchFamily="34" charset="0"/>
+              <a:buChar char="•"/>
+              <a:defRPr sz="2400" kern="1200">
+                <a:solidFill>
+                  <a:schemeClr val="tx1"/>
+                </a:solidFill>
+                <a:latin typeface="+mn-lt"/>
+                <a:ea typeface="+mn-ea"/>
+                <a:cs typeface="+mn-cs"/>
+              </a:defRPr>
+            </a:lvl2pPr>
+            <a:lvl3pPr marL="1143000" indent="-228600" algn="l" defTabSz="914400" rtl="0" eaLnBrk="1" latinLnBrk="0" hangingPunct="1">
+              <a:lnSpc>
+                <a:spcPct val="90000"/>
+              </a:lnSpc>
+              <a:spcBef>
+                <a:spcPts val="500"/>
+              </a:spcBef>
+              <a:buFont typeface="Arial" panose="020B0604020202020204" pitchFamily="34" charset="0"/>
+              <a:buChar char="•"/>
+              <a:defRPr sz="2000" kern="1200">
+                <a:solidFill>
+                  <a:schemeClr val="tx1"/>
+                </a:solidFill>
+                <a:latin typeface="+mn-lt"/>
+                <a:ea typeface="+mn-ea"/>
+                <a:cs typeface="+mn-cs"/>
+              </a:defRPr>
+            </a:lvl3pPr>
+            <a:lvl4pPr marL="1600200" indent="-228600" algn="l" defTabSz="914400" rtl="0" eaLnBrk="1" latinLnBrk="0" hangingPunct="1">
+              <a:lnSpc>
+                <a:spcPct val="90000"/>
+              </a:lnSpc>
+              <a:spcBef>
+                <a:spcPts val="500"/>
+              </a:spcBef>
+              <a:buFont typeface="Arial" panose="020B0604020202020204" pitchFamily="34" charset="0"/>
+              <a:buChar char="•"/>
+              <a:defRPr sz="1800" kern="1200">
+                <a:solidFill>
+                  <a:schemeClr val="tx1"/>
+                </a:solidFill>
+                <a:latin typeface="+mn-lt"/>
+                <a:ea typeface="+mn-ea"/>
+                <a:cs typeface="+mn-cs"/>
+              </a:defRPr>
+            </a:lvl4pPr>
+            <a:lvl5pPr marL="2057400" indent="-228600" algn="l" defTabSz="914400" rtl="0" eaLnBrk="1" latinLnBrk="0" hangingPunct="1">
+              <a:lnSpc>
+                <a:spcPct val="90000"/>
+              </a:lnSpc>
+              <a:spcBef>
+                <a:spcPts val="500"/>
+              </a:spcBef>
+              <a:buFont typeface="Arial" panose="020B0604020202020204" pitchFamily="34" charset="0"/>
+              <a:buChar char="•"/>
+              <a:defRPr sz="1800" kern="1200">
+                <a:solidFill>
+                  <a:schemeClr val="tx1"/>
+                </a:solidFill>
+                <a:latin typeface="+mn-lt"/>
+                <a:ea typeface="+mn-ea"/>
+                <a:cs typeface="+mn-cs"/>
+              </a:defRPr>
+            </a:lvl5pPr>
+            <a:lvl6pPr marL="2514600" indent="-228600" algn="l" defTabSz="914400" rtl="0" eaLnBrk="1" latinLnBrk="0" hangingPunct="1">
+              <a:lnSpc>
+                <a:spcPct val="90000"/>
+              </a:lnSpc>
+              <a:spcBef>
+                <a:spcPts val="500"/>
+              </a:spcBef>
+              <a:buFont typeface="Arial" panose="020B0604020202020204" pitchFamily="34" charset="0"/>
+              <a:buChar char="•"/>
+              <a:defRPr sz="1800" kern="1200">
+                <a:solidFill>
+                  <a:schemeClr val="tx1"/>
+                </a:solidFill>
+                <a:latin typeface="+mn-lt"/>
+                <a:ea typeface="+mn-ea"/>
+                <a:cs typeface="+mn-cs"/>
+              </a:defRPr>
+            </a:lvl6pPr>
+            <a:lvl7pPr marL="2971800" indent="-228600" algn="l" defTabSz="914400" rtl="0" eaLnBrk="1" latinLnBrk="0" hangingPunct="1">
+              <a:lnSpc>
+                <a:spcPct val="90000"/>
+              </a:lnSpc>
+              <a:spcBef>
+                <a:spcPts val="500"/>
+              </a:spcBef>
+              <a:buFont typeface="Arial" panose="020B0604020202020204" pitchFamily="34" charset="0"/>
+              <a:buChar char="•"/>
+              <a:defRPr sz="1800" kern="1200">
+                <a:solidFill>
+                  <a:schemeClr val="tx1"/>
+                </a:solidFill>
+                <a:latin typeface="+mn-lt"/>
+                <a:ea typeface="+mn-ea"/>
+                <a:cs typeface="+mn-cs"/>
+              </a:defRPr>
+            </a:lvl7pPr>
+            <a:lvl8pPr marL="3429000" indent="-228600" algn="l" defTabSz="914400" rtl="0" eaLnBrk="1" latinLnBrk="0" hangingPunct="1">
+              <a:lnSpc>
+                <a:spcPct val="90000"/>
+              </a:lnSpc>
+              <a:spcBef>
+                <a:spcPts val="500"/>
+              </a:spcBef>
+              <a:buFont typeface="Arial" panose="020B0604020202020204" pitchFamily="34" charset="0"/>
+              <a:buChar char="•"/>
+              <a:defRPr sz="1800" kern="1200">
+                <a:solidFill>
+                  <a:schemeClr val="tx1"/>
+                </a:solidFill>
+                <a:latin typeface="+mn-lt"/>
+                <a:ea typeface="+mn-ea"/>
+                <a:cs typeface="+mn-cs"/>
+              </a:defRPr>
+            </a:lvl8pPr>
+            <a:lvl9pPr marL="3886200" indent="-228600" algn="l" defTabSz="914400" rtl="0" eaLnBrk="1" latinLnBrk="0" hangingPunct="1">
+              <a:lnSpc>
+                <a:spcPct val="90000"/>
+              </a:lnSpc>
+              <a:spcBef>
+                <a:spcPts val="500"/>
+              </a:spcBef>
+              <a:buFont typeface="Arial" panose="020B0604020202020204" pitchFamily="34" charset="0"/>
+              <a:buChar char="•"/>
+              <a:defRPr sz="1800" kern="1200">
+                <a:solidFill>
+                  <a:schemeClr val="tx1"/>
+                </a:solidFill>
+                <a:latin typeface="+mn-lt"/>
+                <a:ea typeface="+mn-ea"/>
+                <a:cs typeface="+mn-cs"/>
+              </a:defRPr>
+            </a:lvl9pPr>
+          </a:lstStyle>
+          <a:p>
+            <a:pPr marL="0" indent="0">
+              <a:buNone/>
+            </a:pPr>
+            <a:r>
+              <a:rPr lang="en-US" sz="4400" b="1" dirty="0">
+                <a:solidFill>
+                  <a:schemeClr val="accent4">
+                    <a:lumMod val="20000"/>
+                    <a:lumOff val="80000"/>
+                  </a:schemeClr>
+                </a:solidFill>
+                <a:latin typeface="+mj-lt"/>
+              </a:rPr>
+              <a:t>Gathering </a:t>
+            </a:r>
+            <a:r>
+              <a:rPr lang="en-US" sz="4400" b="1" dirty="0">
+                <a:solidFill>
+                  <a:schemeClr val="accent4">
+                    <a:lumMod val="50000"/>
+                  </a:schemeClr>
+                </a:solidFill>
+                <a:latin typeface="+mj-lt"/>
+              </a:rPr>
+              <a:t>Data</a:t>
+            </a:r>
+            <a:endParaRPr lang="en-US" sz="4400" dirty="0">
+              <a:solidFill>
+                <a:schemeClr val="accent4">
+                  <a:lumMod val="50000"/>
+                </a:schemeClr>
+              </a:solidFill>
+              <a:latin typeface="+mj-lt"/>
+            </a:endParaRPr>
+          </a:p>
+        </p:txBody>
+      </p:sp>
       <p:sp>
         <p:nvSpPr>
           <p:cNvPr id="11" name="TextBox 10">
@@ -20825,7 +23967,7 @@
 </p:sld>
 </file>
 
-<file path=ppt/slides/slide6.xml><?xml version="1.0" encoding="utf-8"?>
+<file path=ppt/slides/slide8.xml><?xml version="1.0" encoding="utf-8"?>
 <p:sld xmlns:a="http://schemas.openxmlformats.org/drawingml/2006/main" xmlns:r="http://schemas.openxmlformats.org/officeDocument/2006/relationships" xmlns:p="http://schemas.openxmlformats.org/presentationml/2006/main">
   <p:cSld>
     <p:spTree>
@@ -21530,7 +24672,7 @@
 </p:sld>
 </file>
 
-<file path=ppt/slides/slide7.xml><?xml version="1.0" encoding="utf-8"?>
+<file path=ppt/slides/slide9.xml><?xml version="1.0" encoding="utf-8"?>
 <p:sld xmlns:a="http://schemas.openxmlformats.org/drawingml/2006/main" xmlns:r="http://schemas.openxmlformats.org/officeDocument/2006/relationships" xmlns:p="http://schemas.openxmlformats.org/presentationml/2006/main">
   <p:cSld>
     <p:spTree>
@@ -22135,1204 +25277,6 @@
     <p:extLst>
       <p:ext uri="{BB962C8B-B14F-4D97-AF65-F5344CB8AC3E}">
         <p14:creationId xmlns:p14="http://schemas.microsoft.com/office/powerpoint/2010/main" val="4177909800"/>
-      </p:ext>
-    </p:extLst>
-  </p:cSld>
-  <p:clrMapOvr>
-    <a:masterClrMapping/>
-  </p:clrMapOvr>
-</p:sld>
-</file>
-
-<file path=ppt/slides/slide8.xml><?xml version="1.0" encoding="utf-8"?>
-<p:sld xmlns:a="http://schemas.openxmlformats.org/drawingml/2006/main" xmlns:r="http://schemas.openxmlformats.org/officeDocument/2006/relationships" xmlns:p="http://schemas.openxmlformats.org/presentationml/2006/main">
-  <p:cSld>
-    <p:spTree>
-      <p:nvGrpSpPr>
-        <p:cNvPr id="1" name=""/>
-        <p:cNvGrpSpPr/>
-        <p:nvPr/>
-      </p:nvGrpSpPr>
-      <p:grpSpPr>
-        <a:xfrm>
-          <a:off x="0" y="0"/>
-          <a:ext cx="0" cy="0"/>
-          <a:chOff x="0" y="0"/>
-          <a:chExt cx="0" cy="0"/>
-        </a:xfrm>
-      </p:grpSpPr>
-      <p:sp>
-        <p:nvSpPr>
-          <p:cNvPr id="6" name="Flowchart: Alternate Process 5">
-            <a:extLst>
-              <a:ext uri="{FF2B5EF4-FFF2-40B4-BE49-F238E27FC236}">
-                <a16:creationId xmlns:a16="http://schemas.microsoft.com/office/drawing/2014/main" id="{0309A167-194F-49E3-A8C7-133C659DDBF3}"/>
-              </a:ext>
-            </a:extLst>
-          </p:cNvPr>
-          <p:cNvSpPr/>
-          <p:nvPr/>
-        </p:nvSpPr>
-        <p:spPr>
-          <a:xfrm>
-            <a:off x="2148711" y="649970"/>
-            <a:ext cx="1398054" cy="839718"/>
-          </a:xfrm>
-          <a:prstGeom prst="flowChartAlternateProcess">
-            <a:avLst/>
-          </a:prstGeom>
-          <a:solidFill>
-            <a:schemeClr val="accent1">
-              <a:lumMod val="50000"/>
-            </a:schemeClr>
-          </a:solidFill>
-          <a:ln/>
-        </p:spPr>
-        <p:style>
-          <a:lnRef idx="0">
-            <a:schemeClr val="accent6"/>
-          </a:lnRef>
-          <a:fillRef idx="3">
-            <a:schemeClr val="accent6"/>
-          </a:fillRef>
-          <a:effectRef idx="3">
-            <a:schemeClr val="accent6"/>
-          </a:effectRef>
-          <a:fontRef idx="minor">
-            <a:schemeClr val="lt1"/>
-          </a:fontRef>
-        </p:style>
-        <p:txBody>
-          <a:bodyPr wrap="square" rtlCol="0" anchor="ctr">
-            <a:noAutofit/>
-          </a:bodyPr>
-          <a:lstStyle/>
-          <a:p>
-            <a:endParaRPr lang="en-US" sz="1400" b="1" dirty="0">
-              <a:solidFill>
-                <a:schemeClr val="tx1">
-                  <a:lumMod val="85000"/>
-                  <a:lumOff val="15000"/>
-                </a:schemeClr>
-              </a:solidFill>
-            </a:endParaRPr>
-          </a:p>
-        </p:txBody>
-      </p:sp>
-      <p:sp>
-        <p:nvSpPr>
-          <p:cNvPr id="5" name="Text Placeholder 10">
-            <a:extLst>
-              <a:ext uri="{FF2B5EF4-FFF2-40B4-BE49-F238E27FC236}">
-                <a16:creationId xmlns:a16="http://schemas.microsoft.com/office/drawing/2014/main" id="{ED2DF37D-169B-4384-8CDB-4E201516355F}"/>
-              </a:ext>
-            </a:extLst>
-          </p:cNvPr>
-          <p:cNvSpPr txBox="1">
-            <a:spLocks/>
-          </p:cNvSpPr>
-          <p:nvPr/>
-        </p:nvSpPr>
-        <p:spPr>
-          <a:xfrm>
-            <a:off x="1260765" y="739699"/>
-            <a:ext cx="887945" cy="749989"/>
-          </a:xfrm>
-          <a:prstGeom prst="rect">
-            <a:avLst/>
-          </a:prstGeom>
-        </p:spPr>
-        <p:txBody>
-          <a:bodyPr/>
-          <a:lstStyle>
-            <a:lvl1pPr marL="228600" indent="-228600" algn="l" defTabSz="914400" rtl="0" eaLnBrk="1" latinLnBrk="0" hangingPunct="1">
-              <a:lnSpc>
-                <a:spcPct val="90000"/>
-              </a:lnSpc>
-              <a:spcBef>
-                <a:spcPts val="1000"/>
-              </a:spcBef>
-              <a:buFont typeface="Arial" panose="020B0604020202020204" pitchFamily="34" charset="0"/>
-              <a:buChar char="•"/>
-              <a:defRPr sz="2800" kern="1200">
-                <a:solidFill>
-                  <a:schemeClr val="tx1"/>
-                </a:solidFill>
-                <a:latin typeface="+mn-lt"/>
-                <a:ea typeface="+mn-ea"/>
-                <a:cs typeface="+mn-cs"/>
-              </a:defRPr>
-            </a:lvl1pPr>
-            <a:lvl2pPr marL="685800" indent="-228600" algn="l" defTabSz="914400" rtl="0" eaLnBrk="1" latinLnBrk="0" hangingPunct="1">
-              <a:lnSpc>
-                <a:spcPct val="90000"/>
-              </a:lnSpc>
-              <a:spcBef>
-                <a:spcPts val="500"/>
-              </a:spcBef>
-              <a:buFont typeface="Arial" panose="020B0604020202020204" pitchFamily="34" charset="0"/>
-              <a:buChar char="•"/>
-              <a:defRPr sz="2400" kern="1200">
-                <a:solidFill>
-                  <a:schemeClr val="tx1"/>
-                </a:solidFill>
-                <a:latin typeface="+mn-lt"/>
-                <a:ea typeface="+mn-ea"/>
-                <a:cs typeface="+mn-cs"/>
-              </a:defRPr>
-            </a:lvl2pPr>
-            <a:lvl3pPr marL="1143000" indent="-228600" algn="l" defTabSz="914400" rtl="0" eaLnBrk="1" latinLnBrk="0" hangingPunct="1">
-              <a:lnSpc>
-                <a:spcPct val="90000"/>
-              </a:lnSpc>
-              <a:spcBef>
-                <a:spcPts val="500"/>
-              </a:spcBef>
-              <a:buFont typeface="Arial" panose="020B0604020202020204" pitchFamily="34" charset="0"/>
-              <a:buChar char="•"/>
-              <a:defRPr sz="2000" kern="1200">
-                <a:solidFill>
-                  <a:schemeClr val="tx1"/>
-                </a:solidFill>
-                <a:latin typeface="+mn-lt"/>
-                <a:ea typeface="+mn-ea"/>
-                <a:cs typeface="+mn-cs"/>
-              </a:defRPr>
-            </a:lvl3pPr>
-            <a:lvl4pPr marL="1600200" indent="-228600" algn="l" defTabSz="914400" rtl="0" eaLnBrk="1" latinLnBrk="0" hangingPunct="1">
-              <a:lnSpc>
-                <a:spcPct val="90000"/>
-              </a:lnSpc>
-              <a:spcBef>
-                <a:spcPts val="500"/>
-              </a:spcBef>
-              <a:buFont typeface="Arial" panose="020B0604020202020204" pitchFamily="34" charset="0"/>
-              <a:buChar char="•"/>
-              <a:defRPr sz="1800" kern="1200">
-                <a:solidFill>
-                  <a:schemeClr val="tx1"/>
-                </a:solidFill>
-                <a:latin typeface="+mn-lt"/>
-                <a:ea typeface="+mn-ea"/>
-                <a:cs typeface="+mn-cs"/>
-              </a:defRPr>
-            </a:lvl4pPr>
-            <a:lvl5pPr marL="2057400" indent="-228600" algn="l" defTabSz="914400" rtl="0" eaLnBrk="1" latinLnBrk="0" hangingPunct="1">
-              <a:lnSpc>
-                <a:spcPct val="90000"/>
-              </a:lnSpc>
-              <a:spcBef>
-                <a:spcPts val="500"/>
-              </a:spcBef>
-              <a:buFont typeface="Arial" panose="020B0604020202020204" pitchFamily="34" charset="0"/>
-              <a:buChar char="•"/>
-              <a:defRPr sz="1800" kern="1200">
-                <a:solidFill>
-                  <a:schemeClr val="tx1"/>
-                </a:solidFill>
-                <a:latin typeface="+mn-lt"/>
-                <a:ea typeface="+mn-ea"/>
-                <a:cs typeface="+mn-cs"/>
-              </a:defRPr>
-            </a:lvl5pPr>
-            <a:lvl6pPr marL="2514600" indent="-228600" algn="l" defTabSz="914400" rtl="0" eaLnBrk="1" latinLnBrk="0" hangingPunct="1">
-              <a:lnSpc>
-                <a:spcPct val="90000"/>
-              </a:lnSpc>
-              <a:spcBef>
-                <a:spcPts val="500"/>
-              </a:spcBef>
-              <a:buFont typeface="Arial" panose="020B0604020202020204" pitchFamily="34" charset="0"/>
-              <a:buChar char="•"/>
-              <a:defRPr sz="1800" kern="1200">
-                <a:solidFill>
-                  <a:schemeClr val="tx1"/>
-                </a:solidFill>
-                <a:latin typeface="+mn-lt"/>
-                <a:ea typeface="+mn-ea"/>
-                <a:cs typeface="+mn-cs"/>
-              </a:defRPr>
-            </a:lvl6pPr>
-            <a:lvl7pPr marL="2971800" indent="-228600" algn="l" defTabSz="914400" rtl="0" eaLnBrk="1" latinLnBrk="0" hangingPunct="1">
-              <a:lnSpc>
-                <a:spcPct val="90000"/>
-              </a:lnSpc>
-              <a:spcBef>
-                <a:spcPts val="500"/>
-              </a:spcBef>
-              <a:buFont typeface="Arial" panose="020B0604020202020204" pitchFamily="34" charset="0"/>
-              <a:buChar char="•"/>
-              <a:defRPr sz="1800" kern="1200">
-                <a:solidFill>
-                  <a:schemeClr val="tx1"/>
-                </a:solidFill>
-                <a:latin typeface="+mn-lt"/>
-                <a:ea typeface="+mn-ea"/>
-                <a:cs typeface="+mn-cs"/>
-              </a:defRPr>
-            </a:lvl7pPr>
-            <a:lvl8pPr marL="3429000" indent="-228600" algn="l" defTabSz="914400" rtl="0" eaLnBrk="1" latinLnBrk="0" hangingPunct="1">
-              <a:lnSpc>
-                <a:spcPct val="90000"/>
-              </a:lnSpc>
-              <a:spcBef>
-                <a:spcPts val="500"/>
-              </a:spcBef>
-              <a:buFont typeface="Arial" panose="020B0604020202020204" pitchFamily="34" charset="0"/>
-              <a:buChar char="•"/>
-              <a:defRPr sz="1800" kern="1200">
-                <a:solidFill>
-                  <a:schemeClr val="tx1"/>
-                </a:solidFill>
-                <a:latin typeface="+mn-lt"/>
-                <a:ea typeface="+mn-ea"/>
-                <a:cs typeface="+mn-cs"/>
-              </a:defRPr>
-            </a:lvl8pPr>
-            <a:lvl9pPr marL="3886200" indent="-228600" algn="l" defTabSz="914400" rtl="0" eaLnBrk="1" latinLnBrk="0" hangingPunct="1">
-              <a:lnSpc>
-                <a:spcPct val="90000"/>
-              </a:lnSpc>
-              <a:spcBef>
-                <a:spcPts val="500"/>
-              </a:spcBef>
-              <a:buFont typeface="Arial" panose="020B0604020202020204" pitchFamily="34" charset="0"/>
-              <a:buChar char="•"/>
-              <a:defRPr sz="1800" kern="1200">
-                <a:solidFill>
-                  <a:schemeClr val="tx1"/>
-                </a:solidFill>
-                <a:latin typeface="+mn-lt"/>
-                <a:ea typeface="+mn-ea"/>
-                <a:cs typeface="+mn-cs"/>
-              </a:defRPr>
-            </a:lvl9pPr>
-          </a:lstStyle>
-          <a:p>
-            <a:pPr marL="0" indent="0">
-              <a:buNone/>
-            </a:pPr>
-            <a:r>
-              <a:rPr lang="en-US" sz="4400" b="1" dirty="0"/>
-              <a:t>3)</a:t>
-            </a:r>
-            <a:r>
-              <a:rPr lang="en-US" sz="4400" dirty="0"/>
-              <a:t>    </a:t>
-            </a:r>
-            <a:endParaRPr lang="en-US" sz="4400" dirty="0">
-              <a:solidFill>
-                <a:schemeClr val="accent6">
-                  <a:lumMod val="50000"/>
-                </a:schemeClr>
-              </a:solidFill>
-              <a:latin typeface="+mj-lt"/>
-            </a:endParaRPr>
-          </a:p>
-        </p:txBody>
-      </p:sp>
-      <p:sp>
-        <p:nvSpPr>
-          <p:cNvPr id="7" name="Text Placeholder 10">
-            <a:extLst>
-              <a:ext uri="{FF2B5EF4-FFF2-40B4-BE49-F238E27FC236}">
-                <a16:creationId xmlns:a16="http://schemas.microsoft.com/office/drawing/2014/main" id="{B4500D03-A13F-4703-A793-8689577D4EB8}"/>
-              </a:ext>
-            </a:extLst>
-          </p:cNvPr>
-          <p:cNvSpPr txBox="1">
-            <a:spLocks/>
-          </p:cNvSpPr>
-          <p:nvPr/>
-        </p:nvSpPr>
-        <p:spPr>
-          <a:xfrm>
-            <a:off x="2313710" y="739699"/>
-            <a:ext cx="5403272" cy="749989"/>
-          </a:xfrm>
-          <a:prstGeom prst="rect">
-            <a:avLst/>
-          </a:prstGeom>
-        </p:spPr>
-        <p:txBody>
-          <a:bodyPr/>
-          <a:lstStyle>
-            <a:lvl1pPr marL="228600" indent="-228600" algn="l" defTabSz="914400" rtl="0" eaLnBrk="1" latinLnBrk="0" hangingPunct="1">
-              <a:lnSpc>
-                <a:spcPct val="90000"/>
-              </a:lnSpc>
-              <a:spcBef>
-                <a:spcPts val="1000"/>
-              </a:spcBef>
-              <a:buFont typeface="Arial" panose="020B0604020202020204" pitchFamily="34" charset="0"/>
-              <a:buChar char="•"/>
-              <a:defRPr sz="2800" kern="1200">
-                <a:solidFill>
-                  <a:schemeClr val="tx1"/>
-                </a:solidFill>
-                <a:latin typeface="+mn-lt"/>
-                <a:ea typeface="+mn-ea"/>
-                <a:cs typeface="+mn-cs"/>
-              </a:defRPr>
-            </a:lvl1pPr>
-            <a:lvl2pPr marL="685800" indent="-228600" algn="l" defTabSz="914400" rtl="0" eaLnBrk="1" latinLnBrk="0" hangingPunct="1">
-              <a:lnSpc>
-                <a:spcPct val="90000"/>
-              </a:lnSpc>
-              <a:spcBef>
-                <a:spcPts val="500"/>
-              </a:spcBef>
-              <a:buFont typeface="Arial" panose="020B0604020202020204" pitchFamily="34" charset="0"/>
-              <a:buChar char="•"/>
-              <a:defRPr sz="2400" kern="1200">
-                <a:solidFill>
-                  <a:schemeClr val="tx1"/>
-                </a:solidFill>
-                <a:latin typeface="+mn-lt"/>
-                <a:ea typeface="+mn-ea"/>
-                <a:cs typeface="+mn-cs"/>
-              </a:defRPr>
-            </a:lvl2pPr>
-            <a:lvl3pPr marL="1143000" indent="-228600" algn="l" defTabSz="914400" rtl="0" eaLnBrk="1" latinLnBrk="0" hangingPunct="1">
-              <a:lnSpc>
-                <a:spcPct val="90000"/>
-              </a:lnSpc>
-              <a:spcBef>
-                <a:spcPts val="500"/>
-              </a:spcBef>
-              <a:buFont typeface="Arial" panose="020B0604020202020204" pitchFamily="34" charset="0"/>
-              <a:buChar char="•"/>
-              <a:defRPr sz="2000" kern="1200">
-                <a:solidFill>
-                  <a:schemeClr val="tx1"/>
-                </a:solidFill>
-                <a:latin typeface="+mn-lt"/>
-                <a:ea typeface="+mn-ea"/>
-                <a:cs typeface="+mn-cs"/>
-              </a:defRPr>
-            </a:lvl3pPr>
-            <a:lvl4pPr marL="1600200" indent="-228600" algn="l" defTabSz="914400" rtl="0" eaLnBrk="1" latinLnBrk="0" hangingPunct="1">
-              <a:lnSpc>
-                <a:spcPct val="90000"/>
-              </a:lnSpc>
-              <a:spcBef>
-                <a:spcPts val="500"/>
-              </a:spcBef>
-              <a:buFont typeface="Arial" panose="020B0604020202020204" pitchFamily="34" charset="0"/>
-              <a:buChar char="•"/>
-              <a:defRPr sz="1800" kern="1200">
-                <a:solidFill>
-                  <a:schemeClr val="tx1"/>
-                </a:solidFill>
-                <a:latin typeface="+mn-lt"/>
-                <a:ea typeface="+mn-ea"/>
-                <a:cs typeface="+mn-cs"/>
-              </a:defRPr>
-            </a:lvl4pPr>
-            <a:lvl5pPr marL="2057400" indent="-228600" algn="l" defTabSz="914400" rtl="0" eaLnBrk="1" latinLnBrk="0" hangingPunct="1">
-              <a:lnSpc>
-                <a:spcPct val="90000"/>
-              </a:lnSpc>
-              <a:spcBef>
-                <a:spcPts val="500"/>
-              </a:spcBef>
-              <a:buFont typeface="Arial" panose="020B0604020202020204" pitchFamily="34" charset="0"/>
-              <a:buChar char="•"/>
-              <a:defRPr sz="1800" kern="1200">
-                <a:solidFill>
-                  <a:schemeClr val="tx1"/>
-                </a:solidFill>
-                <a:latin typeface="+mn-lt"/>
-                <a:ea typeface="+mn-ea"/>
-                <a:cs typeface="+mn-cs"/>
-              </a:defRPr>
-            </a:lvl5pPr>
-            <a:lvl6pPr marL="2514600" indent="-228600" algn="l" defTabSz="914400" rtl="0" eaLnBrk="1" latinLnBrk="0" hangingPunct="1">
-              <a:lnSpc>
-                <a:spcPct val="90000"/>
-              </a:lnSpc>
-              <a:spcBef>
-                <a:spcPts val="500"/>
-              </a:spcBef>
-              <a:buFont typeface="Arial" panose="020B0604020202020204" pitchFamily="34" charset="0"/>
-              <a:buChar char="•"/>
-              <a:defRPr sz="1800" kern="1200">
-                <a:solidFill>
-                  <a:schemeClr val="tx1"/>
-                </a:solidFill>
-                <a:latin typeface="+mn-lt"/>
-                <a:ea typeface="+mn-ea"/>
-                <a:cs typeface="+mn-cs"/>
-              </a:defRPr>
-            </a:lvl6pPr>
-            <a:lvl7pPr marL="2971800" indent="-228600" algn="l" defTabSz="914400" rtl="0" eaLnBrk="1" latinLnBrk="0" hangingPunct="1">
-              <a:lnSpc>
-                <a:spcPct val="90000"/>
-              </a:lnSpc>
-              <a:spcBef>
-                <a:spcPts val="500"/>
-              </a:spcBef>
-              <a:buFont typeface="Arial" panose="020B0604020202020204" pitchFamily="34" charset="0"/>
-              <a:buChar char="•"/>
-              <a:defRPr sz="1800" kern="1200">
-                <a:solidFill>
-                  <a:schemeClr val="tx1"/>
-                </a:solidFill>
-                <a:latin typeface="+mn-lt"/>
-                <a:ea typeface="+mn-ea"/>
-                <a:cs typeface="+mn-cs"/>
-              </a:defRPr>
-            </a:lvl7pPr>
-            <a:lvl8pPr marL="3429000" indent="-228600" algn="l" defTabSz="914400" rtl="0" eaLnBrk="1" latinLnBrk="0" hangingPunct="1">
-              <a:lnSpc>
-                <a:spcPct val="90000"/>
-              </a:lnSpc>
-              <a:spcBef>
-                <a:spcPts val="500"/>
-              </a:spcBef>
-              <a:buFont typeface="Arial" panose="020B0604020202020204" pitchFamily="34" charset="0"/>
-              <a:buChar char="•"/>
-              <a:defRPr sz="1800" kern="1200">
-                <a:solidFill>
-                  <a:schemeClr val="tx1"/>
-                </a:solidFill>
-                <a:latin typeface="+mn-lt"/>
-                <a:ea typeface="+mn-ea"/>
-                <a:cs typeface="+mn-cs"/>
-              </a:defRPr>
-            </a:lvl8pPr>
-            <a:lvl9pPr marL="3886200" indent="-228600" algn="l" defTabSz="914400" rtl="0" eaLnBrk="1" latinLnBrk="0" hangingPunct="1">
-              <a:lnSpc>
-                <a:spcPct val="90000"/>
-              </a:lnSpc>
-              <a:spcBef>
-                <a:spcPts val="500"/>
-              </a:spcBef>
-              <a:buFont typeface="Arial" panose="020B0604020202020204" pitchFamily="34" charset="0"/>
-              <a:buChar char="•"/>
-              <a:defRPr sz="1800" kern="1200">
-                <a:solidFill>
-                  <a:schemeClr val="tx1"/>
-                </a:solidFill>
-                <a:latin typeface="+mn-lt"/>
-                <a:ea typeface="+mn-ea"/>
-                <a:cs typeface="+mn-cs"/>
-              </a:defRPr>
-            </a:lvl9pPr>
-          </a:lstStyle>
-          <a:p>
-            <a:pPr marL="0" indent="0">
-              <a:buNone/>
-            </a:pPr>
-            <a:r>
-              <a:rPr lang="en-US" sz="4400" b="1" dirty="0">
-                <a:solidFill>
-                  <a:schemeClr val="accent4">
-                    <a:lumMod val="20000"/>
-                    <a:lumOff val="80000"/>
-                  </a:schemeClr>
-                </a:solidFill>
-                <a:latin typeface="+mj-lt"/>
-              </a:rPr>
-              <a:t>Data </a:t>
-            </a:r>
-            <a:r>
-              <a:rPr lang="en-US" sz="4400" b="1" dirty="0">
-                <a:solidFill>
-                  <a:schemeClr val="accent4">
-                    <a:lumMod val="50000"/>
-                  </a:schemeClr>
-                </a:solidFill>
-                <a:latin typeface="+mj-lt"/>
-              </a:rPr>
-              <a:t>Analysis</a:t>
-            </a:r>
-            <a:endParaRPr lang="en-US" sz="4400" dirty="0">
-              <a:solidFill>
-                <a:schemeClr val="accent4">
-                  <a:lumMod val="50000"/>
-                </a:schemeClr>
-              </a:solidFill>
-              <a:latin typeface="+mj-lt"/>
-            </a:endParaRPr>
-          </a:p>
-        </p:txBody>
-      </p:sp>
-      <p:sp>
-        <p:nvSpPr>
-          <p:cNvPr id="28" name="TextBox 27">
-            <a:extLst>
-              <a:ext uri="{FF2B5EF4-FFF2-40B4-BE49-F238E27FC236}">
-                <a16:creationId xmlns:a16="http://schemas.microsoft.com/office/drawing/2014/main" id="{056F0202-55C7-461E-98E6-A4E1D367C726}"/>
-              </a:ext>
-            </a:extLst>
-          </p:cNvPr>
-          <p:cNvSpPr txBox="1"/>
-          <p:nvPr/>
-        </p:nvSpPr>
-        <p:spPr>
-          <a:xfrm>
-            <a:off x="1" y="1718537"/>
-            <a:ext cx="6095999" cy="523220"/>
-          </a:xfrm>
-          <a:prstGeom prst="rect">
-            <a:avLst/>
-          </a:prstGeom>
-          <a:noFill/>
-        </p:spPr>
-        <p:txBody>
-          <a:bodyPr wrap="square" rtlCol="0">
-            <a:spAutoFit/>
-          </a:bodyPr>
-          <a:lstStyle/>
-          <a:p>
-            <a:pPr algn="ctr"/>
-            <a:r>
-              <a:rPr lang="en-US" sz="2800" dirty="0">
-                <a:solidFill>
-                  <a:schemeClr val="accent1">
-                    <a:lumMod val="50000"/>
-                  </a:schemeClr>
-                </a:solidFill>
-              </a:rPr>
-              <a:t>Closure Rate</a:t>
-            </a:r>
-          </a:p>
-        </p:txBody>
-      </p:sp>
-      <p:pic>
-        <p:nvPicPr>
-          <p:cNvPr id="3" name="Picture 2">
-            <a:extLst>
-              <a:ext uri="{FF2B5EF4-FFF2-40B4-BE49-F238E27FC236}">
-                <a16:creationId xmlns:a16="http://schemas.microsoft.com/office/drawing/2014/main" id="{7600589B-A00E-474B-B36C-0948CE72392B}"/>
-              </a:ext>
-            </a:extLst>
-          </p:cNvPr>
-          <p:cNvPicPr>
-            <a:picLocks noChangeAspect="1"/>
-          </p:cNvPicPr>
-          <p:nvPr/>
-        </p:nvPicPr>
-        <p:blipFill>
-          <a:blip r:embed="rId2"/>
-          <a:stretch>
-            <a:fillRect/>
-          </a:stretch>
-        </p:blipFill>
-        <p:spPr>
-          <a:xfrm>
-            <a:off x="116031" y="2200813"/>
-            <a:ext cx="6243825" cy="4828424"/>
-          </a:xfrm>
-          <a:prstGeom prst="rect">
-            <a:avLst/>
-          </a:prstGeom>
-        </p:spPr>
-      </p:pic>
-    </p:spTree>
-    <p:extLst>
-      <p:ext uri="{BB962C8B-B14F-4D97-AF65-F5344CB8AC3E}">
-        <p14:creationId xmlns:p14="http://schemas.microsoft.com/office/powerpoint/2010/main" val="1351392723"/>
-      </p:ext>
-    </p:extLst>
-  </p:cSld>
-  <p:clrMapOvr>
-    <a:masterClrMapping/>
-  </p:clrMapOvr>
-</p:sld>
-</file>
-
-<file path=ppt/slides/slide9.xml><?xml version="1.0" encoding="utf-8"?>
-<p:sld xmlns:a="http://schemas.openxmlformats.org/drawingml/2006/main" xmlns:r="http://schemas.openxmlformats.org/officeDocument/2006/relationships" xmlns:p="http://schemas.openxmlformats.org/presentationml/2006/main">
-  <p:cSld>
-    <p:spTree>
-      <p:nvGrpSpPr>
-        <p:cNvPr id="1" name=""/>
-        <p:cNvGrpSpPr/>
-        <p:nvPr/>
-      </p:nvGrpSpPr>
-      <p:grpSpPr>
-        <a:xfrm>
-          <a:off x="0" y="0"/>
-          <a:ext cx="0" cy="0"/>
-          <a:chOff x="0" y="0"/>
-          <a:chExt cx="0" cy="0"/>
-        </a:xfrm>
-      </p:grpSpPr>
-      <p:sp>
-        <p:nvSpPr>
-          <p:cNvPr id="6" name="Flowchart: Alternate Process 5">
-            <a:extLst>
-              <a:ext uri="{FF2B5EF4-FFF2-40B4-BE49-F238E27FC236}">
-                <a16:creationId xmlns:a16="http://schemas.microsoft.com/office/drawing/2014/main" id="{0309A167-194F-49E3-A8C7-133C659DDBF3}"/>
-              </a:ext>
-            </a:extLst>
-          </p:cNvPr>
-          <p:cNvSpPr/>
-          <p:nvPr/>
-        </p:nvSpPr>
-        <p:spPr>
-          <a:xfrm>
-            <a:off x="2148711" y="649970"/>
-            <a:ext cx="1398054" cy="839718"/>
-          </a:xfrm>
-          <a:prstGeom prst="flowChartAlternateProcess">
-            <a:avLst/>
-          </a:prstGeom>
-          <a:solidFill>
-            <a:schemeClr val="accent1">
-              <a:lumMod val="50000"/>
-            </a:schemeClr>
-          </a:solidFill>
-          <a:ln/>
-        </p:spPr>
-        <p:style>
-          <a:lnRef idx="0">
-            <a:schemeClr val="accent6"/>
-          </a:lnRef>
-          <a:fillRef idx="3">
-            <a:schemeClr val="accent6"/>
-          </a:fillRef>
-          <a:effectRef idx="3">
-            <a:schemeClr val="accent6"/>
-          </a:effectRef>
-          <a:fontRef idx="minor">
-            <a:schemeClr val="lt1"/>
-          </a:fontRef>
-        </p:style>
-        <p:txBody>
-          <a:bodyPr wrap="square" rtlCol="0" anchor="ctr">
-            <a:noAutofit/>
-          </a:bodyPr>
-          <a:lstStyle/>
-          <a:p>
-            <a:endParaRPr lang="en-US" sz="1400" b="1" dirty="0">
-              <a:solidFill>
-                <a:schemeClr val="tx1">
-                  <a:lumMod val="85000"/>
-                  <a:lumOff val="15000"/>
-                </a:schemeClr>
-              </a:solidFill>
-            </a:endParaRPr>
-          </a:p>
-        </p:txBody>
-      </p:sp>
-      <p:sp>
-        <p:nvSpPr>
-          <p:cNvPr id="5" name="Text Placeholder 10">
-            <a:extLst>
-              <a:ext uri="{FF2B5EF4-FFF2-40B4-BE49-F238E27FC236}">
-                <a16:creationId xmlns:a16="http://schemas.microsoft.com/office/drawing/2014/main" id="{ED2DF37D-169B-4384-8CDB-4E201516355F}"/>
-              </a:ext>
-            </a:extLst>
-          </p:cNvPr>
-          <p:cNvSpPr txBox="1">
-            <a:spLocks/>
-          </p:cNvSpPr>
-          <p:nvPr/>
-        </p:nvSpPr>
-        <p:spPr>
-          <a:xfrm>
-            <a:off x="1260765" y="739699"/>
-            <a:ext cx="887945" cy="749989"/>
-          </a:xfrm>
-          <a:prstGeom prst="rect">
-            <a:avLst/>
-          </a:prstGeom>
-        </p:spPr>
-        <p:txBody>
-          <a:bodyPr/>
-          <a:lstStyle>
-            <a:lvl1pPr marL="228600" indent="-228600" algn="l" defTabSz="914400" rtl="0" eaLnBrk="1" latinLnBrk="0" hangingPunct="1">
-              <a:lnSpc>
-                <a:spcPct val="90000"/>
-              </a:lnSpc>
-              <a:spcBef>
-                <a:spcPts val="1000"/>
-              </a:spcBef>
-              <a:buFont typeface="Arial" panose="020B0604020202020204" pitchFamily="34" charset="0"/>
-              <a:buChar char="•"/>
-              <a:defRPr sz="2800" kern="1200">
-                <a:solidFill>
-                  <a:schemeClr val="tx1"/>
-                </a:solidFill>
-                <a:latin typeface="+mn-lt"/>
-                <a:ea typeface="+mn-ea"/>
-                <a:cs typeface="+mn-cs"/>
-              </a:defRPr>
-            </a:lvl1pPr>
-            <a:lvl2pPr marL="685800" indent="-228600" algn="l" defTabSz="914400" rtl="0" eaLnBrk="1" latinLnBrk="0" hangingPunct="1">
-              <a:lnSpc>
-                <a:spcPct val="90000"/>
-              </a:lnSpc>
-              <a:spcBef>
-                <a:spcPts val="500"/>
-              </a:spcBef>
-              <a:buFont typeface="Arial" panose="020B0604020202020204" pitchFamily="34" charset="0"/>
-              <a:buChar char="•"/>
-              <a:defRPr sz="2400" kern="1200">
-                <a:solidFill>
-                  <a:schemeClr val="tx1"/>
-                </a:solidFill>
-                <a:latin typeface="+mn-lt"/>
-                <a:ea typeface="+mn-ea"/>
-                <a:cs typeface="+mn-cs"/>
-              </a:defRPr>
-            </a:lvl2pPr>
-            <a:lvl3pPr marL="1143000" indent="-228600" algn="l" defTabSz="914400" rtl="0" eaLnBrk="1" latinLnBrk="0" hangingPunct="1">
-              <a:lnSpc>
-                <a:spcPct val="90000"/>
-              </a:lnSpc>
-              <a:spcBef>
-                <a:spcPts val="500"/>
-              </a:spcBef>
-              <a:buFont typeface="Arial" panose="020B0604020202020204" pitchFamily="34" charset="0"/>
-              <a:buChar char="•"/>
-              <a:defRPr sz="2000" kern="1200">
-                <a:solidFill>
-                  <a:schemeClr val="tx1"/>
-                </a:solidFill>
-                <a:latin typeface="+mn-lt"/>
-                <a:ea typeface="+mn-ea"/>
-                <a:cs typeface="+mn-cs"/>
-              </a:defRPr>
-            </a:lvl3pPr>
-            <a:lvl4pPr marL="1600200" indent="-228600" algn="l" defTabSz="914400" rtl="0" eaLnBrk="1" latinLnBrk="0" hangingPunct="1">
-              <a:lnSpc>
-                <a:spcPct val="90000"/>
-              </a:lnSpc>
-              <a:spcBef>
-                <a:spcPts val="500"/>
-              </a:spcBef>
-              <a:buFont typeface="Arial" panose="020B0604020202020204" pitchFamily="34" charset="0"/>
-              <a:buChar char="•"/>
-              <a:defRPr sz="1800" kern="1200">
-                <a:solidFill>
-                  <a:schemeClr val="tx1"/>
-                </a:solidFill>
-                <a:latin typeface="+mn-lt"/>
-                <a:ea typeface="+mn-ea"/>
-                <a:cs typeface="+mn-cs"/>
-              </a:defRPr>
-            </a:lvl4pPr>
-            <a:lvl5pPr marL="2057400" indent="-228600" algn="l" defTabSz="914400" rtl="0" eaLnBrk="1" latinLnBrk="0" hangingPunct="1">
-              <a:lnSpc>
-                <a:spcPct val="90000"/>
-              </a:lnSpc>
-              <a:spcBef>
-                <a:spcPts val="500"/>
-              </a:spcBef>
-              <a:buFont typeface="Arial" panose="020B0604020202020204" pitchFamily="34" charset="0"/>
-              <a:buChar char="•"/>
-              <a:defRPr sz="1800" kern="1200">
-                <a:solidFill>
-                  <a:schemeClr val="tx1"/>
-                </a:solidFill>
-                <a:latin typeface="+mn-lt"/>
-                <a:ea typeface="+mn-ea"/>
-                <a:cs typeface="+mn-cs"/>
-              </a:defRPr>
-            </a:lvl5pPr>
-            <a:lvl6pPr marL="2514600" indent="-228600" algn="l" defTabSz="914400" rtl="0" eaLnBrk="1" latinLnBrk="0" hangingPunct="1">
-              <a:lnSpc>
-                <a:spcPct val="90000"/>
-              </a:lnSpc>
-              <a:spcBef>
-                <a:spcPts val="500"/>
-              </a:spcBef>
-              <a:buFont typeface="Arial" panose="020B0604020202020204" pitchFamily="34" charset="0"/>
-              <a:buChar char="•"/>
-              <a:defRPr sz="1800" kern="1200">
-                <a:solidFill>
-                  <a:schemeClr val="tx1"/>
-                </a:solidFill>
-                <a:latin typeface="+mn-lt"/>
-                <a:ea typeface="+mn-ea"/>
-                <a:cs typeface="+mn-cs"/>
-              </a:defRPr>
-            </a:lvl6pPr>
-            <a:lvl7pPr marL="2971800" indent="-228600" algn="l" defTabSz="914400" rtl="0" eaLnBrk="1" latinLnBrk="0" hangingPunct="1">
-              <a:lnSpc>
-                <a:spcPct val="90000"/>
-              </a:lnSpc>
-              <a:spcBef>
-                <a:spcPts val="500"/>
-              </a:spcBef>
-              <a:buFont typeface="Arial" panose="020B0604020202020204" pitchFamily="34" charset="0"/>
-              <a:buChar char="•"/>
-              <a:defRPr sz="1800" kern="1200">
-                <a:solidFill>
-                  <a:schemeClr val="tx1"/>
-                </a:solidFill>
-                <a:latin typeface="+mn-lt"/>
-                <a:ea typeface="+mn-ea"/>
-                <a:cs typeface="+mn-cs"/>
-              </a:defRPr>
-            </a:lvl7pPr>
-            <a:lvl8pPr marL="3429000" indent="-228600" algn="l" defTabSz="914400" rtl="0" eaLnBrk="1" latinLnBrk="0" hangingPunct="1">
-              <a:lnSpc>
-                <a:spcPct val="90000"/>
-              </a:lnSpc>
-              <a:spcBef>
-                <a:spcPts val="500"/>
-              </a:spcBef>
-              <a:buFont typeface="Arial" panose="020B0604020202020204" pitchFamily="34" charset="0"/>
-              <a:buChar char="•"/>
-              <a:defRPr sz="1800" kern="1200">
-                <a:solidFill>
-                  <a:schemeClr val="tx1"/>
-                </a:solidFill>
-                <a:latin typeface="+mn-lt"/>
-                <a:ea typeface="+mn-ea"/>
-                <a:cs typeface="+mn-cs"/>
-              </a:defRPr>
-            </a:lvl8pPr>
-            <a:lvl9pPr marL="3886200" indent="-228600" algn="l" defTabSz="914400" rtl="0" eaLnBrk="1" latinLnBrk="0" hangingPunct="1">
-              <a:lnSpc>
-                <a:spcPct val="90000"/>
-              </a:lnSpc>
-              <a:spcBef>
-                <a:spcPts val="500"/>
-              </a:spcBef>
-              <a:buFont typeface="Arial" panose="020B0604020202020204" pitchFamily="34" charset="0"/>
-              <a:buChar char="•"/>
-              <a:defRPr sz="1800" kern="1200">
-                <a:solidFill>
-                  <a:schemeClr val="tx1"/>
-                </a:solidFill>
-                <a:latin typeface="+mn-lt"/>
-                <a:ea typeface="+mn-ea"/>
-                <a:cs typeface="+mn-cs"/>
-              </a:defRPr>
-            </a:lvl9pPr>
-          </a:lstStyle>
-          <a:p>
-            <a:pPr marL="0" indent="0">
-              <a:buNone/>
-            </a:pPr>
-            <a:r>
-              <a:rPr lang="en-US" sz="4400" b="1" dirty="0"/>
-              <a:t>3)</a:t>
-            </a:r>
-            <a:r>
-              <a:rPr lang="en-US" sz="4400" dirty="0"/>
-              <a:t>    </a:t>
-            </a:r>
-            <a:endParaRPr lang="en-US" sz="4400" dirty="0">
-              <a:solidFill>
-                <a:schemeClr val="accent6">
-                  <a:lumMod val="50000"/>
-                </a:schemeClr>
-              </a:solidFill>
-              <a:latin typeface="+mj-lt"/>
-            </a:endParaRPr>
-          </a:p>
-        </p:txBody>
-      </p:sp>
-      <p:sp>
-        <p:nvSpPr>
-          <p:cNvPr id="7" name="Text Placeholder 10">
-            <a:extLst>
-              <a:ext uri="{FF2B5EF4-FFF2-40B4-BE49-F238E27FC236}">
-                <a16:creationId xmlns:a16="http://schemas.microsoft.com/office/drawing/2014/main" id="{B4500D03-A13F-4703-A793-8689577D4EB8}"/>
-              </a:ext>
-            </a:extLst>
-          </p:cNvPr>
-          <p:cNvSpPr txBox="1">
-            <a:spLocks/>
-          </p:cNvSpPr>
-          <p:nvPr/>
-        </p:nvSpPr>
-        <p:spPr>
-          <a:xfrm>
-            <a:off x="2313710" y="739699"/>
-            <a:ext cx="5403272" cy="749989"/>
-          </a:xfrm>
-          <a:prstGeom prst="rect">
-            <a:avLst/>
-          </a:prstGeom>
-        </p:spPr>
-        <p:txBody>
-          <a:bodyPr/>
-          <a:lstStyle>
-            <a:lvl1pPr marL="228600" indent="-228600" algn="l" defTabSz="914400" rtl="0" eaLnBrk="1" latinLnBrk="0" hangingPunct="1">
-              <a:lnSpc>
-                <a:spcPct val="90000"/>
-              </a:lnSpc>
-              <a:spcBef>
-                <a:spcPts val="1000"/>
-              </a:spcBef>
-              <a:buFont typeface="Arial" panose="020B0604020202020204" pitchFamily="34" charset="0"/>
-              <a:buChar char="•"/>
-              <a:defRPr sz="2800" kern="1200">
-                <a:solidFill>
-                  <a:schemeClr val="tx1"/>
-                </a:solidFill>
-                <a:latin typeface="+mn-lt"/>
-                <a:ea typeface="+mn-ea"/>
-                <a:cs typeface="+mn-cs"/>
-              </a:defRPr>
-            </a:lvl1pPr>
-            <a:lvl2pPr marL="685800" indent="-228600" algn="l" defTabSz="914400" rtl="0" eaLnBrk="1" latinLnBrk="0" hangingPunct="1">
-              <a:lnSpc>
-                <a:spcPct val="90000"/>
-              </a:lnSpc>
-              <a:spcBef>
-                <a:spcPts val="500"/>
-              </a:spcBef>
-              <a:buFont typeface="Arial" panose="020B0604020202020204" pitchFamily="34" charset="0"/>
-              <a:buChar char="•"/>
-              <a:defRPr sz="2400" kern="1200">
-                <a:solidFill>
-                  <a:schemeClr val="tx1"/>
-                </a:solidFill>
-                <a:latin typeface="+mn-lt"/>
-                <a:ea typeface="+mn-ea"/>
-                <a:cs typeface="+mn-cs"/>
-              </a:defRPr>
-            </a:lvl2pPr>
-            <a:lvl3pPr marL="1143000" indent="-228600" algn="l" defTabSz="914400" rtl="0" eaLnBrk="1" latinLnBrk="0" hangingPunct="1">
-              <a:lnSpc>
-                <a:spcPct val="90000"/>
-              </a:lnSpc>
-              <a:spcBef>
-                <a:spcPts val="500"/>
-              </a:spcBef>
-              <a:buFont typeface="Arial" panose="020B0604020202020204" pitchFamily="34" charset="0"/>
-              <a:buChar char="•"/>
-              <a:defRPr sz="2000" kern="1200">
-                <a:solidFill>
-                  <a:schemeClr val="tx1"/>
-                </a:solidFill>
-                <a:latin typeface="+mn-lt"/>
-                <a:ea typeface="+mn-ea"/>
-                <a:cs typeface="+mn-cs"/>
-              </a:defRPr>
-            </a:lvl3pPr>
-            <a:lvl4pPr marL="1600200" indent="-228600" algn="l" defTabSz="914400" rtl="0" eaLnBrk="1" latinLnBrk="0" hangingPunct="1">
-              <a:lnSpc>
-                <a:spcPct val="90000"/>
-              </a:lnSpc>
-              <a:spcBef>
-                <a:spcPts val="500"/>
-              </a:spcBef>
-              <a:buFont typeface="Arial" panose="020B0604020202020204" pitchFamily="34" charset="0"/>
-              <a:buChar char="•"/>
-              <a:defRPr sz="1800" kern="1200">
-                <a:solidFill>
-                  <a:schemeClr val="tx1"/>
-                </a:solidFill>
-                <a:latin typeface="+mn-lt"/>
-                <a:ea typeface="+mn-ea"/>
-                <a:cs typeface="+mn-cs"/>
-              </a:defRPr>
-            </a:lvl4pPr>
-            <a:lvl5pPr marL="2057400" indent="-228600" algn="l" defTabSz="914400" rtl="0" eaLnBrk="1" latinLnBrk="0" hangingPunct="1">
-              <a:lnSpc>
-                <a:spcPct val="90000"/>
-              </a:lnSpc>
-              <a:spcBef>
-                <a:spcPts val="500"/>
-              </a:spcBef>
-              <a:buFont typeface="Arial" panose="020B0604020202020204" pitchFamily="34" charset="0"/>
-              <a:buChar char="•"/>
-              <a:defRPr sz="1800" kern="1200">
-                <a:solidFill>
-                  <a:schemeClr val="tx1"/>
-                </a:solidFill>
-                <a:latin typeface="+mn-lt"/>
-                <a:ea typeface="+mn-ea"/>
-                <a:cs typeface="+mn-cs"/>
-              </a:defRPr>
-            </a:lvl5pPr>
-            <a:lvl6pPr marL="2514600" indent="-228600" algn="l" defTabSz="914400" rtl="0" eaLnBrk="1" latinLnBrk="0" hangingPunct="1">
-              <a:lnSpc>
-                <a:spcPct val="90000"/>
-              </a:lnSpc>
-              <a:spcBef>
-                <a:spcPts val="500"/>
-              </a:spcBef>
-              <a:buFont typeface="Arial" panose="020B0604020202020204" pitchFamily="34" charset="0"/>
-              <a:buChar char="•"/>
-              <a:defRPr sz="1800" kern="1200">
-                <a:solidFill>
-                  <a:schemeClr val="tx1"/>
-                </a:solidFill>
-                <a:latin typeface="+mn-lt"/>
-                <a:ea typeface="+mn-ea"/>
-                <a:cs typeface="+mn-cs"/>
-              </a:defRPr>
-            </a:lvl6pPr>
-            <a:lvl7pPr marL="2971800" indent="-228600" algn="l" defTabSz="914400" rtl="0" eaLnBrk="1" latinLnBrk="0" hangingPunct="1">
-              <a:lnSpc>
-                <a:spcPct val="90000"/>
-              </a:lnSpc>
-              <a:spcBef>
-                <a:spcPts val="500"/>
-              </a:spcBef>
-              <a:buFont typeface="Arial" panose="020B0604020202020204" pitchFamily="34" charset="0"/>
-              <a:buChar char="•"/>
-              <a:defRPr sz="1800" kern="1200">
-                <a:solidFill>
-                  <a:schemeClr val="tx1"/>
-                </a:solidFill>
-                <a:latin typeface="+mn-lt"/>
-                <a:ea typeface="+mn-ea"/>
-                <a:cs typeface="+mn-cs"/>
-              </a:defRPr>
-            </a:lvl7pPr>
-            <a:lvl8pPr marL="3429000" indent="-228600" algn="l" defTabSz="914400" rtl="0" eaLnBrk="1" latinLnBrk="0" hangingPunct="1">
-              <a:lnSpc>
-                <a:spcPct val="90000"/>
-              </a:lnSpc>
-              <a:spcBef>
-                <a:spcPts val="500"/>
-              </a:spcBef>
-              <a:buFont typeface="Arial" panose="020B0604020202020204" pitchFamily="34" charset="0"/>
-              <a:buChar char="•"/>
-              <a:defRPr sz="1800" kern="1200">
-                <a:solidFill>
-                  <a:schemeClr val="tx1"/>
-                </a:solidFill>
-                <a:latin typeface="+mn-lt"/>
-                <a:ea typeface="+mn-ea"/>
-                <a:cs typeface="+mn-cs"/>
-              </a:defRPr>
-            </a:lvl8pPr>
-            <a:lvl9pPr marL="3886200" indent="-228600" algn="l" defTabSz="914400" rtl="0" eaLnBrk="1" latinLnBrk="0" hangingPunct="1">
-              <a:lnSpc>
-                <a:spcPct val="90000"/>
-              </a:lnSpc>
-              <a:spcBef>
-                <a:spcPts val="500"/>
-              </a:spcBef>
-              <a:buFont typeface="Arial" panose="020B0604020202020204" pitchFamily="34" charset="0"/>
-              <a:buChar char="•"/>
-              <a:defRPr sz="1800" kern="1200">
-                <a:solidFill>
-                  <a:schemeClr val="tx1"/>
-                </a:solidFill>
-                <a:latin typeface="+mn-lt"/>
-                <a:ea typeface="+mn-ea"/>
-                <a:cs typeface="+mn-cs"/>
-              </a:defRPr>
-            </a:lvl9pPr>
-          </a:lstStyle>
-          <a:p>
-            <a:pPr marL="0" indent="0">
-              <a:buNone/>
-            </a:pPr>
-            <a:r>
-              <a:rPr lang="en-US" sz="4400" b="1" dirty="0">
-                <a:solidFill>
-                  <a:schemeClr val="accent4">
-                    <a:lumMod val="20000"/>
-                    <a:lumOff val="80000"/>
-                  </a:schemeClr>
-                </a:solidFill>
-                <a:latin typeface="+mj-lt"/>
-              </a:rPr>
-              <a:t>Data </a:t>
-            </a:r>
-            <a:r>
-              <a:rPr lang="en-US" sz="4400" b="1" dirty="0">
-                <a:solidFill>
-                  <a:schemeClr val="accent4">
-                    <a:lumMod val="50000"/>
-                  </a:schemeClr>
-                </a:solidFill>
-                <a:latin typeface="+mj-lt"/>
-              </a:rPr>
-              <a:t>Analysis</a:t>
-            </a:r>
-            <a:endParaRPr lang="en-US" sz="4400" dirty="0">
-              <a:solidFill>
-                <a:schemeClr val="accent4">
-                  <a:lumMod val="50000"/>
-                </a:schemeClr>
-              </a:solidFill>
-              <a:latin typeface="+mj-lt"/>
-            </a:endParaRPr>
-          </a:p>
-        </p:txBody>
-      </p:sp>
-      <p:sp>
-        <p:nvSpPr>
-          <p:cNvPr id="28" name="TextBox 27">
-            <a:extLst>
-              <a:ext uri="{FF2B5EF4-FFF2-40B4-BE49-F238E27FC236}">
-                <a16:creationId xmlns:a16="http://schemas.microsoft.com/office/drawing/2014/main" id="{056F0202-55C7-461E-98E6-A4E1D367C726}"/>
-              </a:ext>
-            </a:extLst>
-          </p:cNvPr>
-          <p:cNvSpPr txBox="1"/>
-          <p:nvPr/>
-        </p:nvSpPr>
-        <p:spPr>
-          <a:xfrm>
-            <a:off x="3048001" y="1718537"/>
-            <a:ext cx="6095999" cy="584775"/>
-          </a:xfrm>
-          <a:prstGeom prst="rect">
-            <a:avLst/>
-          </a:prstGeom>
-          <a:noFill/>
-        </p:spPr>
-        <p:txBody>
-          <a:bodyPr wrap="square" rtlCol="0">
-            <a:spAutoFit/>
-          </a:bodyPr>
-          <a:lstStyle/>
-          <a:p>
-            <a:pPr algn="ctr"/>
-            <a:r>
-              <a:rPr lang="en-US" sz="3200" dirty="0">
-                <a:solidFill>
-                  <a:schemeClr val="accent1">
-                    <a:lumMod val="50000"/>
-                  </a:schemeClr>
-                </a:solidFill>
-              </a:rPr>
-              <a:t>Number of Reviews by Year</a:t>
-            </a:r>
-          </a:p>
-        </p:txBody>
-      </p:sp>
-      <p:pic>
-        <p:nvPicPr>
-          <p:cNvPr id="2" name="Picture 1">
-            <a:extLst>
-              <a:ext uri="{FF2B5EF4-FFF2-40B4-BE49-F238E27FC236}">
-                <a16:creationId xmlns:a16="http://schemas.microsoft.com/office/drawing/2014/main" id="{E7AFB07E-CAB1-4D54-A96F-616FBC6EC062}"/>
-              </a:ext>
-            </a:extLst>
-          </p:cNvPr>
-          <p:cNvPicPr>
-            <a:picLocks noChangeAspect="1"/>
-          </p:cNvPicPr>
-          <p:nvPr/>
-        </p:nvPicPr>
-        <p:blipFill>
-          <a:blip r:embed="rId2"/>
-          <a:stretch>
-            <a:fillRect/>
-          </a:stretch>
-        </p:blipFill>
-        <p:spPr>
-          <a:xfrm>
-            <a:off x="500963" y="2241757"/>
-            <a:ext cx="11770828" cy="4616243"/>
-          </a:xfrm>
-          <a:prstGeom prst="rect">
-            <a:avLst/>
-          </a:prstGeom>
-        </p:spPr>
-      </p:pic>
-    </p:spTree>
-    <p:extLst>
-      <p:ext uri="{BB962C8B-B14F-4D97-AF65-F5344CB8AC3E}">
-        <p14:creationId xmlns:p14="http://schemas.microsoft.com/office/powerpoint/2010/main" val="2164247917"/>
       </p:ext>
     </p:extLst>
   </p:cSld>

--- a/DS/Unit 3/Capstone_Presentation1.pptx
+++ b/DS/Unit 3/Capstone_Presentation1.pptx
@@ -296,7 +296,7 @@
           <a:p>
             <a:fld id="{CE999CD5-2318-4DCD-9AF4-11B8DA21DA3C}" type="datetimeFigureOut">
               <a:rPr lang="en-US" smtClean="0"/>
-              <a:t>2/4/2019</a:t>
+              <a:t>2/5/2019</a:t>
             </a:fld>
             <a:endParaRPr lang="en-US"/>
           </a:p>
@@ -494,7 +494,7 @@
           <a:p>
             <a:fld id="{CE999CD5-2318-4DCD-9AF4-11B8DA21DA3C}" type="datetimeFigureOut">
               <a:rPr lang="en-US" smtClean="0"/>
-              <a:t>2/4/2019</a:t>
+              <a:t>2/5/2019</a:t>
             </a:fld>
             <a:endParaRPr lang="en-US"/>
           </a:p>
@@ -702,7 +702,7 @@
           <a:p>
             <a:fld id="{CE999CD5-2318-4DCD-9AF4-11B8DA21DA3C}" type="datetimeFigureOut">
               <a:rPr lang="en-US" smtClean="0"/>
-              <a:t>2/4/2019</a:t>
+              <a:t>2/5/2019</a:t>
             </a:fld>
             <a:endParaRPr lang="en-US"/>
           </a:p>
@@ -900,7 +900,7 @@
           <a:p>
             <a:fld id="{CE999CD5-2318-4DCD-9AF4-11B8DA21DA3C}" type="datetimeFigureOut">
               <a:rPr lang="en-US" smtClean="0"/>
-              <a:t>2/4/2019</a:t>
+              <a:t>2/5/2019</a:t>
             </a:fld>
             <a:endParaRPr lang="en-US"/>
           </a:p>
@@ -1175,7 +1175,7 @@
           <a:p>
             <a:fld id="{CE999CD5-2318-4DCD-9AF4-11B8DA21DA3C}" type="datetimeFigureOut">
               <a:rPr lang="en-US" smtClean="0"/>
-              <a:t>2/4/2019</a:t>
+              <a:t>2/5/2019</a:t>
             </a:fld>
             <a:endParaRPr lang="en-US"/>
           </a:p>
@@ -1440,7 +1440,7 @@
           <a:p>
             <a:fld id="{CE999CD5-2318-4DCD-9AF4-11B8DA21DA3C}" type="datetimeFigureOut">
               <a:rPr lang="en-US" smtClean="0"/>
-              <a:t>2/4/2019</a:t>
+              <a:t>2/5/2019</a:t>
             </a:fld>
             <a:endParaRPr lang="en-US"/>
           </a:p>
@@ -1852,7 +1852,7 @@
           <a:p>
             <a:fld id="{CE999CD5-2318-4DCD-9AF4-11B8DA21DA3C}" type="datetimeFigureOut">
               <a:rPr lang="en-US" smtClean="0"/>
-              <a:t>2/4/2019</a:t>
+              <a:t>2/5/2019</a:t>
             </a:fld>
             <a:endParaRPr lang="en-US"/>
           </a:p>
@@ -1993,7 +1993,7 @@
           <a:p>
             <a:fld id="{CE999CD5-2318-4DCD-9AF4-11B8DA21DA3C}" type="datetimeFigureOut">
               <a:rPr lang="en-US" smtClean="0"/>
-              <a:t>2/4/2019</a:t>
+              <a:t>2/5/2019</a:t>
             </a:fld>
             <a:endParaRPr lang="en-US"/>
           </a:p>
@@ -2106,7 +2106,7 @@
           <a:p>
             <a:fld id="{CE999CD5-2318-4DCD-9AF4-11B8DA21DA3C}" type="datetimeFigureOut">
               <a:rPr lang="en-US" smtClean="0"/>
-              <a:t>2/4/2019</a:t>
+              <a:t>2/5/2019</a:t>
             </a:fld>
             <a:endParaRPr lang="en-US"/>
           </a:p>
@@ -2417,7 +2417,7 @@
           <a:p>
             <a:fld id="{CE999CD5-2318-4DCD-9AF4-11B8DA21DA3C}" type="datetimeFigureOut">
               <a:rPr lang="en-US" smtClean="0"/>
-              <a:t>2/4/2019</a:t>
+              <a:t>2/5/2019</a:t>
             </a:fld>
             <a:endParaRPr lang="en-US"/>
           </a:p>
@@ -2705,7 +2705,7 @@
           <a:p>
             <a:fld id="{CE999CD5-2318-4DCD-9AF4-11B8DA21DA3C}" type="datetimeFigureOut">
               <a:rPr lang="en-US" smtClean="0"/>
-              <a:t>2/4/2019</a:t>
+              <a:t>2/5/2019</a:t>
             </a:fld>
             <a:endParaRPr lang="en-US"/>
           </a:p>
@@ -2946,7 +2946,7 @@
           <a:p>
             <a:fld id="{CE999CD5-2318-4DCD-9AF4-11B8DA21DA3C}" type="datetimeFigureOut">
               <a:rPr lang="en-US" smtClean="0"/>
-              <a:t>2/4/2019</a:t>
+              <a:t>2/5/2019</a:t>
             </a:fld>
             <a:endParaRPr lang="en-US"/>
           </a:p>
@@ -13518,530 +13518,51 @@
           <a:chExt cx="0" cy="0"/>
         </a:xfrm>
       </p:grpSpPr>
-      <p:sp>
-        <p:nvSpPr>
-          <p:cNvPr id="6" name="Flowchart: Alternate Process 5">
-            <a:extLst>
-              <a:ext uri="{FF2B5EF4-FFF2-40B4-BE49-F238E27FC236}">
-                <a16:creationId xmlns:a16="http://schemas.microsoft.com/office/drawing/2014/main" id="{0309A167-194F-49E3-A8C7-133C659DDBF3}"/>
-              </a:ext>
-            </a:extLst>
-          </p:cNvPr>
-          <p:cNvSpPr/>
+      <p:pic>
+        <p:nvPicPr>
+          <p:cNvPr id="1030" name="Picture 6">
+            <a:extLst>
+              <a:ext uri="{FF2B5EF4-FFF2-40B4-BE49-F238E27FC236}">
+                <a16:creationId xmlns:a16="http://schemas.microsoft.com/office/drawing/2014/main" id="{94EF188E-974E-43A3-BACC-7B89BF0B9C31}"/>
+              </a:ext>
+            </a:extLst>
+          </p:cNvPr>
+          <p:cNvPicPr>
+            <a:picLocks noChangeAspect="1" noChangeArrowheads="1"/>
+          </p:cNvPicPr>
           <p:nvPr/>
-        </p:nvSpPr>
-        <p:spPr>
+        </p:nvPicPr>
+        <p:blipFill>
+          <a:blip r:embed="rId2">
+            <a:extLst>
+              <a:ext uri="{28A0092B-C50C-407E-A947-70E740481C1C}">
+                <a14:useLocalDpi xmlns:a14="http://schemas.microsoft.com/office/drawing/2010/main" val="0"/>
+              </a:ext>
+            </a:extLst>
+          </a:blip>
+          <a:srcRect/>
+          <a:stretch>
+            <a:fillRect/>
+          </a:stretch>
+        </p:blipFill>
+        <p:spPr bwMode="auto">
           <a:xfrm>
-            <a:off x="2148711" y="649970"/>
-            <a:ext cx="2041152" cy="839718"/>
-          </a:xfrm>
-          <a:prstGeom prst="flowChartAlternateProcess">
-            <a:avLst/>
-          </a:prstGeom>
-          <a:solidFill>
-            <a:schemeClr val="accent1">
-              <a:lumMod val="50000"/>
-            </a:schemeClr>
-          </a:solidFill>
-          <a:ln/>
-        </p:spPr>
-        <p:style>
-          <a:lnRef idx="0">
-            <a:schemeClr val="accent6"/>
-          </a:lnRef>
-          <a:fillRef idx="3">
-            <a:schemeClr val="accent6"/>
-          </a:fillRef>
-          <a:effectRef idx="3">
-            <a:schemeClr val="accent6"/>
-          </a:effectRef>
-          <a:fontRef idx="minor">
-            <a:schemeClr val="lt1"/>
-          </a:fontRef>
-        </p:style>
-        <p:txBody>
-          <a:bodyPr wrap="square" rtlCol="0" anchor="ctr">
-            <a:noAutofit/>
-          </a:bodyPr>
-          <a:lstStyle/>
-          <a:p>
-            <a:endParaRPr lang="en-US" sz="1400" b="1" dirty="0">
-              <a:solidFill>
-                <a:schemeClr val="tx1">
-                  <a:lumMod val="85000"/>
-                  <a:lumOff val="15000"/>
-                </a:schemeClr>
-              </a:solidFill>
-            </a:endParaRPr>
-          </a:p>
-        </p:txBody>
-      </p:sp>
-      <p:sp>
-        <p:nvSpPr>
-          <p:cNvPr id="5" name="Text Placeholder 10">
-            <a:extLst>
-              <a:ext uri="{FF2B5EF4-FFF2-40B4-BE49-F238E27FC236}">
-                <a16:creationId xmlns:a16="http://schemas.microsoft.com/office/drawing/2014/main" id="{ED2DF37D-169B-4384-8CDB-4E201516355F}"/>
-              </a:ext>
-            </a:extLst>
-          </p:cNvPr>
-          <p:cNvSpPr txBox="1">
-            <a:spLocks/>
-          </p:cNvSpPr>
-          <p:nvPr/>
-        </p:nvSpPr>
-        <p:spPr>
-          <a:xfrm>
-            <a:off x="1260765" y="739699"/>
-            <a:ext cx="887945" cy="749989"/>
+            <a:off x="1594528" y="0"/>
+            <a:ext cx="7353300" cy="6648450"/>
           </a:xfrm>
           <a:prstGeom prst="rect">
             <a:avLst/>
           </a:prstGeom>
-        </p:spPr>
-        <p:txBody>
-          <a:bodyPr/>
-          <a:lstStyle>
-            <a:lvl1pPr marL="228600" indent="-228600" algn="l" defTabSz="914400" rtl="0" eaLnBrk="1" latinLnBrk="0" hangingPunct="1">
-              <a:lnSpc>
-                <a:spcPct val="90000"/>
-              </a:lnSpc>
-              <a:spcBef>
-                <a:spcPts val="1000"/>
-              </a:spcBef>
-              <a:buFont typeface="Arial" panose="020B0604020202020204" pitchFamily="34" charset="0"/>
-              <a:buChar char="•"/>
-              <a:defRPr sz="2800" kern="1200">
-                <a:solidFill>
-                  <a:schemeClr val="tx1"/>
-                </a:solidFill>
-                <a:latin typeface="+mn-lt"/>
-                <a:ea typeface="+mn-ea"/>
-                <a:cs typeface="+mn-cs"/>
-              </a:defRPr>
-            </a:lvl1pPr>
-            <a:lvl2pPr marL="685800" indent="-228600" algn="l" defTabSz="914400" rtl="0" eaLnBrk="1" latinLnBrk="0" hangingPunct="1">
-              <a:lnSpc>
-                <a:spcPct val="90000"/>
-              </a:lnSpc>
-              <a:spcBef>
-                <a:spcPts val="500"/>
-              </a:spcBef>
-              <a:buFont typeface="Arial" panose="020B0604020202020204" pitchFamily="34" charset="0"/>
-              <a:buChar char="•"/>
-              <a:defRPr sz="2400" kern="1200">
-                <a:solidFill>
-                  <a:schemeClr val="tx1"/>
-                </a:solidFill>
-                <a:latin typeface="+mn-lt"/>
-                <a:ea typeface="+mn-ea"/>
-                <a:cs typeface="+mn-cs"/>
-              </a:defRPr>
-            </a:lvl2pPr>
-            <a:lvl3pPr marL="1143000" indent="-228600" algn="l" defTabSz="914400" rtl="0" eaLnBrk="1" latinLnBrk="0" hangingPunct="1">
-              <a:lnSpc>
-                <a:spcPct val="90000"/>
-              </a:lnSpc>
-              <a:spcBef>
-                <a:spcPts val="500"/>
-              </a:spcBef>
-              <a:buFont typeface="Arial" panose="020B0604020202020204" pitchFamily="34" charset="0"/>
-              <a:buChar char="•"/>
-              <a:defRPr sz="2000" kern="1200">
-                <a:solidFill>
-                  <a:schemeClr val="tx1"/>
-                </a:solidFill>
-                <a:latin typeface="+mn-lt"/>
-                <a:ea typeface="+mn-ea"/>
-                <a:cs typeface="+mn-cs"/>
-              </a:defRPr>
-            </a:lvl3pPr>
-            <a:lvl4pPr marL="1600200" indent="-228600" algn="l" defTabSz="914400" rtl="0" eaLnBrk="1" latinLnBrk="0" hangingPunct="1">
-              <a:lnSpc>
-                <a:spcPct val="90000"/>
-              </a:lnSpc>
-              <a:spcBef>
-                <a:spcPts val="500"/>
-              </a:spcBef>
-              <a:buFont typeface="Arial" panose="020B0604020202020204" pitchFamily="34" charset="0"/>
-              <a:buChar char="•"/>
-              <a:defRPr sz="1800" kern="1200">
-                <a:solidFill>
-                  <a:schemeClr val="tx1"/>
-                </a:solidFill>
-                <a:latin typeface="+mn-lt"/>
-                <a:ea typeface="+mn-ea"/>
-                <a:cs typeface="+mn-cs"/>
-              </a:defRPr>
-            </a:lvl4pPr>
-            <a:lvl5pPr marL="2057400" indent="-228600" algn="l" defTabSz="914400" rtl="0" eaLnBrk="1" latinLnBrk="0" hangingPunct="1">
-              <a:lnSpc>
-                <a:spcPct val="90000"/>
-              </a:lnSpc>
-              <a:spcBef>
-                <a:spcPts val="500"/>
-              </a:spcBef>
-              <a:buFont typeface="Arial" panose="020B0604020202020204" pitchFamily="34" charset="0"/>
-              <a:buChar char="•"/>
-              <a:defRPr sz="1800" kern="1200">
-                <a:solidFill>
-                  <a:schemeClr val="tx1"/>
-                </a:solidFill>
-                <a:latin typeface="+mn-lt"/>
-                <a:ea typeface="+mn-ea"/>
-                <a:cs typeface="+mn-cs"/>
-              </a:defRPr>
-            </a:lvl5pPr>
-            <a:lvl6pPr marL="2514600" indent="-228600" algn="l" defTabSz="914400" rtl="0" eaLnBrk="1" latinLnBrk="0" hangingPunct="1">
-              <a:lnSpc>
-                <a:spcPct val="90000"/>
-              </a:lnSpc>
-              <a:spcBef>
-                <a:spcPts val="500"/>
-              </a:spcBef>
-              <a:buFont typeface="Arial" panose="020B0604020202020204" pitchFamily="34" charset="0"/>
-              <a:buChar char="•"/>
-              <a:defRPr sz="1800" kern="1200">
-                <a:solidFill>
-                  <a:schemeClr val="tx1"/>
-                </a:solidFill>
-                <a:latin typeface="+mn-lt"/>
-                <a:ea typeface="+mn-ea"/>
-                <a:cs typeface="+mn-cs"/>
-              </a:defRPr>
-            </a:lvl6pPr>
-            <a:lvl7pPr marL="2971800" indent="-228600" algn="l" defTabSz="914400" rtl="0" eaLnBrk="1" latinLnBrk="0" hangingPunct="1">
-              <a:lnSpc>
-                <a:spcPct val="90000"/>
-              </a:lnSpc>
-              <a:spcBef>
-                <a:spcPts val="500"/>
-              </a:spcBef>
-              <a:buFont typeface="Arial" panose="020B0604020202020204" pitchFamily="34" charset="0"/>
-              <a:buChar char="•"/>
-              <a:defRPr sz="1800" kern="1200">
-                <a:solidFill>
-                  <a:schemeClr val="tx1"/>
-                </a:solidFill>
-                <a:latin typeface="+mn-lt"/>
-                <a:ea typeface="+mn-ea"/>
-                <a:cs typeface="+mn-cs"/>
-              </a:defRPr>
-            </a:lvl7pPr>
-            <a:lvl8pPr marL="3429000" indent="-228600" algn="l" defTabSz="914400" rtl="0" eaLnBrk="1" latinLnBrk="0" hangingPunct="1">
-              <a:lnSpc>
-                <a:spcPct val="90000"/>
-              </a:lnSpc>
-              <a:spcBef>
-                <a:spcPts val="500"/>
-              </a:spcBef>
-              <a:buFont typeface="Arial" panose="020B0604020202020204" pitchFamily="34" charset="0"/>
-              <a:buChar char="•"/>
-              <a:defRPr sz="1800" kern="1200">
-                <a:solidFill>
-                  <a:schemeClr val="tx1"/>
-                </a:solidFill>
-                <a:latin typeface="+mn-lt"/>
-                <a:ea typeface="+mn-ea"/>
-                <a:cs typeface="+mn-cs"/>
-              </a:defRPr>
-            </a:lvl8pPr>
-            <a:lvl9pPr marL="3886200" indent="-228600" algn="l" defTabSz="914400" rtl="0" eaLnBrk="1" latinLnBrk="0" hangingPunct="1">
-              <a:lnSpc>
-                <a:spcPct val="90000"/>
-              </a:lnSpc>
-              <a:spcBef>
-                <a:spcPts val="500"/>
-              </a:spcBef>
-              <a:buFont typeface="Arial" panose="020B0604020202020204" pitchFamily="34" charset="0"/>
-              <a:buChar char="•"/>
-              <a:defRPr sz="1800" kern="1200">
-                <a:solidFill>
-                  <a:schemeClr val="tx1"/>
-                </a:solidFill>
-                <a:latin typeface="+mn-lt"/>
-                <a:ea typeface="+mn-ea"/>
-                <a:cs typeface="+mn-cs"/>
-              </a:defRPr>
-            </a:lvl9pPr>
-          </a:lstStyle>
-          <a:p>
-            <a:pPr marL="0" indent="0">
-              <a:buNone/>
-            </a:pPr>
-            <a:r>
-              <a:rPr lang="en-US" sz="4400" b="1" dirty="0"/>
-              <a:t>4)</a:t>
-            </a:r>
-            <a:r>
-              <a:rPr lang="en-US" sz="4400" dirty="0"/>
-              <a:t>    </a:t>
-            </a:r>
-            <a:endParaRPr lang="en-US" sz="4400" dirty="0">
-              <a:solidFill>
-                <a:schemeClr val="accent6">
-                  <a:lumMod val="50000"/>
-                </a:schemeClr>
-              </a:solidFill>
-              <a:latin typeface="+mj-lt"/>
-            </a:endParaRPr>
-          </a:p>
-        </p:txBody>
-      </p:sp>
-      <p:sp>
-        <p:nvSpPr>
-          <p:cNvPr id="7" name="Text Placeholder 10">
-            <a:extLst>
-              <a:ext uri="{FF2B5EF4-FFF2-40B4-BE49-F238E27FC236}">
-                <a16:creationId xmlns:a16="http://schemas.microsoft.com/office/drawing/2014/main" id="{B4500D03-A13F-4703-A793-8689577D4EB8}"/>
-              </a:ext>
-            </a:extLst>
-          </p:cNvPr>
-          <p:cNvSpPr txBox="1">
-            <a:spLocks/>
-          </p:cNvSpPr>
-          <p:nvPr/>
-        </p:nvSpPr>
-        <p:spPr>
-          <a:xfrm>
-            <a:off x="2313710" y="739699"/>
-            <a:ext cx="5403272" cy="749989"/>
-          </a:xfrm>
-          <a:prstGeom prst="rect">
-            <a:avLst/>
-          </a:prstGeom>
-        </p:spPr>
-        <p:txBody>
-          <a:bodyPr/>
-          <a:lstStyle>
-            <a:lvl1pPr marL="228600" indent="-228600" algn="l" defTabSz="914400" rtl="0" eaLnBrk="1" latinLnBrk="0" hangingPunct="1">
-              <a:lnSpc>
-                <a:spcPct val="90000"/>
-              </a:lnSpc>
-              <a:spcBef>
-                <a:spcPts val="1000"/>
-              </a:spcBef>
-              <a:buFont typeface="Arial" panose="020B0604020202020204" pitchFamily="34" charset="0"/>
-              <a:buChar char="•"/>
-              <a:defRPr sz="2800" kern="1200">
-                <a:solidFill>
-                  <a:schemeClr val="tx1"/>
-                </a:solidFill>
-                <a:latin typeface="+mn-lt"/>
-                <a:ea typeface="+mn-ea"/>
-                <a:cs typeface="+mn-cs"/>
-              </a:defRPr>
-            </a:lvl1pPr>
-            <a:lvl2pPr marL="685800" indent="-228600" algn="l" defTabSz="914400" rtl="0" eaLnBrk="1" latinLnBrk="0" hangingPunct="1">
-              <a:lnSpc>
-                <a:spcPct val="90000"/>
-              </a:lnSpc>
-              <a:spcBef>
-                <a:spcPts val="500"/>
-              </a:spcBef>
-              <a:buFont typeface="Arial" panose="020B0604020202020204" pitchFamily="34" charset="0"/>
-              <a:buChar char="•"/>
-              <a:defRPr sz="2400" kern="1200">
-                <a:solidFill>
-                  <a:schemeClr val="tx1"/>
-                </a:solidFill>
-                <a:latin typeface="+mn-lt"/>
-                <a:ea typeface="+mn-ea"/>
-                <a:cs typeface="+mn-cs"/>
-              </a:defRPr>
-            </a:lvl2pPr>
-            <a:lvl3pPr marL="1143000" indent="-228600" algn="l" defTabSz="914400" rtl="0" eaLnBrk="1" latinLnBrk="0" hangingPunct="1">
-              <a:lnSpc>
-                <a:spcPct val="90000"/>
-              </a:lnSpc>
-              <a:spcBef>
-                <a:spcPts val="500"/>
-              </a:spcBef>
-              <a:buFont typeface="Arial" panose="020B0604020202020204" pitchFamily="34" charset="0"/>
-              <a:buChar char="•"/>
-              <a:defRPr sz="2000" kern="1200">
-                <a:solidFill>
-                  <a:schemeClr val="tx1"/>
-                </a:solidFill>
-                <a:latin typeface="+mn-lt"/>
-                <a:ea typeface="+mn-ea"/>
-                <a:cs typeface="+mn-cs"/>
-              </a:defRPr>
-            </a:lvl3pPr>
-            <a:lvl4pPr marL="1600200" indent="-228600" algn="l" defTabSz="914400" rtl="0" eaLnBrk="1" latinLnBrk="0" hangingPunct="1">
-              <a:lnSpc>
-                <a:spcPct val="90000"/>
-              </a:lnSpc>
-              <a:spcBef>
-                <a:spcPts val="500"/>
-              </a:spcBef>
-              <a:buFont typeface="Arial" panose="020B0604020202020204" pitchFamily="34" charset="0"/>
-              <a:buChar char="•"/>
-              <a:defRPr sz="1800" kern="1200">
-                <a:solidFill>
-                  <a:schemeClr val="tx1"/>
-                </a:solidFill>
-                <a:latin typeface="+mn-lt"/>
-                <a:ea typeface="+mn-ea"/>
-                <a:cs typeface="+mn-cs"/>
-              </a:defRPr>
-            </a:lvl4pPr>
-            <a:lvl5pPr marL="2057400" indent="-228600" algn="l" defTabSz="914400" rtl="0" eaLnBrk="1" latinLnBrk="0" hangingPunct="1">
-              <a:lnSpc>
-                <a:spcPct val="90000"/>
-              </a:lnSpc>
-              <a:spcBef>
-                <a:spcPts val="500"/>
-              </a:spcBef>
-              <a:buFont typeface="Arial" panose="020B0604020202020204" pitchFamily="34" charset="0"/>
-              <a:buChar char="•"/>
-              <a:defRPr sz="1800" kern="1200">
-                <a:solidFill>
-                  <a:schemeClr val="tx1"/>
-                </a:solidFill>
-                <a:latin typeface="+mn-lt"/>
-                <a:ea typeface="+mn-ea"/>
-                <a:cs typeface="+mn-cs"/>
-              </a:defRPr>
-            </a:lvl5pPr>
-            <a:lvl6pPr marL="2514600" indent="-228600" algn="l" defTabSz="914400" rtl="0" eaLnBrk="1" latinLnBrk="0" hangingPunct="1">
-              <a:lnSpc>
-                <a:spcPct val="90000"/>
-              </a:lnSpc>
-              <a:spcBef>
-                <a:spcPts val="500"/>
-              </a:spcBef>
-              <a:buFont typeface="Arial" panose="020B0604020202020204" pitchFamily="34" charset="0"/>
-              <a:buChar char="•"/>
-              <a:defRPr sz="1800" kern="1200">
-                <a:solidFill>
-                  <a:schemeClr val="tx1"/>
-                </a:solidFill>
-                <a:latin typeface="+mn-lt"/>
-                <a:ea typeface="+mn-ea"/>
-                <a:cs typeface="+mn-cs"/>
-              </a:defRPr>
-            </a:lvl6pPr>
-            <a:lvl7pPr marL="2971800" indent="-228600" algn="l" defTabSz="914400" rtl="0" eaLnBrk="1" latinLnBrk="0" hangingPunct="1">
-              <a:lnSpc>
-                <a:spcPct val="90000"/>
-              </a:lnSpc>
-              <a:spcBef>
-                <a:spcPts val="500"/>
-              </a:spcBef>
-              <a:buFont typeface="Arial" panose="020B0604020202020204" pitchFamily="34" charset="0"/>
-              <a:buChar char="•"/>
-              <a:defRPr sz="1800" kern="1200">
-                <a:solidFill>
-                  <a:schemeClr val="tx1"/>
-                </a:solidFill>
-                <a:latin typeface="+mn-lt"/>
-                <a:ea typeface="+mn-ea"/>
-                <a:cs typeface="+mn-cs"/>
-              </a:defRPr>
-            </a:lvl7pPr>
-            <a:lvl8pPr marL="3429000" indent="-228600" algn="l" defTabSz="914400" rtl="0" eaLnBrk="1" latinLnBrk="0" hangingPunct="1">
-              <a:lnSpc>
-                <a:spcPct val="90000"/>
-              </a:lnSpc>
-              <a:spcBef>
-                <a:spcPts val="500"/>
-              </a:spcBef>
-              <a:buFont typeface="Arial" panose="020B0604020202020204" pitchFamily="34" charset="0"/>
-              <a:buChar char="•"/>
-              <a:defRPr sz="1800" kern="1200">
-                <a:solidFill>
-                  <a:schemeClr val="tx1"/>
-                </a:solidFill>
-                <a:latin typeface="+mn-lt"/>
-                <a:ea typeface="+mn-ea"/>
-                <a:cs typeface="+mn-cs"/>
-              </a:defRPr>
-            </a:lvl8pPr>
-            <a:lvl9pPr marL="3886200" indent="-228600" algn="l" defTabSz="914400" rtl="0" eaLnBrk="1" latinLnBrk="0" hangingPunct="1">
-              <a:lnSpc>
-                <a:spcPct val="90000"/>
-              </a:lnSpc>
-              <a:spcBef>
-                <a:spcPts val="500"/>
-              </a:spcBef>
-              <a:buFont typeface="Arial" panose="020B0604020202020204" pitchFamily="34" charset="0"/>
-              <a:buChar char="•"/>
-              <a:defRPr sz="1800" kern="1200">
-                <a:solidFill>
-                  <a:schemeClr val="tx1"/>
-                </a:solidFill>
-                <a:latin typeface="+mn-lt"/>
-                <a:ea typeface="+mn-ea"/>
-                <a:cs typeface="+mn-cs"/>
-              </a:defRPr>
-            </a:lvl9pPr>
-          </a:lstStyle>
-          <a:p>
-            <a:pPr marL="0" indent="0">
-              <a:buNone/>
-            </a:pPr>
-            <a:r>
-              <a:rPr lang="en-US" sz="4400" b="1" dirty="0">
-                <a:solidFill>
-                  <a:schemeClr val="accent4">
-                    <a:lumMod val="20000"/>
-                    <a:lumOff val="80000"/>
-                  </a:schemeClr>
-                </a:solidFill>
-                <a:latin typeface="+mj-lt"/>
-              </a:rPr>
-              <a:t>Feature </a:t>
-            </a:r>
-            <a:r>
-              <a:rPr lang="en-US" sz="4400" b="1" dirty="0">
-                <a:solidFill>
-                  <a:schemeClr val="accent4">
-                    <a:lumMod val="50000"/>
-                  </a:schemeClr>
-                </a:solidFill>
-                <a:latin typeface="+mj-lt"/>
-              </a:rPr>
-              <a:t>Engineering</a:t>
-            </a:r>
-            <a:endParaRPr lang="en-US" sz="4400" dirty="0">
-              <a:solidFill>
-                <a:schemeClr val="accent4">
-                  <a:lumMod val="50000"/>
-                </a:schemeClr>
-              </a:solidFill>
-              <a:latin typeface="+mj-lt"/>
-            </a:endParaRPr>
-          </a:p>
-        </p:txBody>
-      </p:sp>
-      <p:pic>
-        <p:nvPicPr>
-          <p:cNvPr id="11" name="Picture 10">
-            <a:extLst>
-              <a:ext uri="{FF2B5EF4-FFF2-40B4-BE49-F238E27FC236}">
-                <a16:creationId xmlns:a16="http://schemas.microsoft.com/office/drawing/2014/main" id="{58BE364E-7E3F-4B71-A8E9-41CFAAC62F62}"/>
-              </a:ext>
-            </a:extLst>
-          </p:cNvPr>
-          <p:cNvPicPr>
-            <a:picLocks noChangeAspect="1"/>
-          </p:cNvPicPr>
-          <p:nvPr/>
-        </p:nvPicPr>
-        <p:blipFill rotWithShape="1">
-          <a:blip r:embed="rId2"/>
-          <a:srcRect l="18614" t="5458" r="3679" b="15753"/>
-          <a:stretch/>
-        </p:blipFill>
-        <p:spPr>
-          <a:xfrm>
-            <a:off x="3248167" y="1579416"/>
-            <a:ext cx="6564998" cy="5278583"/>
-          </a:xfrm>
-          <a:prstGeom prst="rect">
-            <a:avLst/>
-          </a:prstGeom>
+          <a:noFill/>
+          <a:extLst>
+            <a:ext uri="{909E8E84-426E-40DD-AFC4-6F175D3DCCD1}">
+              <a14:hiddenFill xmlns:a14="http://schemas.microsoft.com/office/drawing/2010/main">
+                <a:solidFill>
+                  <a:srgbClr val="FFFFFF"/>
+                </a:solidFill>
+              </a14:hiddenFill>
+            </a:ext>
+          </a:extLst>
         </p:spPr>
       </p:pic>
     </p:spTree>
